--- a/03_Linux101/Linux101.pptx
+++ b/03_Linux101/Linux101.pptx
@@ -5,7 +5,7 @@
     <p:sldMasterId id="2147483660" r:id="rId1"/>
   </p:sldMasterIdLst>
   <p:notesMasterIdLst>
-    <p:notesMasterId r:id="rId31"/>
+    <p:notesMasterId r:id="rId30"/>
   </p:notesMasterIdLst>
   <p:sldIdLst>
     <p:sldId id="272" r:id="rId2"/>
@@ -29,14 +29,13 @@
     <p:sldId id="281" r:id="rId20"/>
     <p:sldId id="278" r:id="rId21"/>
     <p:sldId id="283" r:id="rId22"/>
-    <p:sldId id="282" r:id="rId23"/>
-    <p:sldId id="284" r:id="rId24"/>
-    <p:sldId id="279" r:id="rId25"/>
-    <p:sldId id="290" r:id="rId26"/>
-    <p:sldId id="289" r:id="rId27"/>
-    <p:sldId id="286" r:id="rId28"/>
-    <p:sldId id="287" r:id="rId29"/>
-    <p:sldId id="288" r:id="rId30"/>
+    <p:sldId id="284" r:id="rId23"/>
+    <p:sldId id="279" r:id="rId24"/>
+    <p:sldId id="290" r:id="rId25"/>
+    <p:sldId id="289" r:id="rId26"/>
+    <p:sldId id="286" r:id="rId27"/>
+    <p:sldId id="287" r:id="rId28"/>
+    <p:sldId id="288" r:id="rId29"/>
   </p:sldIdLst>
   <p:sldSz cx="9144000" cy="6858000" type="screen4x3"/>
   <p:notesSz cx="6858000" cy="9144000"/>
@@ -225,7 +224,7 @@
           <a:p>
             <a:fld id="{D8EE5A8F-4476-493A-855E-B62436D00466}" type="datetimeFigureOut">
               <a:rPr kumimoji="1" lang="ja-JP" altLang="en-US" smtClean="0"/>
-              <a:t>2019/7/21</a:t>
+              <a:t>2019/7/22</a:t>
             </a:fld>
             <a:endParaRPr kumimoji="1" lang="ja-JP" altLang="en-US"/>
           </a:p>
@@ -771,6 +770,14 @@
           <a:bodyPr/>
           <a:lstStyle/>
           <a:p>
+            <a:r>
+              <a:rPr kumimoji="1" lang="zh-CN" altLang="en-US" dirty="0" smtClean="0"/>
+              <a:t>格式化，每个人的理解不同，可以想象成</a:t>
+            </a:r>
+            <a:r>
+              <a:rPr kumimoji="1" lang="en-US" altLang="zh-CN" dirty="0" smtClean="0"/>
+              <a:t>excel</a:t>
+            </a:r>
             <a:endParaRPr kumimoji="1" lang="ja-JP" altLang="en-US" dirty="0"/>
           </a:p>
         </p:txBody>
@@ -801,7 +808,7 @@
     </p:spTree>
     <p:extLst>
       <p:ext uri="{BB962C8B-B14F-4D97-AF65-F5344CB8AC3E}">
-        <p14:creationId xmlns:p14="http://schemas.microsoft.com/office/powerpoint/2010/main" val="3044967331"/>
+        <p14:creationId xmlns:p14="http://schemas.microsoft.com/office/powerpoint/2010/main" val="1001454729"/>
       </p:ext>
     </p:extLst>
   </p:cSld>
@@ -893,7 +900,7 @@
     </p:spTree>
     <p:extLst>
       <p:ext uri="{BB962C8B-B14F-4D97-AF65-F5344CB8AC3E}">
-        <p14:creationId xmlns:p14="http://schemas.microsoft.com/office/powerpoint/2010/main" val="1001454729"/>
+        <p14:creationId xmlns:p14="http://schemas.microsoft.com/office/powerpoint/2010/main" val="303440927"/>
       </p:ext>
     </p:extLst>
   </p:cSld>
@@ -985,7 +992,7 @@
     </p:spTree>
     <p:extLst>
       <p:ext uri="{BB962C8B-B14F-4D97-AF65-F5344CB8AC3E}">
-        <p14:creationId xmlns:p14="http://schemas.microsoft.com/office/powerpoint/2010/main" val="303440927"/>
+        <p14:creationId xmlns:p14="http://schemas.microsoft.com/office/powerpoint/2010/main" val="4264112900"/>
       </p:ext>
     </p:extLst>
   </p:cSld>
@@ -1041,12 +1048,19 @@
           <a:p>
             <a:r>
               <a:rPr kumimoji="1" lang="zh-CN" altLang="en-US" dirty="0" smtClean="0"/>
-              <a:t>格式化，每个人的理解不同，可以想象成</a:t>
+              <a:t>可以把</a:t>
             </a:r>
             <a:r>
               <a:rPr kumimoji="1" lang="en-US" altLang="zh-CN" dirty="0" smtClean="0"/>
-              <a:t>excel</a:t>
-            </a:r>
+              <a:t>grep </a:t>
+            </a:r>
+            <a:r>
+              <a:rPr kumimoji="1" lang="zh-CN" altLang="en-US" dirty="0" smtClean="0"/>
+              <a:t>命令看作是一个过滤器，过滤出自己想要的内容。</a:t>
+            </a:r>
+            <a:endParaRPr kumimoji="1" lang="en-US" altLang="zh-CN" dirty="0" smtClean="0"/>
+          </a:p>
+          <a:p>
             <a:endParaRPr kumimoji="1" lang="ja-JP" altLang="en-US" dirty="0"/>
           </a:p>
         </p:txBody>
@@ -1077,7 +1091,7 @@
     </p:spTree>
     <p:extLst>
       <p:ext uri="{BB962C8B-B14F-4D97-AF65-F5344CB8AC3E}">
-        <p14:creationId xmlns:p14="http://schemas.microsoft.com/office/powerpoint/2010/main" val="4264112900"/>
+        <p14:creationId xmlns:p14="http://schemas.microsoft.com/office/powerpoint/2010/main" val="2700174011"/>
       </p:ext>
     </p:extLst>
   </p:cSld>
@@ -1133,19 +1147,12 @@
           <a:p>
             <a:r>
               <a:rPr kumimoji="1" lang="zh-CN" altLang="en-US" dirty="0" smtClean="0"/>
-              <a:t>可以把</a:t>
+              <a:t>格式化，每个人的理解不同，可以想象成</a:t>
             </a:r>
             <a:r>
               <a:rPr kumimoji="1" lang="en-US" altLang="zh-CN" dirty="0" smtClean="0"/>
-              <a:t>grep </a:t>
-            </a:r>
-            <a:r>
-              <a:rPr kumimoji="1" lang="zh-CN" altLang="en-US" dirty="0" smtClean="0"/>
-              <a:t>命令看作是一个过滤器，过滤出自己想要的内容。</a:t>
-            </a:r>
-            <a:endParaRPr kumimoji="1" lang="en-US" altLang="zh-CN" dirty="0" smtClean="0"/>
-          </a:p>
-          <a:p>
+              <a:t>excel</a:t>
+            </a:r>
             <a:endParaRPr kumimoji="1" lang="ja-JP" altLang="en-US" dirty="0"/>
           </a:p>
         </p:txBody>
@@ -1176,7 +1183,7 @@
     </p:spTree>
     <p:extLst>
       <p:ext uri="{BB962C8B-B14F-4D97-AF65-F5344CB8AC3E}">
-        <p14:creationId xmlns:p14="http://schemas.microsoft.com/office/powerpoint/2010/main" val="2700174011"/>
+        <p14:creationId xmlns:p14="http://schemas.microsoft.com/office/powerpoint/2010/main" val="2049628011"/>
       </p:ext>
     </p:extLst>
   </p:cSld>
@@ -1230,14 +1237,6 @@
           <a:bodyPr/>
           <a:lstStyle/>
           <a:p>
-            <a:r>
-              <a:rPr kumimoji="1" lang="zh-CN" altLang="en-US" dirty="0" smtClean="0"/>
-              <a:t>格式化，每个人的理解不同，可以想象成</a:t>
-            </a:r>
-            <a:r>
-              <a:rPr kumimoji="1" lang="en-US" altLang="zh-CN" dirty="0" smtClean="0"/>
-              <a:t>excel</a:t>
-            </a:r>
             <a:endParaRPr kumimoji="1" lang="ja-JP" altLang="en-US" dirty="0"/>
           </a:p>
         </p:txBody>
@@ -1268,7 +1267,7 @@
     </p:spTree>
     <p:extLst>
       <p:ext uri="{BB962C8B-B14F-4D97-AF65-F5344CB8AC3E}">
-        <p14:creationId xmlns:p14="http://schemas.microsoft.com/office/powerpoint/2010/main" val="2049628011"/>
+        <p14:creationId xmlns:p14="http://schemas.microsoft.com/office/powerpoint/2010/main" val="1235884662"/>
       </p:ext>
     </p:extLst>
   </p:cSld>
@@ -1344,90 +1343,6 @@
             <a:fld id="{865C68C4-5A9F-49C8-8A5C-AA47520AB5D6}" type="slidenum">
               <a:rPr kumimoji="1" lang="ja-JP" altLang="en-US" smtClean="0"/>
               <a:t>28</a:t>
-            </a:fld>
-            <a:endParaRPr kumimoji="1" lang="ja-JP" altLang="en-US"/>
-          </a:p>
-        </p:txBody>
-      </p:sp>
-    </p:spTree>
-    <p:extLst>
-      <p:ext uri="{BB962C8B-B14F-4D97-AF65-F5344CB8AC3E}">
-        <p14:creationId xmlns:p14="http://schemas.microsoft.com/office/powerpoint/2010/main" val="1235884662"/>
-      </p:ext>
-    </p:extLst>
-  </p:cSld>
-  <p:clrMapOvr>
-    <a:masterClrMapping/>
-  </p:clrMapOvr>
-</p:notes>
-</file>
-
-<file path=ppt/notesSlides/notesSlide18.xml><?xml version="1.0" encoding="utf-8"?>
-<p:notes xmlns:a="http://schemas.openxmlformats.org/drawingml/2006/main" xmlns:r="http://schemas.openxmlformats.org/officeDocument/2006/relationships" xmlns:p="http://schemas.openxmlformats.org/presentationml/2006/main">
-  <p:cSld>
-    <p:spTree>
-      <p:nvGrpSpPr>
-        <p:cNvPr id="1" name=""/>
-        <p:cNvGrpSpPr/>
-        <p:nvPr/>
-      </p:nvGrpSpPr>
-      <p:grpSpPr>
-        <a:xfrm>
-          <a:off x="0" y="0"/>
-          <a:ext cx="0" cy="0"/>
-          <a:chOff x="0" y="0"/>
-          <a:chExt cx="0" cy="0"/>
-        </a:xfrm>
-      </p:grpSpPr>
-      <p:sp>
-        <p:nvSpPr>
-          <p:cNvPr id="2" name="スライド イメージ プレースホルダー 1"/>
-          <p:cNvSpPr>
-            <a:spLocks noGrp="1" noRot="1" noChangeAspect="1"/>
-          </p:cNvSpPr>
-          <p:nvPr>
-            <p:ph type="sldImg"/>
-          </p:nvPr>
-        </p:nvSpPr>
-        <p:spPr/>
-      </p:sp>
-      <p:sp>
-        <p:nvSpPr>
-          <p:cNvPr id="3" name="ノート プレースホルダー 2"/>
-          <p:cNvSpPr>
-            <a:spLocks noGrp="1"/>
-          </p:cNvSpPr>
-          <p:nvPr>
-            <p:ph type="body" idx="1"/>
-          </p:nvPr>
-        </p:nvSpPr>
-        <p:spPr/>
-        <p:txBody>
-          <a:bodyPr/>
-          <a:lstStyle/>
-          <a:p>
-            <a:endParaRPr kumimoji="1" lang="ja-JP" altLang="en-US" dirty="0"/>
-          </a:p>
-        </p:txBody>
-      </p:sp>
-      <p:sp>
-        <p:nvSpPr>
-          <p:cNvPr id="4" name="スライド番号プレースホルダー 3"/>
-          <p:cNvSpPr>
-            <a:spLocks noGrp="1"/>
-          </p:cNvSpPr>
-          <p:nvPr>
-            <p:ph type="sldNum" sz="quarter" idx="10"/>
-          </p:nvPr>
-        </p:nvSpPr>
-        <p:spPr/>
-        <p:txBody>
-          <a:bodyPr/>
-          <a:lstStyle/>
-          <a:p>
-            <a:fld id="{865C68C4-5A9F-49C8-8A5C-AA47520AB5D6}" type="slidenum">
-              <a:rPr kumimoji="1" lang="ja-JP" altLang="en-US" smtClean="0"/>
-              <a:t>29</a:t>
             </a:fld>
             <a:endParaRPr kumimoji="1" lang="ja-JP" altLang="en-US"/>
           </a:p>
@@ -1627,11 +1542,15 @@
             </a:r>
             <a:r>
               <a:rPr kumimoji="1" lang="zh-CN" altLang="en-US" dirty="0" smtClean="0"/>
-              <a:t>，如果想知道他是谁？这个也可以问</a:t>
-            </a:r>
-            <a:r>
-              <a:rPr kumimoji="1" lang="en-US" altLang="zh-CN" dirty="0" err="1" smtClean="0"/>
-              <a:t>linux</a:t>
+              <a:t>，如果想知道他是谁？</a:t>
+            </a:r>
+            <a:r>
+              <a:rPr kumimoji="1" lang="zh-CN" altLang="en-US" dirty="0" smtClean="0"/>
+              <a:t>这个也可以问</a:t>
+            </a:r>
+            <a:r>
+              <a:rPr kumimoji="1" lang="en-US" altLang="zh-CN" dirty="0" smtClean="0"/>
+              <a:t>Linux</a:t>
             </a:r>
             <a:r>
               <a:rPr kumimoji="1" lang="zh-CN" altLang="en-US" dirty="0" smtClean="0"/>
@@ -2387,7 +2306,7 @@
           <a:p>
             <a:fld id="{FA5C1A33-D49C-A54F-B6C5-3776AC1FD4F7}" type="datetimeFigureOut">
               <a:rPr lang="en-US" smtClean="0"/>
-              <a:t>7/21/2019</a:t>
+              <a:t>7/22/2019</a:t>
             </a:fld>
             <a:endParaRPr lang="en-US"/>
           </a:p>
@@ -2557,7 +2476,7 @@
           <a:p>
             <a:fld id="{FA5C1A33-D49C-A54F-B6C5-3776AC1FD4F7}" type="datetimeFigureOut">
               <a:rPr lang="en-US" smtClean="0"/>
-              <a:t>7/21/2019</a:t>
+              <a:t>7/22/2019</a:t>
             </a:fld>
             <a:endParaRPr lang="en-US"/>
           </a:p>
@@ -2737,7 +2656,7 @@
           <a:p>
             <a:fld id="{FA5C1A33-D49C-A54F-B6C5-3776AC1FD4F7}" type="datetimeFigureOut">
               <a:rPr lang="en-US" smtClean="0"/>
-              <a:t>7/21/2019</a:t>
+              <a:t>7/22/2019</a:t>
             </a:fld>
             <a:endParaRPr lang="en-US"/>
           </a:p>
@@ -2907,7 +2826,7 @@
           <a:p>
             <a:fld id="{FA5C1A33-D49C-A54F-B6C5-3776AC1FD4F7}" type="datetimeFigureOut">
               <a:rPr lang="en-US" smtClean="0"/>
-              <a:t>7/21/2019</a:t>
+              <a:t>7/22/2019</a:t>
             </a:fld>
             <a:endParaRPr lang="en-US"/>
           </a:p>
@@ -3151,7 +3070,7 @@
           <a:p>
             <a:fld id="{FA5C1A33-D49C-A54F-B6C5-3776AC1FD4F7}" type="datetimeFigureOut">
               <a:rPr lang="en-US" smtClean="0"/>
-              <a:t>7/21/2019</a:t>
+              <a:t>7/22/2019</a:t>
             </a:fld>
             <a:endParaRPr lang="en-US"/>
           </a:p>
@@ -3383,7 +3302,7 @@
           <a:p>
             <a:fld id="{FA5C1A33-D49C-A54F-B6C5-3776AC1FD4F7}" type="datetimeFigureOut">
               <a:rPr lang="en-US" smtClean="0"/>
-              <a:t>7/21/2019</a:t>
+              <a:t>7/22/2019</a:t>
             </a:fld>
             <a:endParaRPr lang="en-US"/>
           </a:p>
@@ -3750,7 +3669,7 @@
           <a:p>
             <a:fld id="{FA5C1A33-D49C-A54F-B6C5-3776AC1FD4F7}" type="datetimeFigureOut">
               <a:rPr lang="en-US" smtClean="0"/>
-              <a:t>7/21/2019</a:t>
+              <a:t>7/22/2019</a:t>
             </a:fld>
             <a:endParaRPr lang="en-US"/>
           </a:p>
@@ -3868,7 +3787,7 @@
           <a:p>
             <a:fld id="{FA5C1A33-D49C-A54F-B6C5-3776AC1FD4F7}" type="datetimeFigureOut">
               <a:rPr lang="en-US" smtClean="0"/>
-              <a:t>7/21/2019</a:t>
+              <a:t>7/22/2019</a:t>
             </a:fld>
             <a:endParaRPr lang="en-US"/>
           </a:p>
@@ -3963,7 +3882,7 @@
           <a:p>
             <a:fld id="{FA5C1A33-D49C-A54F-B6C5-3776AC1FD4F7}" type="datetimeFigureOut">
               <a:rPr lang="en-US" smtClean="0"/>
-              <a:t>7/21/2019</a:t>
+              <a:t>7/22/2019</a:t>
             </a:fld>
             <a:endParaRPr lang="en-US"/>
           </a:p>
@@ -4240,7 +4159,7 @@
           <a:p>
             <a:fld id="{FA5C1A33-D49C-A54F-B6C5-3776AC1FD4F7}" type="datetimeFigureOut">
               <a:rPr lang="en-US" smtClean="0"/>
-              <a:t>7/21/2019</a:t>
+              <a:t>7/22/2019</a:t>
             </a:fld>
             <a:endParaRPr lang="en-US"/>
           </a:p>
@@ -4497,7 +4416,7 @@
           <a:p>
             <a:fld id="{FA5C1A33-D49C-A54F-B6C5-3776AC1FD4F7}" type="datetimeFigureOut">
               <a:rPr lang="en-US" smtClean="0"/>
-              <a:t>7/21/2019</a:t>
+              <a:t>7/22/2019</a:t>
             </a:fld>
             <a:endParaRPr lang="en-US"/>
           </a:p>
@@ -4710,7 +4629,7 @@
           <a:p>
             <a:fld id="{FA5C1A33-D49C-A54F-B6C5-3776AC1FD4F7}" type="datetimeFigureOut">
               <a:rPr lang="en-US" smtClean="0"/>
-              <a:t>7/21/2019</a:t>
+              <a:t>7/22/2019</a:t>
             </a:fld>
             <a:endParaRPr lang="en-US"/>
           </a:p>
@@ -5497,13 +5416,13 @@
         </p:nvPicPr>
         <p:blipFill rotWithShape="1">
           <a:blip r:embed="rId2"/>
-          <a:srcRect l="1" t="-4382" r="22530" b="-4352"/>
+          <a:srcRect l="1" t="-4382" r="65939" b="9954"/>
           <a:stretch/>
         </p:blipFill>
         <p:spPr>
           <a:xfrm>
             <a:off x="628650" y="2892829"/>
-            <a:ext cx="8515350" cy="631767"/>
+            <a:ext cx="8281831" cy="1213657"/>
           </a:xfrm>
           <a:prstGeom prst="rect">
             <a:avLst/>
@@ -5620,13 +5539,13 @@
         </p:nvPicPr>
         <p:blipFill rotWithShape="1">
           <a:blip r:embed="rId2"/>
-          <a:srcRect r="25152" b="48"/>
+          <a:srcRect r="70000" b="2344"/>
           <a:stretch/>
         </p:blipFill>
         <p:spPr>
           <a:xfrm>
-            <a:off x="931025" y="2568286"/>
-            <a:ext cx="8212975" cy="723554"/>
+            <a:off x="931026" y="2568286"/>
+            <a:ext cx="7936860" cy="1704456"/>
           </a:xfrm>
           <a:prstGeom prst="rect">
             <a:avLst/>
@@ -5738,13 +5657,13 @@
         </p:nvPicPr>
         <p:blipFill rotWithShape="1">
           <a:blip r:embed="rId2"/>
-          <a:srcRect r="24567"/>
+          <a:srcRect l="-150" t="-6714" r="70284" b="5805"/>
           <a:stretch/>
         </p:blipFill>
         <p:spPr>
           <a:xfrm>
-            <a:off x="859761" y="2442383"/>
-            <a:ext cx="8284240" cy="742950"/>
+            <a:off x="843136" y="2392507"/>
+            <a:ext cx="8007870" cy="1830358"/>
           </a:xfrm>
           <a:prstGeom prst="rect">
             <a:avLst/>
@@ -5852,13 +5771,13 @@
         </p:nvPicPr>
         <p:blipFill rotWithShape="1">
           <a:blip r:embed="rId2"/>
-          <a:srcRect r="22463"/>
+          <a:srcRect r="67424" b="2703"/>
           <a:stretch/>
         </p:blipFill>
         <p:spPr>
           <a:xfrm>
             <a:off x="628651" y="2328862"/>
-            <a:ext cx="8515350" cy="733425"/>
+            <a:ext cx="8245251" cy="1644621"/>
           </a:xfrm>
           <a:prstGeom prst="rect">
             <a:avLst/>
@@ -6000,13 +5919,13 @@
         </p:nvPicPr>
         <p:blipFill rotWithShape="1">
           <a:blip r:embed="rId3"/>
-          <a:srcRect r="22615"/>
+          <a:srcRect r="61672" b="5584"/>
           <a:stretch/>
         </p:blipFill>
         <p:spPr>
           <a:xfrm>
             <a:off x="628650" y="2894907"/>
-            <a:ext cx="8498725" cy="1600200"/>
+            <a:ext cx="8285544" cy="2973878"/>
           </a:xfrm>
           <a:prstGeom prst="rect">
             <a:avLst/>
@@ -6169,13 +6088,13 @@
         </p:nvPicPr>
         <p:blipFill rotWithShape="1">
           <a:blip r:embed="rId3"/>
-          <a:srcRect r="23202"/>
+          <a:srcRect r="67329" b="3144"/>
           <a:stretch/>
         </p:blipFill>
         <p:spPr>
           <a:xfrm>
             <a:off x="628651" y="2964354"/>
-            <a:ext cx="8448848" cy="1162050"/>
+            <a:ext cx="8213214" cy="2571922"/>
           </a:xfrm>
           <a:prstGeom prst="rect">
             <a:avLst/>
@@ -6317,13 +6236,13 @@
         </p:nvPicPr>
         <p:blipFill rotWithShape="1">
           <a:blip r:embed="rId3"/>
-          <a:srcRect r="23202"/>
+          <a:srcRect r="68689" b="6073"/>
           <a:stretch/>
         </p:blipFill>
         <p:spPr>
           <a:xfrm>
             <a:off x="628651" y="3013883"/>
-            <a:ext cx="8448848" cy="1428750"/>
+            <a:ext cx="7711978" cy="3004532"/>
           </a:xfrm>
           <a:prstGeom prst="rect">
             <a:avLst/>
@@ -6435,13 +6354,13 @@
         </p:nvPicPr>
         <p:blipFill rotWithShape="1">
           <a:blip r:embed="rId3"/>
-          <a:srcRect t="-1157" r="25173"/>
+          <a:srcRect t="-1157" r="59991" b="3305"/>
           <a:stretch/>
         </p:blipFill>
         <p:spPr>
           <a:xfrm>
-            <a:off x="893012" y="2610196"/>
-            <a:ext cx="8217738" cy="635924"/>
+            <a:off x="474984" y="2610195"/>
+            <a:ext cx="8669016" cy="1213659"/>
           </a:xfrm>
           <a:prstGeom prst="rect">
             <a:avLst/>
@@ -6557,13 +6476,13 @@
         </p:nvPicPr>
         <p:blipFill rotWithShape="1">
           <a:blip r:embed="rId3"/>
-          <a:srcRect t="-2220" r="22766"/>
+          <a:srcRect t="-2220" r="75985" b="-6513"/>
           <a:stretch/>
         </p:blipFill>
         <p:spPr>
           <a:xfrm>
-            <a:off x="628650" y="2427316"/>
-            <a:ext cx="8482099" cy="593927"/>
+            <a:off x="628651" y="2344189"/>
+            <a:ext cx="7842489" cy="1878676"/>
           </a:xfrm>
           <a:prstGeom prst="rect">
             <a:avLst/>
@@ -6988,13 +6907,13 @@
         </p:nvPicPr>
         <p:blipFill rotWithShape="1">
           <a:blip r:embed="rId3"/>
-          <a:srcRect r="7227"/>
+          <a:srcRect r="54963"/>
           <a:stretch/>
         </p:blipFill>
         <p:spPr>
           <a:xfrm>
             <a:off x="628650" y="2633315"/>
-            <a:ext cx="8465474" cy="1857375"/>
+            <a:ext cx="7840632" cy="3543648"/>
           </a:xfrm>
           <a:prstGeom prst="rect">
             <a:avLst/>
@@ -7009,8 +6928,8 @@
         </p:nvCxnSpPr>
         <p:spPr>
           <a:xfrm>
-            <a:off x="628650" y="3358341"/>
-            <a:ext cx="4139738" cy="0"/>
+            <a:off x="811530" y="4006733"/>
+            <a:ext cx="7052310" cy="0"/>
           </a:xfrm>
           <a:prstGeom prst="line">
             <a:avLst/>
@@ -7044,8 +6963,8 @@
         </p:nvCxnSpPr>
         <p:spPr>
           <a:xfrm>
-            <a:off x="628650" y="4209011"/>
-            <a:ext cx="4139738" cy="0"/>
+            <a:off x="811530" y="5672051"/>
+            <a:ext cx="7052310" cy="0"/>
           </a:xfrm>
           <a:prstGeom prst="line">
             <a:avLst/>
@@ -7124,12 +7043,8 @@
           <a:lstStyle/>
           <a:p>
             <a:r>
-              <a:rPr kumimoji="1" lang="en-US" altLang="zh-CN" dirty="0"/>
-              <a:t>clear</a:t>
-            </a:r>
-            <a:r>
               <a:rPr kumimoji="1" lang="en-US" altLang="zh-CN" dirty="0" smtClean="0"/>
-              <a:t> </a:t>
+              <a:t>find</a:t>
             </a:r>
             <a:r>
               <a:rPr kumimoji="1" lang="zh-CN" altLang="en-US" dirty="0" smtClean="0"/>
@@ -7155,48 +7070,38 @@
           <a:lstStyle/>
           <a:p>
             <a:r>
-              <a:rPr kumimoji="1" lang="en-US" altLang="zh-CN" dirty="0"/>
-              <a:t>c</a:t>
-            </a:r>
-            <a:r>
-              <a:rPr kumimoji="1" lang="en-US" altLang="zh-CN" dirty="0" smtClean="0"/>
-              <a:t>lear </a:t>
-            </a:r>
-            <a:r>
-              <a:rPr kumimoji="1" lang="zh-CN" altLang="en-US" dirty="0" smtClean="0"/>
-              <a:t>清屏命令</a:t>
-            </a:r>
-            <a:endParaRPr kumimoji="1" lang="en-US" altLang="zh-CN" dirty="0" smtClean="0"/>
-          </a:p>
-        </p:txBody>
-      </p:sp>
-      <p:pic>
-        <p:nvPicPr>
-          <p:cNvPr id="5" name="図 4"/>
-          <p:cNvPicPr>
-            <a:picLocks noChangeAspect="1"/>
-          </p:cNvPicPr>
-          <p:nvPr/>
-        </p:nvPicPr>
-        <p:blipFill rotWithShape="1">
-          <a:blip r:embed="rId3"/>
-          <a:srcRect l="-22708" r="22708"/>
-          <a:stretch/>
-        </p:blipFill>
-        <p:spPr>
-          <a:xfrm>
-            <a:off x="-1865168" y="2440218"/>
-            <a:ext cx="10982325" cy="581025"/>
-          </a:xfrm>
-          <a:prstGeom prst="rect">
-            <a:avLst/>
-          </a:prstGeom>
-        </p:spPr>
-      </p:pic>
+              <a:rPr lang="zh-CN" altLang="en-US" dirty="0" smtClean="0"/>
+              <a:t>查找特定的文件</a:t>
+            </a:r>
+            <a:endParaRPr lang="en-US" altLang="zh-CN" dirty="0" smtClean="0"/>
+          </a:p>
+          <a:p>
+            <a:endParaRPr lang="en-US" altLang="ja-JP" dirty="0" smtClean="0"/>
+          </a:p>
+          <a:p>
+            <a:r>
+              <a:rPr lang="en-US" altLang="ja-JP" dirty="0">
+                <a:hlinkClick r:id="rId3"/>
+              </a:rPr>
+              <a:t>https://</a:t>
+            </a:r>
+            <a:r>
+              <a:rPr lang="en-US" altLang="ja-JP" dirty="0" smtClean="0">
+                <a:hlinkClick r:id="rId3"/>
+              </a:rPr>
+              <a:t>tiangong_sslakelab.coding.net/s/4daa8cd7-a922-403d-aa79-73b4a60c0b1e</a:t>
+            </a:r>
+            <a:endParaRPr lang="en-US" altLang="ja-JP" dirty="0" smtClean="0"/>
+          </a:p>
+          <a:p>
+            <a:endParaRPr kumimoji="1" lang="ja-JP" altLang="en-US" dirty="0"/>
+          </a:p>
+        </p:txBody>
+      </p:sp>
     </p:spTree>
     <p:extLst>
       <p:ext uri="{BB962C8B-B14F-4D97-AF65-F5344CB8AC3E}">
-        <p14:creationId xmlns:p14="http://schemas.microsoft.com/office/powerpoint/2010/main" val="4204954032"/>
+        <p14:creationId xmlns:p14="http://schemas.microsoft.com/office/powerpoint/2010/main" val="1279771790"/>
       </p:ext>
     </p:extLst>
   </p:cSld>
@@ -7246,8 +7151,8 @@
           <a:lstStyle/>
           <a:p>
             <a:r>
-              <a:rPr kumimoji="1" lang="en-US" altLang="zh-CN" dirty="0" smtClean="0"/>
-              <a:t>find</a:t>
+              <a:rPr kumimoji="1" lang="en-US" altLang="zh-CN" dirty="0" err="1" smtClean="0"/>
+              <a:t>awk</a:t>
             </a:r>
             <a:r>
               <a:rPr kumimoji="1" lang="zh-CN" altLang="en-US" dirty="0" smtClean="0"/>
@@ -7274,7 +7179,7 @@
           <a:p>
             <a:r>
               <a:rPr lang="zh-CN" altLang="en-US" dirty="0" smtClean="0"/>
-              <a:t>查找特定的文件</a:t>
+              <a:t>文件数据格式化</a:t>
             </a:r>
             <a:endParaRPr lang="en-US" altLang="zh-CN" dirty="0" smtClean="0"/>
           </a:p>
@@ -7282,19 +7187,25 @@
             <a:endParaRPr lang="en-US" altLang="ja-JP" dirty="0" smtClean="0"/>
           </a:p>
           <a:p>
+            <a:r>
+              <a:rPr lang="en-US" altLang="ja-JP" dirty="0" smtClean="0">
+                <a:hlinkClick r:id="rId3"/>
+              </a:rPr>
+              <a:t>https</a:t>
+            </a:r>
             <a:r>
               <a:rPr lang="en-US" altLang="ja-JP" dirty="0">
                 <a:hlinkClick r:id="rId3"/>
               </a:rPr>
-              <a:t>https://</a:t>
+              <a:t>://</a:t>
             </a:r>
             <a:r>
               <a:rPr lang="en-US" altLang="ja-JP" dirty="0" smtClean="0">
                 <a:hlinkClick r:id="rId3"/>
               </a:rPr>
-              <a:t>tiangong_sslakelab.coding.net/s/4daa8cd7-a922-403d-aa79-73b4a60c0b1e</a:t>
-            </a:r>
-            <a:endParaRPr lang="en-US" altLang="ja-JP" dirty="0" smtClean="0"/>
+              <a:t>tiangong_sslakelab.coding.net/s/46f978a7-2900-407d-86e3-b1d1d4369c7f</a:t>
+            </a:r>
+            <a:endParaRPr lang="en-US" altLang="ja-JP" dirty="0"/>
           </a:p>
           <a:p>
             <a:endParaRPr kumimoji="1" lang="ja-JP" altLang="en-US" dirty="0"/>
@@ -7304,7 +7215,7 @@
     </p:spTree>
     <p:extLst>
       <p:ext uri="{BB962C8B-B14F-4D97-AF65-F5344CB8AC3E}">
-        <p14:creationId xmlns:p14="http://schemas.microsoft.com/office/powerpoint/2010/main" val="1279771790"/>
+        <p14:creationId xmlns:p14="http://schemas.microsoft.com/office/powerpoint/2010/main" val="1461477585"/>
       </p:ext>
     </p:extLst>
   </p:cSld>
@@ -7354,8 +7265,8 @@
           <a:lstStyle/>
           <a:p>
             <a:r>
-              <a:rPr kumimoji="1" lang="en-US" altLang="zh-CN" dirty="0" err="1" smtClean="0"/>
-              <a:t>awk</a:t>
+              <a:rPr kumimoji="1" lang="en-US" altLang="zh-CN" dirty="0" err="1"/>
+              <a:t>sed</a:t>
             </a:r>
             <a:r>
               <a:rPr kumimoji="1" lang="zh-CN" altLang="en-US" dirty="0" smtClean="0"/>
@@ -7381,44 +7292,40 @@
           <a:lstStyle/>
           <a:p>
             <a:r>
-              <a:rPr lang="zh-CN" altLang="en-US" dirty="0" smtClean="0"/>
-              <a:t>文件数据格式化</a:t>
-            </a:r>
-            <a:endParaRPr lang="en-US" altLang="zh-CN" dirty="0" smtClean="0"/>
-          </a:p>
-          <a:p>
-            <a:endParaRPr lang="en-US" altLang="ja-JP" dirty="0" smtClean="0"/>
-          </a:p>
-          <a:p>
-            <a:r>
-              <a:rPr lang="en-US" altLang="ja-JP" dirty="0" smtClean="0">
-                <a:hlinkClick r:id="rId3"/>
-              </a:rPr>
-              <a:t>https</a:t>
-            </a:r>
-            <a:r>
-              <a:rPr lang="en-US" altLang="ja-JP" dirty="0">
-                <a:hlinkClick r:id="rId3"/>
-              </a:rPr>
-              <a:t>://</a:t>
-            </a:r>
-            <a:r>
-              <a:rPr lang="en-US" altLang="ja-JP" dirty="0" smtClean="0">
-                <a:hlinkClick r:id="rId3"/>
-              </a:rPr>
-              <a:t>tiangong_sslakelab.coding.net/s/46f978a7-2900-407d-86e3-b1d1d4369c7f</a:t>
-            </a:r>
-            <a:endParaRPr lang="en-US" altLang="ja-JP" dirty="0"/>
-          </a:p>
-          <a:p>
+              <a:rPr kumimoji="1" lang="zh-CN" altLang="en-US" dirty="0" smtClean="0"/>
+              <a:t>数据处理命令</a:t>
+            </a:r>
             <a:endParaRPr kumimoji="1" lang="ja-JP" altLang="en-US" dirty="0"/>
           </a:p>
         </p:txBody>
       </p:sp>
+      <p:pic>
+        <p:nvPicPr>
+          <p:cNvPr id="4" name="図 3"/>
+          <p:cNvPicPr>
+            <a:picLocks noChangeAspect="1"/>
+          </p:cNvPicPr>
+          <p:nvPr/>
+        </p:nvPicPr>
+        <p:blipFill rotWithShape="1">
+          <a:blip r:embed="rId3"/>
+          <a:srcRect r="63911" b="22641"/>
+          <a:stretch/>
+        </p:blipFill>
+        <p:spPr>
+          <a:xfrm>
+            <a:off x="628650" y="2223725"/>
+            <a:ext cx="5456266" cy="4517897"/>
+          </a:xfrm>
+          <a:prstGeom prst="rect">
+            <a:avLst/>
+          </a:prstGeom>
+        </p:spPr>
+      </p:pic>
     </p:spTree>
     <p:extLst>
       <p:ext uri="{BB962C8B-B14F-4D97-AF65-F5344CB8AC3E}">
-        <p14:creationId xmlns:p14="http://schemas.microsoft.com/office/powerpoint/2010/main" val="1461477585"/>
+        <p14:creationId xmlns:p14="http://schemas.microsoft.com/office/powerpoint/2010/main" val="353900366"/>
       </p:ext>
     </p:extLst>
   </p:cSld>
@@ -7468,8 +7375,8 @@
           <a:lstStyle/>
           <a:p>
             <a:r>
-              <a:rPr kumimoji="1" lang="en-US" altLang="zh-CN" dirty="0" err="1"/>
-              <a:t>sed</a:t>
+              <a:rPr kumimoji="1" lang="en-US" altLang="zh-CN" dirty="0"/>
+              <a:t>grep</a:t>
             </a:r>
             <a:r>
               <a:rPr kumimoji="1" lang="zh-CN" altLang="en-US" dirty="0" smtClean="0"/>
@@ -7489,16 +7396,96 @@
             <p:ph idx="1"/>
           </p:nvPr>
         </p:nvSpPr>
-        <p:spPr/>
-        <p:txBody>
-          <a:bodyPr/>
-          <a:lstStyle/>
-          <a:p>
-            <a:r>
-              <a:rPr kumimoji="1" lang="zh-CN" altLang="en-US" dirty="0" smtClean="0"/>
-              <a:t>数据处理命令</a:t>
-            </a:r>
-            <a:endParaRPr kumimoji="1" lang="ja-JP" altLang="en-US" dirty="0"/>
+        <p:spPr>
+          <a:xfrm>
+            <a:off x="628650" y="1313411"/>
+            <a:ext cx="7886700" cy="4863552"/>
+          </a:xfrm>
+        </p:spPr>
+        <p:txBody>
+          <a:bodyPr>
+            <a:normAutofit fontScale="92500" lnSpcReduction="10000"/>
+          </a:bodyPr>
+          <a:lstStyle/>
+          <a:p>
+            <a:r>
+              <a:rPr lang="en-US" altLang="ja-JP" dirty="0" smtClean="0"/>
+              <a:t>global </a:t>
+            </a:r>
+            <a:r>
+              <a:rPr lang="en-US" altLang="ja-JP" dirty="0"/>
+              <a:t>search </a:t>
+            </a:r>
+            <a:r>
+              <a:rPr lang="en-US" altLang="ja-JP" dirty="0">
+                <a:solidFill>
+                  <a:srgbClr val="FF0000"/>
+                </a:solidFill>
+              </a:rPr>
+              <a:t>r</a:t>
+            </a:r>
+            <a:r>
+              <a:rPr lang="en-US" altLang="ja-JP" dirty="0"/>
+              <a:t>egular </a:t>
+            </a:r>
+            <a:r>
+              <a:rPr lang="en-US" altLang="ja-JP" dirty="0" smtClean="0">
+                <a:solidFill>
+                  <a:srgbClr val="FF0000"/>
+                </a:solidFill>
+              </a:rPr>
+              <a:t>e</a:t>
+            </a:r>
+            <a:r>
+              <a:rPr lang="en-US" altLang="ja-JP" dirty="0" smtClean="0"/>
+              <a:t>xpression</a:t>
+            </a:r>
+          </a:p>
+          <a:p>
+            <a:r>
+              <a:rPr lang="zh-CN" altLang="en-US" dirty="0"/>
+              <a:t>数据过滤</a:t>
+            </a:r>
+            <a:endParaRPr lang="en-US" altLang="ja-JP" dirty="0" smtClean="0"/>
+          </a:p>
+          <a:p>
+            <a:endParaRPr lang="en-US" altLang="ja-JP" dirty="0"/>
+          </a:p>
+          <a:p>
+            <a:endParaRPr lang="en-US" altLang="ja-JP" dirty="0" smtClean="0"/>
+          </a:p>
+          <a:p>
+            <a:endParaRPr kumimoji="1" lang="en-US" altLang="ja-JP" dirty="0" smtClean="0"/>
+          </a:p>
+          <a:p>
+            <a:endParaRPr kumimoji="1" lang="en-US" altLang="ja-JP" dirty="0"/>
+          </a:p>
+          <a:p>
+            <a:endParaRPr kumimoji="1" lang="en-US" altLang="ja-JP" dirty="0" smtClean="0"/>
+          </a:p>
+          <a:p>
+            <a:endParaRPr kumimoji="1" lang="en-US" altLang="ja-JP" dirty="0"/>
+          </a:p>
+          <a:p>
+            <a:endParaRPr kumimoji="1" lang="en-US" altLang="ja-JP" dirty="0" smtClean="0"/>
+          </a:p>
+          <a:p>
+            <a:endParaRPr kumimoji="1" lang="en-US" altLang="ja-JP" dirty="0"/>
+          </a:p>
+          <a:p>
+            <a:r>
+              <a:rPr kumimoji="1" lang="en-US" altLang="zh-CN" dirty="0" err="1"/>
+              <a:t>s</a:t>
+            </a:r>
+            <a:r>
+              <a:rPr kumimoji="1" lang="en-US" altLang="zh-CN" dirty="0" err="1" smtClean="0"/>
+              <a:t>queue</a:t>
+            </a:r>
+            <a:r>
+              <a:rPr kumimoji="1" lang="en-US" altLang="zh-CN" dirty="0" smtClean="0"/>
+              <a:t> | grep comput100</a:t>
+            </a:r>
+            <a:endParaRPr kumimoji="1" lang="en-US" altLang="ja-JP" dirty="0" smtClean="0"/>
           </a:p>
         </p:txBody>
       </p:sp>
@@ -7512,13 +7499,13 @@
         </p:nvPicPr>
         <p:blipFill rotWithShape="1">
           <a:blip r:embed="rId3"/>
-          <a:srcRect r="22244"/>
+          <a:srcRect r="46821"/>
           <a:stretch/>
         </p:blipFill>
         <p:spPr>
           <a:xfrm>
-            <a:off x="628650" y="2323840"/>
-            <a:ext cx="8531975" cy="4238625"/>
+            <a:off x="809885" y="2299248"/>
+            <a:ext cx="5840298" cy="3057525"/>
           </a:xfrm>
           <a:prstGeom prst="rect">
             <a:avLst/>
@@ -7528,7 +7515,7 @@
     </p:spTree>
     <p:extLst>
       <p:ext uri="{BB962C8B-B14F-4D97-AF65-F5344CB8AC3E}">
-        <p14:creationId xmlns:p14="http://schemas.microsoft.com/office/powerpoint/2010/main" val="353900366"/>
+        <p14:creationId xmlns:p14="http://schemas.microsoft.com/office/powerpoint/2010/main" val="1064273926"/>
       </p:ext>
     </p:extLst>
   </p:cSld>
@@ -7579,11 +7566,15 @@
           <a:p>
             <a:r>
               <a:rPr kumimoji="1" lang="en-US" altLang="zh-CN" dirty="0"/>
-              <a:t>grep</a:t>
+              <a:t>s</a:t>
+            </a:r>
+            <a:r>
+              <a:rPr kumimoji="1" lang="en-US" altLang="zh-CN" dirty="0" smtClean="0"/>
+              <a:t>hell</a:t>
             </a:r>
             <a:r>
               <a:rPr kumimoji="1" lang="zh-CN" altLang="en-US" dirty="0" smtClean="0"/>
-              <a:t>命令</a:t>
+              <a:t> 编程</a:t>
             </a:r>
             <a:endParaRPr kumimoji="1" lang="ja-JP" altLang="en-US" dirty="0"/>
           </a:p>
@@ -7599,126 +7590,42 @@
             <p:ph idx="1"/>
           </p:nvPr>
         </p:nvSpPr>
-        <p:spPr>
-          <a:xfrm>
-            <a:off x="628650" y="1313411"/>
-            <a:ext cx="7886700" cy="4863552"/>
-          </a:xfrm>
-        </p:spPr>
-        <p:txBody>
-          <a:bodyPr>
-            <a:normAutofit fontScale="92500" lnSpcReduction="10000"/>
-          </a:bodyPr>
-          <a:lstStyle/>
-          <a:p>
-            <a:r>
-              <a:rPr lang="en-US" altLang="ja-JP" dirty="0" smtClean="0"/>
-              <a:t>global </a:t>
-            </a:r>
-            <a:r>
-              <a:rPr lang="en-US" altLang="ja-JP" dirty="0"/>
-              <a:t>search </a:t>
-            </a:r>
-            <a:r>
-              <a:rPr lang="en-US" altLang="ja-JP" dirty="0">
-                <a:solidFill>
-                  <a:srgbClr val="FF0000"/>
-                </a:solidFill>
+        <p:spPr/>
+        <p:txBody>
+          <a:bodyPr/>
+          <a:lstStyle/>
+          <a:p>
+            <a:endParaRPr lang="en-US" altLang="zh-CN" dirty="0" smtClean="0"/>
+          </a:p>
+          <a:p>
+            <a:r>
+              <a:rPr lang="en-US" altLang="zh-CN" dirty="0" smtClean="0"/>
+              <a:t>If </a:t>
+            </a:r>
+            <a:r>
+              <a:rPr lang="zh-CN" altLang="en-US" dirty="0" smtClean="0"/>
+              <a:t>结构</a:t>
+            </a:r>
+            <a:endParaRPr lang="en-US" altLang="ja-JP" dirty="0" smtClean="0"/>
+          </a:p>
+          <a:p>
+            <a:r>
+              <a:rPr lang="en-US" altLang="ja-JP" dirty="0" smtClean="0">
+                <a:hlinkClick r:id="rId3"/>
               </a:rPr>
-              <a:t>r</a:t>
-            </a:r>
-            <a:r>
-              <a:rPr lang="en-US" altLang="ja-JP" dirty="0"/>
-              <a:t>egular </a:t>
-            </a:r>
-            <a:r>
-              <a:rPr lang="en-US" altLang="ja-JP" dirty="0" smtClean="0">
-                <a:solidFill>
-                  <a:srgbClr val="FF0000"/>
-                </a:solidFill>
-              </a:rPr>
-              <a:t>e</a:t>
-            </a:r>
-            <a:r>
-              <a:rPr lang="en-US" altLang="ja-JP" dirty="0" smtClean="0"/>
-              <a:t>xpression</a:t>
-            </a:r>
-          </a:p>
-          <a:p>
-            <a:r>
-              <a:rPr lang="zh-CN" altLang="en-US" dirty="0"/>
-              <a:t>数据过滤</a:t>
+              <a:t>https://tiangong_sslakelab.coding.net/s/ef790a8f-0fb5-4801-a1c8-30ce8cd7cf0d</a:t>
             </a:r>
             <a:endParaRPr lang="en-US" altLang="ja-JP" dirty="0" smtClean="0"/>
           </a:p>
           <a:p>
-            <a:endParaRPr lang="en-US" altLang="ja-JP" dirty="0"/>
-          </a:p>
-          <a:p>
-            <a:endParaRPr lang="en-US" altLang="ja-JP" dirty="0" smtClean="0"/>
-          </a:p>
-          <a:p>
-            <a:endParaRPr kumimoji="1" lang="en-US" altLang="ja-JP" dirty="0" smtClean="0"/>
-          </a:p>
-          <a:p>
-            <a:endParaRPr kumimoji="1" lang="en-US" altLang="ja-JP" dirty="0"/>
-          </a:p>
-          <a:p>
-            <a:endParaRPr kumimoji="1" lang="en-US" altLang="ja-JP" dirty="0" smtClean="0"/>
-          </a:p>
-          <a:p>
-            <a:endParaRPr kumimoji="1" lang="en-US" altLang="ja-JP" dirty="0"/>
-          </a:p>
-          <a:p>
-            <a:endParaRPr kumimoji="1" lang="en-US" altLang="ja-JP" dirty="0" smtClean="0"/>
-          </a:p>
-          <a:p>
-            <a:endParaRPr kumimoji="1" lang="en-US" altLang="ja-JP" dirty="0"/>
-          </a:p>
-          <a:p>
-            <a:r>
-              <a:rPr kumimoji="1" lang="en-US" altLang="zh-CN" dirty="0" err="1"/>
-              <a:t>s</a:t>
-            </a:r>
-            <a:r>
-              <a:rPr kumimoji="1" lang="en-US" altLang="zh-CN" dirty="0" err="1" smtClean="0"/>
-              <a:t>queue</a:t>
-            </a:r>
-            <a:r>
-              <a:rPr kumimoji="1" lang="en-US" altLang="zh-CN" dirty="0" smtClean="0"/>
-              <a:t> | grep comput100</a:t>
-            </a:r>
-            <a:endParaRPr kumimoji="1" lang="en-US" altLang="ja-JP" dirty="0" smtClean="0"/>
-          </a:p>
-        </p:txBody>
-      </p:sp>
-      <p:pic>
-        <p:nvPicPr>
-          <p:cNvPr id="4" name="図 3"/>
-          <p:cNvPicPr>
-            <a:picLocks noChangeAspect="1"/>
-          </p:cNvPicPr>
-          <p:nvPr/>
-        </p:nvPicPr>
-        <p:blipFill rotWithShape="1">
-          <a:blip r:embed="rId3"/>
-          <a:srcRect r="25022"/>
-          <a:stretch/>
-        </p:blipFill>
-        <p:spPr>
-          <a:xfrm>
-            <a:off x="809884" y="2299248"/>
-            <a:ext cx="8234363" cy="3057525"/>
-          </a:xfrm>
-          <a:prstGeom prst="rect">
-            <a:avLst/>
-          </a:prstGeom>
-        </p:spPr>
-      </p:pic>
+            <a:endParaRPr kumimoji="1" lang="ja-JP" altLang="en-US" dirty="0"/>
+          </a:p>
+        </p:txBody>
+      </p:sp>
     </p:spTree>
     <p:extLst>
       <p:ext uri="{BB962C8B-B14F-4D97-AF65-F5344CB8AC3E}">
-        <p14:creationId xmlns:p14="http://schemas.microsoft.com/office/powerpoint/2010/main" val="1064273926"/>
+        <p14:creationId xmlns:p14="http://schemas.microsoft.com/office/powerpoint/2010/main" val="358320862"/>
       </p:ext>
     </p:extLst>
   </p:cSld>
@@ -7802,116 +7709,6 @@
           </a:p>
           <a:p>
             <a:r>
-              <a:rPr lang="en-US" altLang="zh-CN" dirty="0" smtClean="0"/>
-              <a:t>If </a:t>
-            </a:r>
-            <a:r>
-              <a:rPr lang="zh-CN" altLang="en-US" dirty="0" smtClean="0"/>
-              <a:t>结构</a:t>
-            </a:r>
-            <a:endParaRPr lang="en-US" altLang="ja-JP" dirty="0" smtClean="0"/>
-          </a:p>
-          <a:p>
-            <a:r>
-              <a:rPr lang="en-US" altLang="ja-JP" dirty="0" smtClean="0">
-                <a:hlinkClick r:id="rId3"/>
-              </a:rPr>
-              <a:t>https://tiangong_sslakelab.coding.net/s/ef790a8f-0fb5-4801-a1c8-30ce8cd7cf0d</a:t>
-            </a:r>
-            <a:endParaRPr lang="en-US" altLang="ja-JP" dirty="0" smtClean="0"/>
-          </a:p>
-          <a:p>
-            <a:endParaRPr kumimoji="1" lang="ja-JP" altLang="en-US" dirty="0"/>
-          </a:p>
-        </p:txBody>
-      </p:sp>
-    </p:spTree>
-    <p:extLst>
-      <p:ext uri="{BB962C8B-B14F-4D97-AF65-F5344CB8AC3E}">
-        <p14:creationId xmlns:p14="http://schemas.microsoft.com/office/powerpoint/2010/main" val="358320862"/>
-      </p:ext>
-    </p:extLst>
-  </p:cSld>
-  <p:clrMapOvr>
-    <a:masterClrMapping/>
-  </p:clrMapOvr>
-  <p:timing>
-    <p:tnLst>
-      <p:par>
-        <p:cTn id="1" dur="indefinite" restart="never" nodeType="tmRoot"/>
-      </p:par>
-    </p:tnLst>
-  </p:timing>
-</p:sld>
-</file>
-
-<file path=ppt/slides/slide28.xml><?xml version="1.0" encoding="utf-8"?>
-<p:sld xmlns:a="http://schemas.openxmlformats.org/drawingml/2006/main" xmlns:r="http://schemas.openxmlformats.org/officeDocument/2006/relationships" xmlns:p="http://schemas.openxmlformats.org/presentationml/2006/main">
-  <p:cSld>
-    <p:spTree>
-      <p:nvGrpSpPr>
-        <p:cNvPr id="1" name=""/>
-        <p:cNvGrpSpPr/>
-        <p:nvPr/>
-      </p:nvGrpSpPr>
-      <p:grpSpPr>
-        <a:xfrm>
-          <a:off x="0" y="0"/>
-          <a:ext cx="0" cy="0"/>
-          <a:chOff x="0" y="0"/>
-          <a:chExt cx="0" cy="0"/>
-        </a:xfrm>
-      </p:grpSpPr>
-      <p:sp>
-        <p:nvSpPr>
-          <p:cNvPr id="2" name="タイトル 1"/>
-          <p:cNvSpPr>
-            <a:spLocks noGrp="1"/>
-          </p:cNvSpPr>
-          <p:nvPr>
-            <p:ph type="title"/>
-          </p:nvPr>
-        </p:nvSpPr>
-        <p:spPr/>
-        <p:txBody>
-          <a:bodyPr/>
-          <a:lstStyle/>
-          <a:p>
-            <a:r>
-              <a:rPr kumimoji="1" lang="en-US" altLang="zh-CN" dirty="0"/>
-              <a:t>s</a:t>
-            </a:r>
-            <a:r>
-              <a:rPr kumimoji="1" lang="en-US" altLang="zh-CN" dirty="0" smtClean="0"/>
-              <a:t>hell</a:t>
-            </a:r>
-            <a:r>
-              <a:rPr kumimoji="1" lang="zh-CN" altLang="en-US" dirty="0" smtClean="0"/>
-              <a:t> 编程</a:t>
-            </a:r>
-            <a:endParaRPr kumimoji="1" lang="ja-JP" altLang="en-US" dirty="0"/>
-          </a:p>
-        </p:txBody>
-      </p:sp>
-      <p:sp>
-        <p:nvSpPr>
-          <p:cNvPr id="3" name="コンテンツ プレースホルダー 2"/>
-          <p:cNvSpPr>
-            <a:spLocks noGrp="1"/>
-          </p:cNvSpPr>
-          <p:nvPr>
-            <p:ph idx="1"/>
-          </p:nvPr>
-        </p:nvSpPr>
-        <p:spPr/>
-        <p:txBody>
-          <a:bodyPr/>
-          <a:lstStyle/>
-          <a:p>
-            <a:endParaRPr lang="en-US" altLang="zh-CN" dirty="0" smtClean="0"/>
-          </a:p>
-          <a:p>
-            <a:r>
               <a:rPr lang="en-US" altLang="zh-CN" dirty="0"/>
               <a:t>for</a:t>
             </a:r>
@@ -7965,7 +7762,7 @@
 </p:sld>
 </file>
 
-<file path=ppt/slides/slide29.xml><?xml version="1.0" encoding="utf-8"?>
+<file path=ppt/slides/slide28.xml><?xml version="1.0" encoding="utf-8"?>
 <p:sld xmlns:a="http://schemas.openxmlformats.org/drawingml/2006/main" xmlns:r="http://schemas.openxmlformats.org/officeDocument/2006/relationships" xmlns:p="http://schemas.openxmlformats.org/presentationml/2006/main">
   <p:cSld>
     <p:spTree>
@@ -8187,13 +7984,13 @@
         </p:nvPicPr>
         <p:blipFill rotWithShape="1">
           <a:blip r:embed="rId3"/>
-          <a:srcRect t="-4449" r="22548"/>
+          <a:srcRect t="-4449" r="75729"/>
           <a:stretch/>
         </p:blipFill>
         <p:spPr>
           <a:xfrm>
-            <a:off x="628650" y="2859578"/>
-            <a:ext cx="8498725" cy="756112"/>
+            <a:off x="778280" y="2726573"/>
+            <a:ext cx="8022506" cy="2277687"/>
           </a:xfrm>
           <a:prstGeom prst="rect">
             <a:avLst/>
@@ -8300,13 +8097,13 @@
         </p:nvPicPr>
         <p:blipFill rotWithShape="1">
           <a:blip r:embed="rId3"/>
-          <a:srcRect r="26678"/>
+          <a:srcRect l="1" r="63551" b="17154"/>
           <a:stretch/>
         </p:blipFill>
         <p:spPr>
           <a:xfrm>
-            <a:off x="1027661" y="2484121"/>
-            <a:ext cx="8066463" cy="1171575"/>
+            <a:off x="1027661" y="2391443"/>
+            <a:ext cx="7835609" cy="1896640"/>
           </a:xfrm>
           <a:prstGeom prst="rect">
             <a:avLst/>
@@ -8501,8 +8298,11 @@
           <a:p>
             <a:r>
               <a:rPr kumimoji="1" lang="zh-CN" altLang="en-US" dirty="0" smtClean="0"/>
-              <a:t>查询其他用户</a:t>
-            </a:r>
+              <a:t>查询其他在线用户</a:t>
+            </a:r>
+            <a:endParaRPr kumimoji="1" lang="en-US" altLang="zh-CN" dirty="0"/>
+          </a:p>
+          <a:p>
             <a:endParaRPr kumimoji="1" lang="en-US" altLang="zh-CN" dirty="0" smtClean="0"/>
           </a:p>
           <a:p>
@@ -8533,13 +8333,13 @@
         </p:nvPicPr>
         <p:blipFill rotWithShape="1">
           <a:blip r:embed="rId4"/>
-          <a:srcRect t="3702" r="26399"/>
+          <a:srcRect t="3702" r="72911" b="7040"/>
           <a:stretch/>
         </p:blipFill>
         <p:spPr>
           <a:xfrm>
-            <a:off x="1027661" y="4638502"/>
-            <a:ext cx="8083088" cy="577865"/>
+            <a:off x="1027661" y="5019790"/>
+            <a:ext cx="7176752" cy="1292109"/>
           </a:xfrm>
           <a:prstGeom prst="rect">
             <a:avLst/>
@@ -8620,10 +8420,15 @@
             <p:ph idx="1"/>
           </p:nvPr>
         </p:nvSpPr>
-        <p:spPr/>
+        <p:spPr>
+          <a:xfrm>
+            <a:off x="415636" y="1446415"/>
+            <a:ext cx="8099714" cy="4730548"/>
+          </a:xfrm>
+        </p:spPr>
         <p:txBody>
           <a:bodyPr>
-            <a:normAutofit fontScale="92500" lnSpcReduction="10000"/>
+            <a:normAutofit fontScale="92500" lnSpcReduction="20000"/>
           </a:bodyPr>
           <a:lstStyle/>
           <a:p>
@@ -8667,6 +8472,9 @@
             <a:endParaRPr kumimoji="1" lang="en-US" altLang="zh-CN" dirty="0" smtClean="0"/>
           </a:p>
           <a:p>
+            <a:endParaRPr kumimoji="1" lang="en-US" altLang="zh-CN" dirty="0" smtClean="0"/>
+          </a:p>
+          <a:p>
             <a:pPr lvl="2"/>
             <a:r>
               <a:rPr kumimoji="1" lang="zh-CN" altLang="en-US" dirty="0" smtClean="0"/>
@@ -8703,11 +8511,22 @@
             <a:endParaRPr kumimoji="1" lang="en-US" altLang="zh-CN" dirty="0" smtClean="0"/>
           </a:p>
           <a:p>
+            <a:endParaRPr lang="en-US" altLang="ja-JP" dirty="0" smtClean="0">
+              <a:hlinkClick r:id="rId2"/>
+            </a:endParaRPr>
+          </a:p>
+          <a:p>
+            <a:r>
+              <a:rPr lang="en-US" altLang="ja-JP" dirty="0" smtClean="0">
+                <a:hlinkClick r:id="rId2"/>
+              </a:rPr>
+              <a:t>https</a:t>
+            </a:r>
             <a:r>
               <a:rPr lang="en-US" altLang="ja-JP" dirty="0">
                 <a:hlinkClick r:id="rId2"/>
               </a:rPr>
-              <a:t>https://</a:t>
+              <a:t>://</a:t>
             </a:r>
             <a:r>
               <a:rPr lang="en-US" altLang="ja-JP" dirty="0" smtClean="0">
@@ -8738,7 +8557,7 @@
         </p:blipFill>
         <p:spPr>
           <a:xfrm>
-            <a:off x="628650" y="2617597"/>
+            <a:off x="628650" y="2332464"/>
             <a:ext cx="8210550" cy="457200"/>
           </a:xfrm>
           <a:prstGeom prst="rect">
@@ -8756,13 +8575,13 @@
         </p:nvPicPr>
         <p:blipFill rotWithShape="1">
           <a:blip r:embed="rId4"/>
-          <a:srcRect b="59746"/>
+          <a:srcRect r="6218" b="59746"/>
           <a:stretch/>
         </p:blipFill>
         <p:spPr>
           <a:xfrm>
-            <a:off x="1508693" y="3866769"/>
-            <a:ext cx="4779055" cy="1203996"/>
+            <a:off x="1758075" y="3517634"/>
+            <a:ext cx="6338522" cy="1702759"/>
           </a:xfrm>
           <a:prstGeom prst="rect">
             <a:avLst/>
@@ -8926,16 +8745,15 @@
           </p:cNvPicPr>
           <p:nvPr/>
         </p:nvPicPr>
-        <p:blipFill>
+        <p:blipFill rotWithShape="1">
           <a:blip r:embed="rId2"/>
-          <a:stretch>
-            <a:fillRect/>
-          </a:stretch>
+          <a:srcRect l="-1" t="3501" r="60296" b="13671"/>
+          <a:stretch/>
         </p:blipFill>
         <p:spPr>
           <a:xfrm>
-            <a:off x="311604" y="2920210"/>
-            <a:ext cx="8963025" cy="895350"/>
+            <a:off x="311605" y="2992582"/>
+            <a:ext cx="8217253" cy="1712422"/>
           </a:xfrm>
           <a:prstGeom prst="rect">
             <a:avLst/>
@@ -8950,8 +8768,8 @@
         </p:nvSpPr>
         <p:spPr>
           <a:xfrm>
-            <a:off x="311604" y="3206529"/>
-            <a:ext cx="914400" cy="200364"/>
+            <a:off x="361480" y="3662269"/>
+            <a:ext cx="2148962" cy="338487"/>
           </a:xfrm>
           <a:prstGeom prst="rect">
             <a:avLst/>
@@ -9145,16 +8963,15 @@
           </p:cNvPicPr>
           <p:nvPr/>
         </p:nvPicPr>
-        <p:blipFill>
+        <p:blipFill rotWithShape="1">
           <a:blip r:embed="rId2"/>
-          <a:stretch>
-            <a:fillRect/>
-          </a:stretch>
+          <a:srcRect r="59570"/>
+          <a:stretch/>
         </p:blipFill>
         <p:spPr>
           <a:xfrm>
-            <a:off x="404812" y="2868839"/>
-            <a:ext cx="8334375" cy="742950"/>
+            <a:off x="404813" y="2868839"/>
+            <a:ext cx="8704682" cy="1919292"/>
           </a:xfrm>
           <a:prstGeom prst="rect">
             <a:avLst/>
@@ -9680,13 +9497,13 @@
         </p:nvPicPr>
         <p:blipFill rotWithShape="1">
           <a:blip r:embed="rId2"/>
-          <a:srcRect t="1" r="22682" b="739"/>
+          <a:srcRect r="75923" b="12640"/>
           <a:stretch/>
         </p:blipFill>
         <p:spPr>
           <a:xfrm>
             <a:off x="628650" y="2867025"/>
-            <a:ext cx="8498725" cy="557820"/>
+            <a:ext cx="8168109" cy="1515194"/>
           </a:xfrm>
           <a:prstGeom prst="rect">
             <a:avLst/>

--- a/03_Linux101/Linux101.pptx
+++ b/03_Linux101/Linux101.pptx
@@ -5,37 +5,47 @@
     <p:sldMasterId id="2147483660" r:id="rId1"/>
   </p:sldMasterIdLst>
   <p:notesMasterIdLst>
-    <p:notesMasterId r:id="rId30"/>
+    <p:notesMasterId r:id="rId40"/>
   </p:notesMasterIdLst>
   <p:sldIdLst>
     <p:sldId id="272" r:id="rId2"/>
     <p:sldId id="285" r:id="rId3"/>
     <p:sldId id="270" r:id="rId4"/>
     <p:sldId id="269" r:id="rId5"/>
-    <p:sldId id="265" r:id="rId6"/>
-    <p:sldId id="264" r:id="rId7"/>
-    <p:sldId id="267" r:id="rId8"/>
-    <p:sldId id="266" r:id="rId9"/>
-    <p:sldId id="268" r:id="rId10"/>
-    <p:sldId id="263" r:id="rId11"/>
-    <p:sldId id="280" r:id="rId12"/>
-    <p:sldId id="259" r:id="rId13"/>
-    <p:sldId id="262" r:id="rId14"/>
-    <p:sldId id="273" r:id="rId15"/>
-    <p:sldId id="274" r:id="rId16"/>
-    <p:sldId id="276" r:id="rId17"/>
-    <p:sldId id="275" r:id="rId18"/>
-    <p:sldId id="277" r:id="rId19"/>
-    <p:sldId id="281" r:id="rId20"/>
-    <p:sldId id="278" r:id="rId21"/>
-    <p:sldId id="283" r:id="rId22"/>
-    <p:sldId id="284" r:id="rId23"/>
-    <p:sldId id="279" r:id="rId24"/>
-    <p:sldId id="290" r:id="rId25"/>
-    <p:sldId id="289" r:id="rId26"/>
-    <p:sldId id="286" r:id="rId27"/>
-    <p:sldId id="287" r:id="rId28"/>
-    <p:sldId id="288" r:id="rId29"/>
+    <p:sldId id="292" r:id="rId6"/>
+    <p:sldId id="293" r:id="rId7"/>
+    <p:sldId id="265" r:id="rId8"/>
+    <p:sldId id="264" r:id="rId9"/>
+    <p:sldId id="267" r:id="rId10"/>
+    <p:sldId id="266" r:id="rId11"/>
+    <p:sldId id="268" r:id="rId12"/>
+    <p:sldId id="263" r:id="rId13"/>
+    <p:sldId id="280" r:id="rId14"/>
+    <p:sldId id="259" r:id="rId15"/>
+    <p:sldId id="262" r:id="rId16"/>
+    <p:sldId id="273" r:id="rId17"/>
+    <p:sldId id="274" r:id="rId18"/>
+    <p:sldId id="276" r:id="rId19"/>
+    <p:sldId id="275" r:id="rId20"/>
+    <p:sldId id="277" r:id="rId21"/>
+    <p:sldId id="281" r:id="rId22"/>
+    <p:sldId id="294" r:id="rId23"/>
+    <p:sldId id="295" r:id="rId24"/>
+    <p:sldId id="297" r:id="rId25"/>
+    <p:sldId id="296" r:id="rId26"/>
+    <p:sldId id="278" r:id="rId27"/>
+    <p:sldId id="283" r:id="rId28"/>
+    <p:sldId id="284" r:id="rId29"/>
+    <p:sldId id="298" r:id="rId30"/>
+    <p:sldId id="299" r:id="rId31"/>
+    <p:sldId id="300" r:id="rId32"/>
+    <p:sldId id="291" r:id="rId33"/>
+    <p:sldId id="279" r:id="rId34"/>
+    <p:sldId id="290" r:id="rId35"/>
+    <p:sldId id="289" r:id="rId36"/>
+    <p:sldId id="286" r:id="rId37"/>
+    <p:sldId id="287" r:id="rId38"/>
+    <p:sldId id="288" r:id="rId39"/>
   </p:sldIdLst>
   <p:sldSz cx="9144000" cy="6858000" type="screen4x3"/>
   <p:notesSz cx="6858000" cy="9144000"/>
@@ -686,6 +696,26 @@
           <a:bodyPr/>
           <a:lstStyle/>
           <a:p>
+            <a:r>
+              <a:rPr kumimoji="1" lang="zh-CN" altLang="en-US" dirty="0" smtClean="0"/>
+              <a:t>和回声很像，你对着墙喊 </a:t>
+            </a:r>
+            <a:r>
+              <a:rPr kumimoji="1" lang="en-US" altLang="zh-CN" dirty="0" smtClean="0"/>
+              <a:t>Hello</a:t>
+            </a:r>
+            <a:r>
+              <a:rPr kumimoji="1" lang="zh-CN" altLang="en-US" dirty="0" smtClean="0"/>
+              <a:t>，</a:t>
+            </a:r>
+            <a:r>
+              <a:rPr kumimoji="1" lang="en-US" altLang="zh-CN" dirty="0" err="1" smtClean="0"/>
+              <a:t>tiangong</a:t>
+            </a:r>
+            <a:r>
+              <a:rPr kumimoji="1" lang="zh-CN" altLang="en-US" dirty="0" smtClean="0"/>
+              <a:t>。自己也能听到 </a:t>
+            </a:r>
             <a:endParaRPr kumimoji="1" lang="ja-JP" altLang="en-US" dirty="0"/>
           </a:p>
         </p:txBody>
@@ -707,7 +737,7 @@
           <a:p>
             <a:fld id="{865C68C4-5A9F-49C8-8A5C-AA47520AB5D6}" type="slidenum">
               <a:rPr kumimoji="1" lang="ja-JP" altLang="en-US" smtClean="0"/>
-              <a:t>21</a:t>
+              <a:t>20</a:t>
             </a:fld>
             <a:endParaRPr kumimoji="1" lang="ja-JP" altLang="en-US"/>
           </a:p>
@@ -716,7 +746,7 @@
     </p:spTree>
     <p:extLst>
       <p:ext uri="{BB962C8B-B14F-4D97-AF65-F5344CB8AC3E}">
-        <p14:creationId xmlns:p14="http://schemas.microsoft.com/office/powerpoint/2010/main" val="1293374631"/>
+        <p14:creationId xmlns:p14="http://schemas.microsoft.com/office/powerpoint/2010/main" val="3506972025"/>
       </p:ext>
     </p:extLst>
   </p:cSld>
@@ -770,14 +800,6 @@
           <a:bodyPr/>
           <a:lstStyle/>
           <a:p>
-            <a:r>
-              <a:rPr kumimoji="1" lang="zh-CN" altLang="en-US" dirty="0" smtClean="0"/>
-              <a:t>格式化，每个人的理解不同，可以想象成</a:t>
-            </a:r>
-            <a:r>
-              <a:rPr kumimoji="1" lang="en-US" altLang="zh-CN" dirty="0" smtClean="0"/>
-              <a:t>excel</a:t>
-            </a:r>
             <a:endParaRPr kumimoji="1" lang="ja-JP" altLang="en-US" dirty="0"/>
           </a:p>
         </p:txBody>
@@ -799,7 +821,7 @@
           <a:p>
             <a:fld id="{865C68C4-5A9F-49C8-8A5C-AA47520AB5D6}" type="slidenum">
               <a:rPr kumimoji="1" lang="ja-JP" altLang="en-US" smtClean="0"/>
-              <a:t>22</a:t>
+              <a:t>21</a:t>
             </a:fld>
             <a:endParaRPr kumimoji="1" lang="ja-JP" altLang="en-US"/>
           </a:p>
@@ -808,7 +830,7 @@
     </p:spTree>
     <p:extLst>
       <p:ext uri="{BB962C8B-B14F-4D97-AF65-F5344CB8AC3E}">
-        <p14:creationId xmlns:p14="http://schemas.microsoft.com/office/powerpoint/2010/main" val="1001454729"/>
+        <p14:creationId xmlns:p14="http://schemas.microsoft.com/office/powerpoint/2010/main" val="3292995332"/>
       </p:ext>
     </p:extLst>
   </p:cSld>
@@ -862,14 +884,6 @@
           <a:bodyPr/>
           <a:lstStyle/>
           <a:p>
-            <a:r>
-              <a:rPr kumimoji="1" lang="zh-CN" altLang="en-US" dirty="0" smtClean="0"/>
-              <a:t>格式化，每个人的理解不同，可以想象成</a:t>
-            </a:r>
-            <a:r>
-              <a:rPr kumimoji="1" lang="en-US" altLang="zh-CN" dirty="0" smtClean="0"/>
-              <a:t>excel</a:t>
-            </a:r>
             <a:endParaRPr kumimoji="1" lang="ja-JP" altLang="en-US" dirty="0"/>
           </a:p>
         </p:txBody>
@@ -891,7 +905,7 @@
           <a:p>
             <a:fld id="{865C68C4-5A9F-49C8-8A5C-AA47520AB5D6}" type="slidenum">
               <a:rPr kumimoji="1" lang="ja-JP" altLang="en-US" smtClean="0"/>
-              <a:t>23</a:t>
+              <a:t>22</a:t>
             </a:fld>
             <a:endParaRPr kumimoji="1" lang="ja-JP" altLang="en-US"/>
           </a:p>
@@ -900,7 +914,7 @@
     </p:spTree>
     <p:extLst>
       <p:ext uri="{BB962C8B-B14F-4D97-AF65-F5344CB8AC3E}">
-        <p14:creationId xmlns:p14="http://schemas.microsoft.com/office/powerpoint/2010/main" val="303440927"/>
+        <p14:creationId xmlns:p14="http://schemas.microsoft.com/office/powerpoint/2010/main" val="2684543557"/>
       </p:ext>
     </p:extLst>
   </p:cSld>
@@ -954,14 +968,6 @@
           <a:bodyPr/>
           <a:lstStyle/>
           <a:p>
-            <a:r>
-              <a:rPr kumimoji="1" lang="zh-CN" altLang="en-US" dirty="0" smtClean="0"/>
-              <a:t>格式化，每个人的理解不同，可以想象成</a:t>
-            </a:r>
-            <a:r>
-              <a:rPr kumimoji="1" lang="en-US" altLang="zh-CN" dirty="0" smtClean="0"/>
-              <a:t>excel</a:t>
-            </a:r>
             <a:endParaRPr kumimoji="1" lang="ja-JP" altLang="en-US" dirty="0"/>
           </a:p>
         </p:txBody>
@@ -983,7 +989,7 @@
           <a:p>
             <a:fld id="{865C68C4-5A9F-49C8-8A5C-AA47520AB5D6}" type="slidenum">
               <a:rPr kumimoji="1" lang="ja-JP" altLang="en-US" smtClean="0"/>
-              <a:t>24</a:t>
+              <a:t>23</a:t>
             </a:fld>
             <a:endParaRPr kumimoji="1" lang="ja-JP" altLang="en-US"/>
           </a:p>
@@ -992,7 +998,7 @@
     </p:spTree>
     <p:extLst>
       <p:ext uri="{BB962C8B-B14F-4D97-AF65-F5344CB8AC3E}">
-        <p14:creationId xmlns:p14="http://schemas.microsoft.com/office/powerpoint/2010/main" val="4264112900"/>
+        <p14:creationId xmlns:p14="http://schemas.microsoft.com/office/powerpoint/2010/main" val="2926418793"/>
       </p:ext>
     </p:extLst>
   </p:cSld>
@@ -1046,21 +1052,6 @@
           <a:bodyPr/>
           <a:lstStyle/>
           <a:p>
-            <a:r>
-              <a:rPr kumimoji="1" lang="zh-CN" altLang="en-US" dirty="0" smtClean="0"/>
-              <a:t>可以把</a:t>
-            </a:r>
-            <a:r>
-              <a:rPr kumimoji="1" lang="en-US" altLang="zh-CN" dirty="0" smtClean="0"/>
-              <a:t>grep </a:t>
-            </a:r>
-            <a:r>
-              <a:rPr kumimoji="1" lang="zh-CN" altLang="en-US" dirty="0" smtClean="0"/>
-              <a:t>命令看作是一个过滤器，过滤出自己想要的内容。</a:t>
-            </a:r>
-            <a:endParaRPr kumimoji="1" lang="en-US" altLang="zh-CN" dirty="0" smtClean="0"/>
-          </a:p>
-          <a:p>
             <a:endParaRPr kumimoji="1" lang="ja-JP" altLang="en-US" dirty="0"/>
           </a:p>
         </p:txBody>
@@ -1082,7 +1073,7 @@
           <a:p>
             <a:fld id="{865C68C4-5A9F-49C8-8A5C-AA47520AB5D6}" type="slidenum">
               <a:rPr kumimoji="1" lang="ja-JP" altLang="en-US" smtClean="0"/>
-              <a:t>25</a:t>
+              <a:t>24</a:t>
             </a:fld>
             <a:endParaRPr kumimoji="1" lang="ja-JP" altLang="en-US"/>
           </a:p>
@@ -1091,7 +1082,7 @@
     </p:spTree>
     <p:extLst>
       <p:ext uri="{BB962C8B-B14F-4D97-AF65-F5344CB8AC3E}">
-        <p14:creationId xmlns:p14="http://schemas.microsoft.com/office/powerpoint/2010/main" val="2700174011"/>
+        <p14:creationId xmlns:p14="http://schemas.microsoft.com/office/powerpoint/2010/main" val="902200969"/>
       </p:ext>
     </p:extLst>
   </p:cSld>
@@ -1145,14 +1136,6 @@
           <a:bodyPr/>
           <a:lstStyle/>
           <a:p>
-            <a:r>
-              <a:rPr kumimoji="1" lang="zh-CN" altLang="en-US" dirty="0" smtClean="0"/>
-              <a:t>格式化，每个人的理解不同，可以想象成</a:t>
-            </a:r>
-            <a:r>
-              <a:rPr kumimoji="1" lang="en-US" altLang="zh-CN" dirty="0" smtClean="0"/>
-              <a:t>excel</a:t>
-            </a:r>
             <a:endParaRPr kumimoji="1" lang="ja-JP" altLang="en-US" dirty="0"/>
           </a:p>
         </p:txBody>
@@ -1174,7 +1157,7 @@
           <a:p>
             <a:fld id="{865C68C4-5A9F-49C8-8A5C-AA47520AB5D6}" type="slidenum">
               <a:rPr kumimoji="1" lang="ja-JP" altLang="en-US" smtClean="0"/>
-              <a:t>26</a:t>
+              <a:t>25</a:t>
             </a:fld>
             <a:endParaRPr kumimoji="1" lang="ja-JP" altLang="en-US"/>
           </a:p>
@@ -1183,7 +1166,7 @@
     </p:spTree>
     <p:extLst>
       <p:ext uri="{BB962C8B-B14F-4D97-AF65-F5344CB8AC3E}">
-        <p14:creationId xmlns:p14="http://schemas.microsoft.com/office/powerpoint/2010/main" val="2049628011"/>
+        <p14:creationId xmlns:p14="http://schemas.microsoft.com/office/powerpoint/2010/main" val="539449882"/>
       </p:ext>
     </p:extLst>
   </p:cSld>
@@ -1237,7 +1220,31 @@
           <a:bodyPr/>
           <a:lstStyle/>
           <a:p>
-            <a:endParaRPr kumimoji="1" lang="ja-JP" altLang="en-US" dirty="0"/>
+            <a:r>
+              <a:rPr kumimoji="1" lang="en-US" altLang="zh-CN" dirty="0" smtClean="0"/>
+              <a:t>Vim </a:t>
+            </a:r>
+            <a:r>
+              <a:rPr kumimoji="1" lang="zh-CN" altLang="en-US" dirty="0" smtClean="0"/>
+              <a:t>是文本编辑器，可以等同于</a:t>
+            </a:r>
+            <a:r>
+              <a:rPr kumimoji="1" lang="en-US" altLang="zh-CN" dirty="0" smtClean="0"/>
+              <a:t>windows</a:t>
+            </a:r>
+            <a:r>
+              <a:rPr kumimoji="1" lang="zh-CN" altLang="en-US" dirty="0" smtClean="0"/>
+              <a:t>的</a:t>
+            </a:r>
+            <a:r>
+              <a:rPr kumimoji="1" lang="en-US" altLang="zh-CN" dirty="0" smtClean="0"/>
+              <a:t>edit</a:t>
+            </a:r>
+            <a:r>
+              <a:rPr kumimoji="1" lang="zh-CN" altLang="en-US" dirty="0" smtClean="0"/>
+              <a:t>，</a:t>
+            </a:r>
+            <a:endParaRPr kumimoji="1" lang="en-US" altLang="zh-CN" dirty="0" smtClean="0"/>
           </a:p>
         </p:txBody>
       </p:sp>
@@ -1258,7 +1265,7 @@
           <a:p>
             <a:fld id="{865C68C4-5A9F-49C8-8A5C-AA47520AB5D6}" type="slidenum">
               <a:rPr kumimoji="1" lang="ja-JP" altLang="en-US" smtClean="0"/>
-              <a:t>27</a:t>
+              <a:t>26</a:t>
             </a:fld>
             <a:endParaRPr kumimoji="1" lang="ja-JP" altLang="en-US"/>
           </a:p>
@@ -1267,7 +1274,7 @@
     </p:spTree>
     <p:extLst>
       <p:ext uri="{BB962C8B-B14F-4D97-AF65-F5344CB8AC3E}">
-        <p14:creationId xmlns:p14="http://schemas.microsoft.com/office/powerpoint/2010/main" val="1235884662"/>
+        <p14:creationId xmlns:p14="http://schemas.microsoft.com/office/powerpoint/2010/main" val="1538258329"/>
       </p:ext>
     </p:extLst>
   </p:cSld>
@@ -1342,6 +1349,98 @@
           <a:p>
             <a:fld id="{865C68C4-5A9F-49C8-8A5C-AA47520AB5D6}" type="slidenum">
               <a:rPr kumimoji="1" lang="ja-JP" altLang="en-US" smtClean="0"/>
+              <a:t>27</a:t>
+            </a:fld>
+            <a:endParaRPr kumimoji="1" lang="ja-JP" altLang="en-US"/>
+          </a:p>
+        </p:txBody>
+      </p:sp>
+    </p:spTree>
+    <p:extLst>
+      <p:ext uri="{BB962C8B-B14F-4D97-AF65-F5344CB8AC3E}">
+        <p14:creationId xmlns:p14="http://schemas.microsoft.com/office/powerpoint/2010/main" val="1293374631"/>
+      </p:ext>
+    </p:extLst>
+  </p:cSld>
+  <p:clrMapOvr>
+    <a:masterClrMapping/>
+  </p:clrMapOvr>
+</p:notes>
+</file>
+
+<file path=ppt/notesSlides/notesSlide18.xml><?xml version="1.0" encoding="utf-8"?>
+<p:notes xmlns:a="http://schemas.openxmlformats.org/drawingml/2006/main" xmlns:r="http://schemas.openxmlformats.org/officeDocument/2006/relationships" xmlns:p="http://schemas.openxmlformats.org/presentationml/2006/main">
+  <p:cSld>
+    <p:spTree>
+      <p:nvGrpSpPr>
+        <p:cNvPr id="1" name=""/>
+        <p:cNvGrpSpPr/>
+        <p:nvPr/>
+      </p:nvGrpSpPr>
+      <p:grpSpPr>
+        <a:xfrm>
+          <a:off x="0" y="0"/>
+          <a:ext cx="0" cy="0"/>
+          <a:chOff x="0" y="0"/>
+          <a:chExt cx="0" cy="0"/>
+        </a:xfrm>
+      </p:grpSpPr>
+      <p:sp>
+        <p:nvSpPr>
+          <p:cNvPr id="2" name="スライド イメージ プレースホルダー 1"/>
+          <p:cNvSpPr>
+            <a:spLocks noGrp="1" noRot="1" noChangeAspect="1"/>
+          </p:cNvSpPr>
+          <p:nvPr>
+            <p:ph type="sldImg"/>
+          </p:nvPr>
+        </p:nvSpPr>
+        <p:spPr/>
+      </p:sp>
+      <p:sp>
+        <p:nvSpPr>
+          <p:cNvPr id="3" name="ノート プレースホルダー 2"/>
+          <p:cNvSpPr>
+            <a:spLocks noGrp="1"/>
+          </p:cNvSpPr>
+          <p:nvPr>
+            <p:ph type="body" idx="1"/>
+          </p:nvPr>
+        </p:nvSpPr>
+        <p:spPr/>
+        <p:txBody>
+          <a:bodyPr/>
+          <a:lstStyle/>
+          <a:p>
+            <a:r>
+              <a:rPr kumimoji="1" lang="zh-CN" altLang="en-US" dirty="0" smtClean="0"/>
+              <a:t>格式化，每个人的理解不同，可以想象成</a:t>
+            </a:r>
+            <a:r>
+              <a:rPr kumimoji="1" lang="en-US" altLang="zh-CN" dirty="0" smtClean="0"/>
+              <a:t>excel</a:t>
+            </a:r>
+            <a:endParaRPr kumimoji="1" lang="ja-JP" altLang="en-US" dirty="0"/>
+          </a:p>
+        </p:txBody>
+      </p:sp>
+      <p:sp>
+        <p:nvSpPr>
+          <p:cNvPr id="4" name="スライド番号プレースホルダー 3"/>
+          <p:cNvSpPr>
+            <a:spLocks noGrp="1"/>
+          </p:cNvSpPr>
+          <p:nvPr>
+            <p:ph type="sldNum" sz="quarter" idx="10"/>
+          </p:nvPr>
+        </p:nvSpPr>
+        <p:spPr/>
+        <p:txBody>
+          <a:bodyPr/>
+          <a:lstStyle/>
+          <a:p>
+            <a:fld id="{865C68C4-5A9F-49C8-8A5C-AA47520AB5D6}" type="slidenum">
+              <a:rPr kumimoji="1" lang="ja-JP" altLang="en-US" smtClean="0"/>
               <a:t>28</a:t>
             </a:fld>
             <a:endParaRPr kumimoji="1" lang="ja-JP" altLang="en-US"/>
@@ -1351,7 +1450,99 @@
     </p:spTree>
     <p:extLst>
       <p:ext uri="{BB962C8B-B14F-4D97-AF65-F5344CB8AC3E}">
-        <p14:creationId xmlns:p14="http://schemas.microsoft.com/office/powerpoint/2010/main" val="1173948729"/>
+        <p14:creationId xmlns:p14="http://schemas.microsoft.com/office/powerpoint/2010/main" val="1001454729"/>
+      </p:ext>
+    </p:extLst>
+  </p:cSld>
+  <p:clrMapOvr>
+    <a:masterClrMapping/>
+  </p:clrMapOvr>
+</p:notes>
+</file>
+
+<file path=ppt/notesSlides/notesSlide19.xml><?xml version="1.0" encoding="utf-8"?>
+<p:notes xmlns:a="http://schemas.openxmlformats.org/drawingml/2006/main" xmlns:r="http://schemas.openxmlformats.org/officeDocument/2006/relationships" xmlns:p="http://schemas.openxmlformats.org/presentationml/2006/main">
+  <p:cSld>
+    <p:spTree>
+      <p:nvGrpSpPr>
+        <p:cNvPr id="1" name=""/>
+        <p:cNvGrpSpPr/>
+        <p:nvPr/>
+      </p:nvGrpSpPr>
+      <p:grpSpPr>
+        <a:xfrm>
+          <a:off x="0" y="0"/>
+          <a:ext cx="0" cy="0"/>
+          <a:chOff x="0" y="0"/>
+          <a:chExt cx="0" cy="0"/>
+        </a:xfrm>
+      </p:grpSpPr>
+      <p:sp>
+        <p:nvSpPr>
+          <p:cNvPr id="2" name="スライド イメージ プレースホルダー 1"/>
+          <p:cNvSpPr>
+            <a:spLocks noGrp="1" noRot="1" noChangeAspect="1"/>
+          </p:cNvSpPr>
+          <p:nvPr>
+            <p:ph type="sldImg"/>
+          </p:nvPr>
+        </p:nvSpPr>
+        <p:spPr/>
+      </p:sp>
+      <p:sp>
+        <p:nvSpPr>
+          <p:cNvPr id="3" name="ノート プレースホルダー 2"/>
+          <p:cNvSpPr>
+            <a:spLocks noGrp="1"/>
+          </p:cNvSpPr>
+          <p:nvPr>
+            <p:ph type="body" idx="1"/>
+          </p:nvPr>
+        </p:nvSpPr>
+        <p:spPr/>
+        <p:txBody>
+          <a:bodyPr/>
+          <a:lstStyle/>
+          <a:p>
+            <a:r>
+              <a:rPr kumimoji="1" lang="zh-CN" altLang="en-US" dirty="0" smtClean="0"/>
+              <a:t>格式化，每个人的理解不同，可以想象成</a:t>
+            </a:r>
+            <a:r>
+              <a:rPr kumimoji="1" lang="en-US" altLang="zh-CN" dirty="0" smtClean="0"/>
+              <a:t>excel</a:t>
+            </a:r>
+            <a:endParaRPr kumimoji="1" lang="ja-JP" altLang="en-US" dirty="0"/>
+          </a:p>
+        </p:txBody>
+      </p:sp>
+      <p:sp>
+        <p:nvSpPr>
+          <p:cNvPr id="4" name="スライド番号プレースホルダー 3"/>
+          <p:cNvSpPr>
+            <a:spLocks noGrp="1"/>
+          </p:cNvSpPr>
+          <p:nvPr>
+            <p:ph type="sldNum" sz="quarter" idx="10"/>
+          </p:nvPr>
+        </p:nvSpPr>
+        <p:spPr/>
+        <p:txBody>
+          <a:bodyPr/>
+          <a:lstStyle/>
+          <a:p>
+            <a:fld id="{865C68C4-5A9F-49C8-8A5C-AA47520AB5D6}" type="slidenum">
+              <a:rPr kumimoji="1" lang="ja-JP" altLang="en-US" smtClean="0"/>
+              <a:t>29</a:t>
+            </a:fld>
+            <a:endParaRPr kumimoji="1" lang="ja-JP" altLang="en-US"/>
+          </a:p>
+        </p:txBody>
+      </p:sp>
+    </p:spTree>
+    <p:extLst>
+      <p:ext uri="{BB962C8B-B14F-4D97-AF65-F5344CB8AC3E}">
+        <p14:creationId xmlns:p14="http://schemas.microsoft.com/office/powerpoint/2010/main" val="19262098"/>
       </p:ext>
     </p:extLst>
   </p:cSld>
@@ -1472,6 +1663,821 @@
 </p:notes>
 </file>
 
+<file path=ppt/notesSlides/notesSlide20.xml><?xml version="1.0" encoding="utf-8"?>
+<p:notes xmlns:a="http://schemas.openxmlformats.org/drawingml/2006/main" xmlns:r="http://schemas.openxmlformats.org/officeDocument/2006/relationships" xmlns:p="http://schemas.openxmlformats.org/presentationml/2006/main">
+  <p:cSld>
+    <p:spTree>
+      <p:nvGrpSpPr>
+        <p:cNvPr id="1" name=""/>
+        <p:cNvGrpSpPr/>
+        <p:nvPr/>
+      </p:nvGrpSpPr>
+      <p:grpSpPr>
+        <a:xfrm>
+          <a:off x="0" y="0"/>
+          <a:ext cx="0" cy="0"/>
+          <a:chOff x="0" y="0"/>
+          <a:chExt cx="0" cy="0"/>
+        </a:xfrm>
+      </p:grpSpPr>
+      <p:sp>
+        <p:nvSpPr>
+          <p:cNvPr id="2" name="スライド イメージ プレースホルダー 1"/>
+          <p:cNvSpPr>
+            <a:spLocks noGrp="1" noRot="1" noChangeAspect="1"/>
+          </p:cNvSpPr>
+          <p:nvPr>
+            <p:ph type="sldImg"/>
+          </p:nvPr>
+        </p:nvSpPr>
+        <p:spPr/>
+      </p:sp>
+      <p:sp>
+        <p:nvSpPr>
+          <p:cNvPr id="3" name="ノート プレースホルダー 2"/>
+          <p:cNvSpPr>
+            <a:spLocks noGrp="1"/>
+          </p:cNvSpPr>
+          <p:nvPr>
+            <p:ph type="body" idx="1"/>
+          </p:nvPr>
+        </p:nvSpPr>
+        <p:spPr/>
+        <p:txBody>
+          <a:bodyPr/>
+          <a:lstStyle/>
+          <a:p>
+            <a:r>
+              <a:rPr kumimoji="1" lang="zh-CN" altLang="en-US" dirty="0" smtClean="0"/>
+              <a:t>格式化，每个人的理解不同，可以想象成</a:t>
+            </a:r>
+            <a:r>
+              <a:rPr kumimoji="1" lang="en-US" altLang="zh-CN" dirty="0" smtClean="0"/>
+              <a:t>excel</a:t>
+            </a:r>
+            <a:endParaRPr kumimoji="1" lang="ja-JP" altLang="en-US" dirty="0"/>
+          </a:p>
+        </p:txBody>
+      </p:sp>
+      <p:sp>
+        <p:nvSpPr>
+          <p:cNvPr id="4" name="スライド番号プレースホルダー 3"/>
+          <p:cNvSpPr>
+            <a:spLocks noGrp="1"/>
+          </p:cNvSpPr>
+          <p:nvPr>
+            <p:ph type="sldNum" sz="quarter" idx="10"/>
+          </p:nvPr>
+        </p:nvSpPr>
+        <p:spPr/>
+        <p:txBody>
+          <a:bodyPr/>
+          <a:lstStyle/>
+          <a:p>
+            <a:fld id="{865C68C4-5A9F-49C8-8A5C-AA47520AB5D6}" type="slidenum">
+              <a:rPr kumimoji="1" lang="ja-JP" altLang="en-US" smtClean="0"/>
+              <a:t>30</a:t>
+            </a:fld>
+            <a:endParaRPr kumimoji="1" lang="ja-JP" altLang="en-US"/>
+          </a:p>
+        </p:txBody>
+      </p:sp>
+    </p:spTree>
+    <p:extLst>
+      <p:ext uri="{BB962C8B-B14F-4D97-AF65-F5344CB8AC3E}">
+        <p14:creationId xmlns:p14="http://schemas.microsoft.com/office/powerpoint/2010/main" val="3573232466"/>
+      </p:ext>
+    </p:extLst>
+  </p:cSld>
+  <p:clrMapOvr>
+    <a:masterClrMapping/>
+  </p:clrMapOvr>
+</p:notes>
+</file>
+
+<file path=ppt/notesSlides/notesSlide21.xml><?xml version="1.0" encoding="utf-8"?>
+<p:notes xmlns:a="http://schemas.openxmlformats.org/drawingml/2006/main" xmlns:r="http://schemas.openxmlformats.org/officeDocument/2006/relationships" xmlns:p="http://schemas.openxmlformats.org/presentationml/2006/main">
+  <p:cSld>
+    <p:spTree>
+      <p:nvGrpSpPr>
+        <p:cNvPr id="1" name=""/>
+        <p:cNvGrpSpPr/>
+        <p:nvPr/>
+      </p:nvGrpSpPr>
+      <p:grpSpPr>
+        <a:xfrm>
+          <a:off x="0" y="0"/>
+          <a:ext cx="0" cy="0"/>
+          <a:chOff x="0" y="0"/>
+          <a:chExt cx="0" cy="0"/>
+        </a:xfrm>
+      </p:grpSpPr>
+      <p:sp>
+        <p:nvSpPr>
+          <p:cNvPr id="2" name="スライド イメージ プレースホルダー 1"/>
+          <p:cNvSpPr>
+            <a:spLocks noGrp="1" noRot="1" noChangeAspect="1"/>
+          </p:cNvSpPr>
+          <p:nvPr>
+            <p:ph type="sldImg"/>
+          </p:nvPr>
+        </p:nvSpPr>
+        <p:spPr/>
+      </p:sp>
+      <p:sp>
+        <p:nvSpPr>
+          <p:cNvPr id="3" name="ノート プレースホルダー 2"/>
+          <p:cNvSpPr>
+            <a:spLocks noGrp="1"/>
+          </p:cNvSpPr>
+          <p:nvPr>
+            <p:ph type="body" idx="1"/>
+          </p:nvPr>
+        </p:nvSpPr>
+        <p:spPr/>
+        <p:txBody>
+          <a:bodyPr/>
+          <a:lstStyle/>
+          <a:p>
+            <a:r>
+              <a:rPr kumimoji="1" lang="zh-CN" altLang="en-US" dirty="0" smtClean="0"/>
+              <a:t>把一个命令的结果，作为输入交给下一个命令</a:t>
+            </a:r>
+            <a:endParaRPr kumimoji="1" lang="ja-JP" altLang="en-US" dirty="0"/>
+          </a:p>
+        </p:txBody>
+      </p:sp>
+      <p:sp>
+        <p:nvSpPr>
+          <p:cNvPr id="4" name="スライド番号プレースホルダー 3"/>
+          <p:cNvSpPr>
+            <a:spLocks noGrp="1"/>
+          </p:cNvSpPr>
+          <p:nvPr>
+            <p:ph type="sldNum" sz="quarter" idx="10"/>
+          </p:nvPr>
+        </p:nvSpPr>
+        <p:spPr/>
+        <p:txBody>
+          <a:bodyPr/>
+          <a:lstStyle/>
+          <a:p>
+            <a:fld id="{865C68C4-5A9F-49C8-8A5C-AA47520AB5D6}" type="slidenum">
+              <a:rPr kumimoji="1" lang="ja-JP" altLang="en-US" smtClean="0"/>
+              <a:t>31</a:t>
+            </a:fld>
+            <a:endParaRPr kumimoji="1" lang="ja-JP" altLang="en-US"/>
+          </a:p>
+        </p:txBody>
+      </p:sp>
+    </p:spTree>
+    <p:extLst>
+      <p:ext uri="{BB962C8B-B14F-4D97-AF65-F5344CB8AC3E}">
+        <p14:creationId xmlns:p14="http://schemas.microsoft.com/office/powerpoint/2010/main" val="2547569302"/>
+      </p:ext>
+    </p:extLst>
+  </p:cSld>
+  <p:clrMapOvr>
+    <a:masterClrMapping/>
+  </p:clrMapOvr>
+</p:notes>
+</file>
+
+<file path=ppt/notesSlides/notesSlide22.xml><?xml version="1.0" encoding="utf-8"?>
+<p:notes xmlns:a="http://schemas.openxmlformats.org/drawingml/2006/main" xmlns:r="http://schemas.openxmlformats.org/officeDocument/2006/relationships" xmlns:p="http://schemas.openxmlformats.org/presentationml/2006/main">
+  <p:cSld>
+    <p:spTree>
+      <p:nvGrpSpPr>
+        <p:cNvPr id="1" name=""/>
+        <p:cNvGrpSpPr/>
+        <p:nvPr/>
+      </p:nvGrpSpPr>
+      <p:grpSpPr>
+        <a:xfrm>
+          <a:off x="0" y="0"/>
+          <a:ext cx="0" cy="0"/>
+          <a:chOff x="0" y="0"/>
+          <a:chExt cx="0" cy="0"/>
+        </a:xfrm>
+      </p:grpSpPr>
+      <p:sp>
+        <p:nvSpPr>
+          <p:cNvPr id="2" name="スライド イメージ プレースホルダー 1"/>
+          <p:cNvSpPr>
+            <a:spLocks noGrp="1" noRot="1" noChangeAspect="1"/>
+          </p:cNvSpPr>
+          <p:nvPr>
+            <p:ph type="sldImg"/>
+          </p:nvPr>
+        </p:nvSpPr>
+        <p:spPr/>
+      </p:sp>
+      <p:sp>
+        <p:nvSpPr>
+          <p:cNvPr id="3" name="ノート プレースホルダー 2"/>
+          <p:cNvSpPr>
+            <a:spLocks noGrp="1"/>
+          </p:cNvSpPr>
+          <p:nvPr>
+            <p:ph type="body" idx="1"/>
+          </p:nvPr>
+        </p:nvSpPr>
+        <p:spPr/>
+        <p:txBody>
+          <a:bodyPr/>
+          <a:lstStyle/>
+          <a:p>
+            <a:r>
+              <a:rPr kumimoji="1" lang="zh-CN" altLang="en-US" dirty="0" smtClean="0"/>
+              <a:t>格式化，每个人的理解不同，可以想象成</a:t>
+            </a:r>
+            <a:r>
+              <a:rPr kumimoji="1" lang="en-US" altLang="zh-CN" dirty="0" smtClean="0"/>
+              <a:t>excel</a:t>
+            </a:r>
+            <a:endParaRPr kumimoji="1" lang="ja-JP" altLang="en-US" dirty="0"/>
+          </a:p>
+        </p:txBody>
+      </p:sp>
+      <p:sp>
+        <p:nvSpPr>
+          <p:cNvPr id="4" name="スライド番号プレースホルダー 3"/>
+          <p:cNvSpPr>
+            <a:spLocks noGrp="1"/>
+          </p:cNvSpPr>
+          <p:nvPr>
+            <p:ph type="sldNum" sz="quarter" idx="10"/>
+          </p:nvPr>
+        </p:nvSpPr>
+        <p:spPr/>
+        <p:txBody>
+          <a:bodyPr/>
+          <a:lstStyle/>
+          <a:p>
+            <a:fld id="{865C68C4-5A9F-49C8-8A5C-AA47520AB5D6}" type="slidenum">
+              <a:rPr kumimoji="1" lang="ja-JP" altLang="en-US" smtClean="0"/>
+              <a:t>32</a:t>
+            </a:fld>
+            <a:endParaRPr kumimoji="1" lang="ja-JP" altLang="en-US"/>
+          </a:p>
+        </p:txBody>
+      </p:sp>
+    </p:spTree>
+    <p:extLst>
+      <p:ext uri="{BB962C8B-B14F-4D97-AF65-F5344CB8AC3E}">
+        <p14:creationId xmlns:p14="http://schemas.microsoft.com/office/powerpoint/2010/main" val="519908782"/>
+      </p:ext>
+    </p:extLst>
+  </p:cSld>
+  <p:clrMapOvr>
+    <a:masterClrMapping/>
+  </p:clrMapOvr>
+</p:notes>
+</file>
+
+<file path=ppt/notesSlides/notesSlide23.xml><?xml version="1.0" encoding="utf-8"?>
+<p:notes xmlns:a="http://schemas.openxmlformats.org/drawingml/2006/main" xmlns:r="http://schemas.openxmlformats.org/officeDocument/2006/relationships" xmlns:p="http://schemas.openxmlformats.org/presentationml/2006/main">
+  <p:cSld>
+    <p:spTree>
+      <p:nvGrpSpPr>
+        <p:cNvPr id="1" name=""/>
+        <p:cNvGrpSpPr/>
+        <p:nvPr/>
+      </p:nvGrpSpPr>
+      <p:grpSpPr>
+        <a:xfrm>
+          <a:off x="0" y="0"/>
+          <a:ext cx="0" cy="0"/>
+          <a:chOff x="0" y="0"/>
+          <a:chExt cx="0" cy="0"/>
+        </a:xfrm>
+      </p:grpSpPr>
+      <p:sp>
+        <p:nvSpPr>
+          <p:cNvPr id="2" name="スライド イメージ プレースホルダー 1"/>
+          <p:cNvSpPr>
+            <a:spLocks noGrp="1" noRot="1" noChangeAspect="1"/>
+          </p:cNvSpPr>
+          <p:nvPr>
+            <p:ph type="sldImg"/>
+          </p:nvPr>
+        </p:nvSpPr>
+        <p:spPr/>
+      </p:sp>
+      <p:sp>
+        <p:nvSpPr>
+          <p:cNvPr id="3" name="ノート プレースホルダー 2"/>
+          <p:cNvSpPr>
+            <a:spLocks noGrp="1"/>
+          </p:cNvSpPr>
+          <p:nvPr>
+            <p:ph type="body" idx="1"/>
+          </p:nvPr>
+        </p:nvSpPr>
+        <p:spPr/>
+        <p:txBody>
+          <a:bodyPr/>
+          <a:lstStyle/>
+          <a:p>
+            <a:r>
+              <a:rPr kumimoji="1" lang="zh-CN" altLang="en-US" dirty="0" smtClean="0"/>
+              <a:t>格式化，每个人的理解不同，可以想象成</a:t>
+            </a:r>
+            <a:r>
+              <a:rPr kumimoji="1" lang="en-US" altLang="zh-CN" dirty="0" smtClean="0"/>
+              <a:t>excel</a:t>
+            </a:r>
+            <a:endParaRPr kumimoji="1" lang="ja-JP" altLang="en-US" dirty="0"/>
+          </a:p>
+        </p:txBody>
+      </p:sp>
+      <p:sp>
+        <p:nvSpPr>
+          <p:cNvPr id="4" name="スライド番号プレースホルダー 3"/>
+          <p:cNvSpPr>
+            <a:spLocks noGrp="1"/>
+          </p:cNvSpPr>
+          <p:nvPr>
+            <p:ph type="sldNum" sz="quarter" idx="10"/>
+          </p:nvPr>
+        </p:nvSpPr>
+        <p:spPr/>
+        <p:txBody>
+          <a:bodyPr/>
+          <a:lstStyle/>
+          <a:p>
+            <a:fld id="{865C68C4-5A9F-49C8-8A5C-AA47520AB5D6}" type="slidenum">
+              <a:rPr kumimoji="1" lang="ja-JP" altLang="en-US" smtClean="0"/>
+              <a:t>33</a:t>
+            </a:fld>
+            <a:endParaRPr kumimoji="1" lang="ja-JP" altLang="en-US"/>
+          </a:p>
+        </p:txBody>
+      </p:sp>
+    </p:spTree>
+    <p:extLst>
+      <p:ext uri="{BB962C8B-B14F-4D97-AF65-F5344CB8AC3E}">
+        <p14:creationId xmlns:p14="http://schemas.microsoft.com/office/powerpoint/2010/main" val="303440927"/>
+      </p:ext>
+    </p:extLst>
+  </p:cSld>
+  <p:clrMapOvr>
+    <a:masterClrMapping/>
+  </p:clrMapOvr>
+</p:notes>
+</file>
+
+<file path=ppt/notesSlides/notesSlide24.xml><?xml version="1.0" encoding="utf-8"?>
+<p:notes xmlns:a="http://schemas.openxmlformats.org/drawingml/2006/main" xmlns:r="http://schemas.openxmlformats.org/officeDocument/2006/relationships" xmlns:p="http://schemas.openxmlformats.org/presentationml/2006/main">
+  <p:cSld>
+    <p:spTree>
+      <p:nvGrpSpPr>
+        <p:cNvPr id="1" name=""/>
+        <p:cNvGrpSpPr/>
+        <p:nvPr/>
+      </p:nvGrpSpPr>
+      <p:grpSpPr>
+        <a:xfrm>
+          <a:off x="0" y="0"/>
+          <a:ext cx="0" cy="0"/>
+          <a:chOff x="0" y="0"/>
+          <a:chExt cx="0" cy="0"/>
+        </a:xfrm>
+      </p:grpSpPr>
+      <p:sp>
+        <p:nvSpPr>
+          <p:cNvPr id="2" name="スライド イメージ プレースホルダー 1"/>
+          <p:cNvSpPr>
+            <a:spLocks noGrp="1" noRot="1" noChangeAspect="1"/>
+          </p:cNvSpPr>
+          <p:nvPr>
+            <p:ph type="sldImg"/>
+          </p:nvPr>
+        </p:nvSpPr>
+        <p:spPr/>
+      </p:sp>
+      <p:sp>
+        <p:nvSpPr>
+          <p:cNvPr id="3" name="ノート プレースホルダー 2"/>
+          <p:cNvSpPr>
+            <a:spLocks noGrp="1"/>
+          </p:cNvSpPr>
+          <p:nvPr>
+            <p:ph type="body" idx="1"/>
+          </p:nvPr>
+        </p:nvSpPr>
+        <p:spPr/>
+        <p:txBody>
+          <a:bodyPr/>
+          <a:lstStyle/>
+          <a:p>
+            <a:r>
+              <a:rPr kumimoji="1" lang="zh-CN" altLang="en-US" dirty="0" smtClean="0"/>
+              <a:t>格式化，每个人的理解不同，可以想象成</a:t>
+            </a:r>
+            <a:r>
+              <a:rPr kumimoji="1" lang="en-US" altLang="zh-CN" dirty="0" smtClean="0"/>
+              <a:t>excel</a:t>
+            </a:r>
+            <a:endParaRPr kumimoji="1" lang="ja-JP" altLang="en-US" dirty="0"/>
+          </a:p>
+        </p:txBody>
+      </p:sp>
+      <p:sp>
+        <p:nvSpPr>
+          <p:cNvPr id="4" name="スライド番号プレースホルダー 3"/>
+          <p:cNvSpPr>
+            <a:spLocks noGrp="1"/>
+          </p:cNvSpPr>
+          <p:nvPr>
+            <p:ph type="sldNum" sz="quarter" idx="10"/>
+          </p:nvPr>
+        </p:nvSpPr>
+        <p:spPr/>
+        <p:txBody>
+          <a:bodyPr/>
+          <a:lstStyle/>
+          <a:p>
+            <a:fld id="{865C68C4-5A9F-49C8-8A5C-AA47520AB5D6}" type="slidenum">
+              <a:rPr kumimoji="1" lang="ja-JP" altLang="en-US" smtClean="0"/>
+              <a:t>34</a:t>
+            </a:fld>
+            <a:endParaRPr kumimoji="1" lang="ja-JP" altLang="en-US"/>
+          </a:p>
+        </p:txBody>
+      </p:sp>
+    </p:spTree>
+    <p:extLst>
+      <p:ext uri="{BB962C8B-B14F-4D97-AF65-F5344CB8AC3E}">
+        <p14:creationId xmlns:p14="http://schemas.microsoft.com/office/powerpoint/2010/main" val="4264112900"/>
+      </p:ext>
+    </p:extLst>
+  </p:cSld>
+  <p:clrMapOvr>
+    <a:masterClrMapping/>
+  </p:clrMapOvr>
+</p:notes>
+</file>
+
+<file path=ppt/notesSlides/notesSlide25.xml><?xml version="1.0" encoding="utf-8"?>
+<p:notes xmlns:a="http://schemas.openxmlformats.org/drawingml/2006/main" xmlns:r="http://schemas.openxmlformats.org/officeDocument/2006/relationships" xmlns:p="http://schemas.openxmlformats.org/presentationml/2006/main">
+  <p:cSld>
+    <p:spTree>
+      <p:nvGrpSpPr>
+        <p:cNvPr id="1" name=""/>
+        <p:cNvGrpSpPr/>
+        <p:nvPr/>
+      </p:nvGrpSpPr>
+      <p:grpSpPr>
+        <a:xfrm>
+          <a:off x="0" y="0"/>
+          <a:ext cx="0" cy="0"/>
+          <a:chOff x="0" y="0"/>
+          <a:chExt cx="0" cy="0"/>
+        </a:xfrm>
+      </p:grpSpPr>
+      <p:sp>
+        <p:nvSpPr>
+          <p:cNvPr id="2" name="スライド イメージ プレースホルダー 1"/>
+          <p:cNvSpPr>
+            <a:spLocks noGrp="1" noRot="1" noChangeAspect="1"/>
+          </p:cNvSpPr>
+          <p:nvPr>
+            <p:ph type="sldImg"/>
+          </p:nvPr>
+        </p:nvSpPr>
+        <p:spPr/>
+      </p:sp>
+      <p:sp>
+        <p:nvSpPr>
+          <p:cNvPr id="3" name="ノート プレースホルダー 2"/>
+          <p:cNvSpPr>
+            <a:spLocks noGrp="1"/>
+          </p:cNvSpPr>
+          <p:nvPr>
+            <p:ph type="body" idx="1"/>
+          </p:nvPr>
+        </p:nvSpPr>
+        <p:spPr/>
+        <p:txBody>
+          <a:bodyPr/>
+          <a:lstStyle/>
+          <a:p>
+            <a:r>
+              <a:rPr kumimoji="1" lang="zh-CN" altLang="en-US" dirty="0" smtClean="0"/>
+              <a:t>可以把</a:t>
+            </a:r>
+            <a:r>
+              <a:rPr kumimoji="1" lang="en-US" altLang="zh-CN" dirty="0" smtClean="0"/>
+              <a:t>grep </a:t>
+            </a:r>
+            <a:r>
+              <a:rPr kumimoji="1" lang="zh-CN" altLang="en-US" dirty="0" smtClean="0"/>
+              <a:t>命令看作是一个过滤器，过滤出自己想要的内容。</a:t>
+            </a:r>
+            <a:endParaRPr kumimoji="1" lang="en-US" altLang="zh-CN" dirty="0" smtClean="0"/>
+          </a:p>
+          <a:p>
+            <a:endParaRPr kumimoji="1" lang="ja-JP" altLang="en-US" dirty="0"/>
+          </a:p>
+        </p:txBody>
+      </p:sp>
+      <p:sp>
+        <p:nvSpPr>
+          <p:cNvPr id="4" name="スライド番号プレースホルダー 3"/>
+          <p:cNvSpPr>
+            <a:spLocks noGrp="1"/>
+          </p:cNvSpPr>
+          <p:nvPr>
+            <p:ph type="sldNum" sz="quarter" idx="10"/>
+          </p:nvPr>
+        </p:nvSpPr>
+        <p:spPr/>
+        <p:txBody>
+          <a:bodyPr/>
+          <a:lstStyle/>
+          <a:p>
+            <a:fld id="{865C68C4-5A9F-49C8-8A5C-AA47520AB5D6}" type="slidenum">
+              <a:rPr kumimoji="1" lang="ja-JP" altLang="en-US" smtClean="0"/>
+              <a:t>35</a:t>
+            </a:fld>
+            <a:endParaRPr kumimoji="1" lang="ja-JP" altLang="en-US"/>
+          </a:p>
+        </p:txBody>
+      </p:sp>
+    </p:spTree>
+    <p:extLst>
+      <p:ext uri="{BB962C8B-B14F-4D97-AF65-F5344CB8AC3E}">
+        <p14:creationId xmlns:p14="http://schemas.microsoft.com/office/powerpoint/2010/main" val="2700174011"/>
+      </p:ext>
+    </p:extLst>
+  </p:cSld>
+  <p:clrMapOvr>
+    <a:masterClrMapping/>
+  </p:clrMapOvr>
+</p:notes>
+</file>
+
+<file path=ppt/notesSlides/notesSlide26.xml><?xml version="1.0" encoding="utf-8"?>
+<p:notes xmlns:a="http://schemas.openxmlformats.org/drawingml/2006/main" xmlns:r="http://schemas.openxmlformats.org/officeDocument/2006/relationships" xmlns:p="http://schemas.openxmlformats.org/presentationml/2006/main">
+  <p:cSld>
+    <p:spTree>
+      <p:nvGrpSpPr>
+        <p:cNvPr id="1" name=""/>
+        <p:cNvGrpSpPr/>
+        <p:nvPr/>
+      </p:nvGrpSpPr>
+      <p:grpSpPr>
+        <a:xfrm>
+          <a:off x="0" y="0"/>
+          <a:ext cx="0" cy="0"/>
+          <a:chOff x="0" y="0"/>
+          <a:chExt cx="0" cy="0"/>
+        </a:xfrm>
+      </p:grpSpPr>
+      <p:sp>
+        <p:nvSpPr>
+          <p:cNvPr id="2" name="スライド イメージ プレースホルダー 1"/>
+          <p:cNvSpPr>
+            <a:spLocks noGrp="1" noRot="1" noChangeAspect="1"/>
+          </p:cNvSpPr>
+          <p:nvPr>
+            <p:ph type="sldImg"/>
+          </p:nvPr>
+        </p:nvSpPr>
+        <p:spPr/>
+      </p:sp>
+      <p:sp>
+        <p:nvSpPr>
+          <p:cNvPr id="3" name="ノート プレースホルダー 2"/>
+          <p:cNvSpPr>
+            <a:spLocks noGrp="1"/>
+          </p:cNvSpPr>
+          <p:nvPr>
+            <p:ph type="body" idx="1"/>
+          </p:nvPr>
+        </p:nvSpPr>
+        <p:spPr/>
+        <p:txBody>
+          <a:bodyPr/>
+          <a:lstStyle/>
+          <a:p>
+            <a:r>
+              <a:rPr kumimoji="1" lang="zh-CN" altLang="en-US" dirty="0" smtClean="0"/>
+              <a:t>格式化，每个人的理解不同，可以想象成</a:t>
+            </a:r>
+            <a:r>
+              <a:rPr kumimoji="1" lang="en-US" altLang="zh-CN" dirty="0" smtClean="0"/>
+              <a:t>excel</a:t>
+            </a:r>
+            <a:endParaRPr kumimoji="1" lang="ja-JP" altLang="en-US" dirty="0"/>
+          </a:p>
+        </p:txBody>
+      </p:sp>
+      <p:sp>
+        <p:nvSpPr>
+          <p:cNvPr id="4" name="スライド番号プレースホルダー 3"/>
+          <p:cNvSpPr>
+            <a:spLocks noGrp="1"/>
+          </p:cNvSpPr>
+          <p:nvPr>
+            <p:ph type="sldNum" sz="quarter" idx="10"/>
+          </p:nvPr>
+        </p:nvSpPr>
+        <p:spPr/>
+        <p:txBody>
+          <a:bodyPr/>
+          <a:lstStyle/>
+          <a:p>
+            <a:fld id="{865C68C4-5A9F-49C8-8A5C-AA47520AB5D6}" type="slidenum">
+              <a:rPr kumimoji="1" lang="ja-JP" altLang="en-US" smtClean="0"/>
+              <a:t>36</a:t>
+            </a:fld>
+            <a:endParaRPr kumimoji="1" lang="ja-JP" altLang="en-US"/>
+          </a:p>
+        </p:txBody>
+      </p:sp>
+    </p:spTree>
+    <p:extLst>
+      <p:ext uri="{BB962C8B-B14F-4D97-AF65-F5344CB8AC3E}">
+        <p14:creationId xmlns:p14="http://schemas.microsoft.com/office/powerpoint/2010/main" val="2049628011"/>
+      </p:ext>
+    </p:extLst>
+  </p:cSld>
+  <p:clrMapOvr>
+    <a:masterClrMapping/>
+  </p:clrMapOvr>
+</p:notes>
+</file>
+
+<file path=ppt/notesSlides/notesSlide27.xml><?xml version="1.0" encoding="utf-8"?>
+<p:notes xmlns:a="http://schemas.openxmlformats.org/drawingml/2006/main" xmlns:r="http://schemas.openxmlformats.org/officeDocument/2006/relationships" xmlns:p="http://schemas.openxmlformats.org/presentationml/2006/main">
+  <p:cSld>
+    <p:spTree>
+      <p:nvGrpSpPr>
+        <p:cNvPr id="1" name=""/>
+        <p:cNvGrpSpPr/>
+        <p:nvPr/>
+      </p:nvGrpSpPr>
+      <p:grpSpPr>
+        <a:xfrm>
+          <a:off x="0" y="0"/>
+          <a:ext cx="0" cy="0"/>
+          <a:chOff x="0" y="0"/>
+          <a:chExt cx="0" cy="0"/>
+        </a:xfrm>
+      </p:grpSpPr>
+      <p:sp>
+        <p:nvSpPr>
+          <p:cNvPr id="2" name="スライド イメージ プレースホルダー 1"/>
+          <p:cNvSpPr>
+            <a:spLocks noGrp="1" noRot="1" noChangeAspect="1"/>
+          </p:cNvSpPr>
+          <p:nvPr>
+            <p:ph type="sldImg"/>
+          </p:nvPr>
+        </p:nvSpPr>
+        <p:spPr/>
+      </p:sp>
+      <p:sp>
+        <p:nvSpPr>
+          <p:cNvPr id="3" name="ノート プレースホルダー 2"/>
+          <p:cNvSpPr>
+            <a:spLocks noGrp="1"/>
+          </p:cNvSpPr>
+          <p:nvPr>
+            <p:ph type="body" idx="1"/>
+          </p:nvPr>
+        </p:nvSpPr>
+        <p:spPr/>
+        <p:txBody>
+          <a:bodyPr/>
+          <a:lstStyle/>
+          <a:p>
+            <a:endParaRPr kumimoji="1" lang="ja-JP" altLang="en-US" dirty="0"/>
+          </a:p>
+        </p:txBody>
+      </p:sp>
+      <p:sp>
+        <p:nvSpPr>
+          <p:cNvPr id="4" name="スライド番号プレースホルダー 3"/>
+          <p:cNvSpPr>
+            <a:spLocks noGrp="1"/>
+          </p:cNvSpPr>
+          <p:nvPr>
+            <p:ph type="sldNum" sz="quarter" idx="10"/>
+          </p:nvPr>
+        </p:nvSpPr>
+        <p:spPr/>
+        <p:txBody>
+          <a:bodyPr/>
+          <a:lstStyle/>
+          <a:p>
+            <a:fld id="{865C68C4-5A9F-49C8-8A5C-AA47520AB5D6}" type="slidenum">
+              <a:rPr kumimoji="1" lang="ja-JP" altLang="en-US" smtClean="0"/>
+              <a:t>37</a:t>
+            </a:fld>
+            <a:endParaRPr kumimoji="1" lang="ja-JP" altLang="en-US"/>
+          </a:p>
+        </p:txBody>
+      </p:sp>
+    </p:spTree>
+    <p:extLst>
+      <p:ext uri="{BB962C8B-B14F-4D97-AF65-F5344CB8AC3E}">
+        <p14:creationId xmlns:p14="http://schemas.microsoft.com/office/powerpoint/2010/main" val="1235884662"/>
+      </p:ext>
+    </p:extLst>
+  </p:cSld>
+  <p:clrMapOvr>
+    <a:masterClrMapping/>
+  </p:clrMapOvr>
+</p:notes>
+</file>
+
+<file path=ppt/notesSlides/notesSlide28.xml><?xml version="1.0" encoding="utf-8"?>
+<p:notes xmlns:a="http://schemas.openxmlformats.org/drawingml/2006/main" xmlns:r="http://schemas.openxmlformats.org/officeDocument/2006/relationships" xmlns:p="http://schemas.openxmlformats.org/presentationml/2006/main">
+  <p:cSld>
+    <p:spTree>
+      <p:nvGrpSpPr>
+        <p:cNvPr id="1" name=""/>
+        <p:cNvGrpSpPr/>
+        <p:nvPr/>
+      </p:nvGrpSpPr>
+      <p:grpSpPr>
+        <a:xfrm>
+          <a:off x="0" y="0"/>
+          <a:ext cx="0" cy="0"/>
+          <a:chOff x="0" y="0"/>
+          <a:chExt cx="0" cy="0"/>
+        </a:xfrm>
+      </p:grpSpPr>
+      <p:sp>
+        <p:nvSpPr>
+          <p:cNvPr id="2" name="スライド イメージ プレースホルダー 1"/>
+          <p:cNvSpPr>
+            <a:spLocks noGrp="1" noRot="1" noChangeAspect="1"/>
+          </p:cNvSpPr>
+          <p:nvPr>
+            <p:ph type="sldImg"/>
+          </p:nvPr>
+        </p:nvSpPr>
+        <p:spPr/>
+      </p:sp>
+      <p:sp>
+        <p:nvSpPr>
+          <p:cNvPr id="3" name="ノート プレースホルダー 2"/>
+          <p:cNvSpPr>
+            <a:spLocks noGrp="1"/>
+          </p:cNvSpPr>
+          <p:nvPr>
+            <p:ph type="body" idx="1"/>
+          </p:nvPr>
+        </p:nvSpPr>
+        <p:spPr/>
+        <p:txBody>
+          <a:bodyPr/>
+          <a:lstStyle/>
+          <a:p>
+            <a:endParaRPr kumimoji="1" lang="ja-JP" altLang="en-US" dirty="0"/>
+          </a:p>
+        </p:txBody>
+      </p:sp>
+      <p:sp>
+        <p:nvSpPr>
+          <p:cNvPr id="4" name="スライド番号プレースホルダー 3"/>
+          <p:cNvSpPr>
+            <a:spLocks noGrp="1"/>
+          </p:cNvSpPr>
+          <p:nvPr>
+            <p:ph type="sldNum" sz="quarter" idx="10"/>
+          </p:nvPr>
+        </p:nvSpPr>
+        <p:spPr/>
+        <p:txBody>
+          <a:bodyPr/>
+          <a:lstStyle/>
+          <a:p>
+            <a:fld id="{865C68C4-5A9F-49C8-8A5C-AA47520AB5D6}" type="slidenum">
+              <a:rPr kumimoji="1" lang="ja-JP" altLang="en-US" smtClean="0"/>
+              <a:t>38</a:t>
+            </a:fld>
+            <a:endParaRPr kumimoji="1" lang="ja-JP" altLang="en-US"/>
+          </a:p>
+        </p:txBody>
+      </p:sp>
+    </p:spTree>
+    <p:extLst>
+      <p:ext uri="{BB962C8B-B14F-4D97-AF65-F5344CB8AC3E}">
+        <p14:creationId xmlns:p14="http://schemas.microsoft.com/office/powerpoint/2010/main" val="1173948729"/>
+      </p:ext>
+    </p:extLst>
+  </p:cSld>
+  <p:clrMapOvr>
+    <a:masterClrMapping/>
+  </p:clrMapOvr>
+</p:notes>
+</file>
+
 <file path=ppt/notesSlides/notesSlide3.xml><?xml version="1.0" encoding="utf-8"?>
 <p:notes xmlns:a="http://schemas.openxmlformats.org/drawingml/2006/main" xmlns:r="http://schemas.openxmlformats.org/officeDocument/2006/relationships" xmlns:p="http://schemas.openxmlformats.org/presentationml/2006/main">
   <p:cSld>
@@ -1542,11 +2548,7 @@
             </a:r>
             <a:r>
               <a:rPr kumimoji="1" lang="zh-CN" altLang="en-US" dirty="0" smtClean="0"/>
-              <a:t>，如果想知道他是谁？</a:t>
-            </a:r>
-            <a:r>
-              <a:rPr kumimoji="1" lang="zh-CN" altLang="en-US" dirty="0" smtClean="0"/>
-              <a:t>这个也可以问</a:t>
+              <a:t>，如果想知道他是谁？这个也可以问</a:t>
             </a:r>
             <a:r>
               <a:rPr kumimoji="1" lang="en-US" altLang="zh-CN" dirty="0" smtClean="0"/>
@@ -1663,10 +2665,6 @@
           <a:bodyPr/>
           <a:lstStyle/>
           <a:p>
-            <a:r>
-              <a:rPr kumimoji="1" lang="zh-CN" altLang="en-US" dirty="0" smtClean="0"/>
-              <a:t>这里面</a:t>
-            </a:r>
             <a:endParaRPr kumimoji="1" lang="ja-JP" altLang="en-US" dirty="0"/>
           </a:p>
         </p:txBody>
@@ -1688,7 +2686,7 @@
           <a:p>
             <a:fld id="{865C68C4-5A9F-49C8-8A5C-AA47520AB5D6}" type="slidenum">
               <a:rPr kumimoji="1" lang="ja-JP" altLang="en-US" smtClean="0"/>
-              <a:t>15</a:t>
+              <a:t>5</a:t>
             </a:fld>
             <a:endParaRPr kumimoji="1" lang="ja-JP" altLang="en-US"/>
           </a:p>
@@ -1697,7 +2695,7 @@
     </p:spTree>
     <p:extLst>
       <p:ext uri="{BB962C8B-B14F-4D97-AF65-F5344CB8AC3E}">
-        <p14:creationId xmlns:p14="http://schemas.microsoft.com/office/powerpoint/2010/main" val="3478727272"/>
+        <p14:creationId xmlns:p14="http://schemas.microsoft.com/office/powerpoint/2010/main" val="2410079829"/>
       </p:ext>
     </p:extLst>
   </p:cSld>
@@ -1753,9 +2751,9 @@
           <a:p>
             <a:r>
               <a:rPr kumimoji="1" lang="zh-CN" altLang="en-US" dirty="0" smtClean="0"/>
-              <a:t>这里面</a:t>
-            </a:r>
-            <a:endParaRPr kumimoji="1" lang="ja-JP" altLang="en-US" dirty="0"/>
+              <a:t>是男人就不能说不懂</a:t>
+            </a:r>
+            <a:endParaRPr kumimoji="1" lang="en-US" altLang="zh-CN" dirty="0" smtClean="0"/>
           </a:p>
         </p:txBody>
       </p:sp>
@@ -1776,7 +2774,7 @@
           <a:p>
             <a:fld id="{865C68C4-5A9F-49C8-8A5C-AA47520AB5D6}" type="slidenum">
               <a:rPr kumimoji="1" lang="ja-JP" altLang="en-US" smtClean="0"/>
-              <a:t>16</a:t>
+              <a:t>6</a:t>
             </a:fld>
             <a:endParaRPr kumimoji="1" lang="ja-JP" altLang="en-US"/>
           </a:p>
@@ -1785,7 +2783,7 @@
     </p:spTree>
     <p:extLst>
       <p:ext uri="{BB962C8B-B14F-4D97-AF65-F5344CB8AC3E}">
-        <p14:creationId xmlns:p14="http://schemas.microsoft.com/office/powerpoint/2010/main" val="2730680097"/>
+        <p14:creationId xmlns:p14="http://schemas.microsoft.com/office/powerpoint/2010/main" val="377530681"/>
       </p:ext>
     </p:extLst>
   </p:cSld>
@@ -1860,7 +2858,7 @@
           <a:p>
             <a:fld id="{865C68C4-5A9F-49C8-8A5C-AA47520AB5D6}" type="slidenum">
               <a:rPr kumimoji="1" lang="ja-JP" altLang="en-US" smtClean="0"/>
-              <a:t>17</a:t>
+              <a:t>10</a:t>
             </a:fld>
             <a:endParaRPr kumimoji="1" lang="ja-JP" altLang="en-US"/>
           </a:p>
@@ -1869,7 +2867,7 @@
     </p:spTree>
     <p:extLst>
       <p:ext uri="{BB962C8B-B14F-4D97-AF65-F5344CB8AC3E}">
-        <p14:creationId xmlns:p14="http://schemas.microsoft.com/office/powerpoint/2010/main" val="6532695"/>
+        <p14:creationId xmlns:p14="http://schemas.microsoft.com/office/powerpoint/2010/main" val="1813866210"/>
       </p:ext>
     </p:extLst>
   </p:cSld>
@@ -1925,23 +2923,7 @@
           <a:p>
             <a:r>
               <a:rPr kumimoji="1" lang="zh-CN" altLang="en-US" dirty="0" smtClean="0"/>
-              <a:t>和回声很像，你对着墙喊 </a:t>
-            </a:r>
-            <a:r>
-              <a:rPr kumimoji="1" lang="en-US" altLang="zh-CN" dirty="0" smtClean="0"/>
-              <a:t>Hello</a:t>
-            </a:r>
-            <a:r>
-              <a:rPr kumimoji="1" lang="zh-CN" altLang="en-US" dirty="0" smtClean="0"/>
-              <a:t>，</a:t>
-            </a:r>
-            <a:r>
-              <a:rPr kumimoji="1" lang="en-US" altLang="zh-CN" dirty="0" err="1" smtClean="0"/>
-              <a:t>tiangong</a:t>
-            </a:r>
-            <a:r>
-              <a:rPr kumimoji="1" lang="zh-CN" altLang="en-US" dirty="0" smtClean="0"/>
-              <a:t>。自己也能听到 </a:t>
+              <a:t>这里面</a:t>
             </a:r>
             <a:endParaRPr kumimoji="1" lang="ja-JP" altLang="en-US" dirty="0"/>
           </a:p>
@@ -1964,7 +2946,7 @@
           <a:p>
             <a:fld id="{865C68C4-5A9F-49C8-8A5C-AA47520AB5D6}" type="slidenum">
               <a:rPr kumimoji="1" lang="ja-JP" altLang="en-US" smtClean="0"/>
-              <a:t>18</a:t>
+              <a:t>17</a:t>
             </a:fld>
             <a:endParaRPr kumimoji="1" lang="ja-JP" altLang="en-US"/>
           </a:p>
@@ -1973,7 +2955,7 @@
     </p:spTree>
     <p:extLst>
       <p:ext uri="{BB962C8B-B14F-4D97-AF65-F5344CB8AC3E}">
-        <p14:creationId xmlns:p14="http://schemas.microsoft.com/office/powerpoint/2010/main" val="3506972025"/>
+        <p14:creationId xmlns:p14="http://schemas.microsoft.com/office/powerpoint/2010/main" val="3478727272"/>
       </p:ext>
     </p:extLst>
   </p:cSld>
@@ -2027,6 +3009,10 @@
           <a:bodyPr/>
           <a:lstStyle/>
           <a:p>
+            <a:r>
+              <a:rPr kumimoji="1" lang="zh-CN" altLang="en-US" dirty="0" smtClean="0"/>
+              <a:t>这里面</a:t>
+            </a:r>
             <a:endParaRPr kumimoji="1" lang="ja-JP" altLang="en-US" dirty="0"/>
           </a:p>
         </p:txBody>
@@ -2048,7 +3034,7 @@
           <a:p>
             <a:fld id="{865C68C4-5A9F-49C8-8A5C-AA47520AB5D6}" type="slidenum">
               <a:rPr kumimoji="1" lang="ja-JP" altLang="en-US" smtClean="0"/>
-              <a:t>19</a:t>
+              <a:t>18</a:t>
             </a:fld>
             <a:endParaRPr kumimoji="1" lang="ja-JP" altLang="en-US"/>
           </a:p>
@@ -2057,7 +3043,7 @@
     </p:spTree>
     <p:extLst>
       <p:ext uri="{BB962C8B-B14F-4D97-AF65-F5344CB8AC3E}">
-        <p14:creationId xmlns:p14="http://schemas.microsoft.com/office/powerpoint/2010/main" val="3292995332"/>
+        <p14:creationId xmlns:p14="http://schemas.microsoft.com/office/powerpoint/2010/main" val="2730680097"/>
       </p:ext>
     </p:extLst>
   </p:cSld>
@@ -2111,31 +3097,7 @@
           <a:bodyPr/>
           <a:lstStyle/>
           <a:p>
-            <a:r>
-              <a:rPr kumimoji="1" lang="en-US" altLang="zh-CN" dirty="0" smtClean="0"/>
-              <a:t>Vim </a:t>
-            </a:r>
-            <a:r>
-              <a:rPr kumimoji="1" lang="zh-CN" altLang="en-US" dirty="0" smtClean="0"/>
-              <a:t>是文本编辑器，可以等同于</a:t>
-            </a:r>
-            <a:r>
-              <a:rPr kumimoji="1" lang="en-US" altLang="zh-CN" dirty="0" smtClean="0"/>
-              <a:t>windows</a:t>
-            </a:r>
-            <a:r>
-              <a:rPr kumimoji="1" lang="zh-CN" altLang="en-US" dirty="0" smtClean="0"/>
-              <a:t>的</a:t>
-            </a:r>
-            <a:r>
-              <a:rPr kumimoji="1" lang="en-US" altLang="zh-CN" dirty="0" smtClean="0"/>
-              <a:t>edit</a:t>
-            </a:r>
-            <a:r>
-              <a:rPr kumimoji="1" lang="zh-CN" altLang="en-US" dirty="0" smtClean="0"/>
-              <a:t>，</a:t>
-            </a:r>
-            <a:endParaRPr kumimoji="1" lang="en-US" altLang="zh-CN" dirty="0" smtClean="0"/>
+            <a:endParaRPr kumimoji="1" lang="ja-JP" altLang="en-US" dirty="0"/>
           </a:p>
         </p:txBody>
       </p:sp>
@@ -2156,7 +3118,7 @@
           <a:p>
             <a:fld id="{865C68C4-5A9F-49C8-8A5C-AA47520AB5D6}" type="slidenum">
               <a:rPr kumimoji="1" lang="ja-JP" altLang="en-US" smtClean="0"/>
-              <a:t>20</a:t>
+              <a:t>19</a:t>
             </a:fld>
             <a:endParaRPr kumimoji="1" lang="ja-JP" altLang="en-US"/>
           </a:p>
@@ -2165,7 +3127,7 @@
     </p:spTree>
     <p:extLst>
       <p:ext uri="{BB962C8B-B14F-4D97-AF65-F5344CB8AC3E}">
-        <p14:creationId xmlns:p14="http://schemas.microsoft.com/office/powerpoint/2010/main" val="1538258329"/>
+        <p14:creationId xmlns:p14="http://schemas.microsoft.com/office/powerpoint/2010/main" val="6532695"/>
       </p:ext>
     </p:extLst>
   </p:cSld>
@@ -5129,6 +6091,551 @@
           <a:lstStyle/>
           <a:p>
             <a:r>
+              <a:rPr kumimoji="1" lang="en-US" altLang="zh-CN" dirty="0" smtClean="0"/>
+              <a:t>cd </a:t>
+            </a:r>
+            <a:r>
+              <a:rPr kumimoji="1" lang="zh-CN" altLang="en-US" dirty="0" smtClean="0"/>
+              <a:t>命令</a:t>
+            </a:r>
+            <a:endParaRPr kumimoji="1" lang="ja-JP" altLang="en-US" dirty="0"/>
+          </a:p>
+        </p:txBody>
+      </p:sp>
+      <p:sp>
+        <p:nvSpPr>
+          <p:cNvPr id="3" name="コンテンツ プレースホルダー 2"/>
+          <p:cNvSpPr>
+            <a:spLocks noGrp="1"/>
+          </p:cNvSpPr>
+          <p:nvPr>
+            <p:ph idx="1"/>
+          </p:nvPr>
+        </p:nvSpPr>
+        <p:spPr>
+          <a:xfrm>
+            <a:off x="721813" y="1638855"/>
+            <a:ext cx="7886700" cy="4351338"/>
+          </a:xfrm>
+        </p:spPr>
+        <p:txBody>
+          <a:bodyPr/>
+          <a:lstStyle/>
+          <a:p>
+            <a:r>
+              <a:rPr kumimoji="1" lang="en-US" altLang="zh-CN" dirty="0"/>
+              <a:t>cd</a:t>
+            </a:r>
+            <a:r>
+              <a:rPr kumimoji="1" lang="en-US" altLang="zh-CN" dirty="0" smtClean="0"/>
+              <a:t> </a:t>
+            </a:r>
+            <a:r>
+              <a:rPr kumimoji="1" lang="en-US" altLang="zh-CN" dirty="0"/>
+              <a:t>= </a:t>
+            </a:r>
+            <a:r>
+              <a:rPr kumimoji="1" lang="en-US" altLang="zh-CN" dirty="0" smtClean="0">
+                <a:solidFill>
+                  <a:srgbClr val="FF0000"/>
+                </a:solidFill>
+              </a:rPr>
+              <a:t>c</a:t>
+            </a:r>
+            <a:r>
+              <a:rPr kumimoji="1" lang="en-US" altLang="zh-CN" dirty="0" smtClean="0"/>
+              <a:t>hange </a:t>
+            </a:r>
+            <a:r>
+              <a:rPr kumimoji="1" lang="en-US" altLang="zh-CN" dirty="0">
+                <a:solidFill>
+                  <a:srgbClr val="FF0000"/>
+                </a:solidFill>
+              </a:rPr>
+              <a:t>d</a:t>
+            </a:r>
+            <a:r>
+              <a:rPr kumimoji="1" lang="en-US" altLang="zh-CN" dirty="0"/>
+              <a:t>irectory </a:t>
+            </a:r>
+          </a:p>
+          <a:p>
+            <a:r>
+              <a:rPr kumimoji="1" lang="zh-CN" altLang="en-US" dirty="0" smtClean="0"/>
+              <a:t>进入</a:t>
+            </a:r>
+            <a:r>
+              <a:rPr kumimoji="1" lang="en-US" altLang="zh-CN" dirty="0" smtClean="0"/>
+              <a:t>2019_workshop </a:t>
+            </a:r>
+            <a:r>
+              <a:rPr kumimoji="1" lang="zh-CN" altLang="en-US" dirty="0" smtClean="0"/>
+              <a:t>目录下</a:t>
+            </a:r>
+            <a:endParaRPr kumimoji="1" lang="en-US" altLang="zh-CN" dirty="0" smtClean="0"/>
+          </a:p>
+          <a:p>
+            <a:endParaRPr kumimoji="1" lang="en-US" altLang="zh-CN" dirty="0"/>
+          </a:p>
+          <a:p>
+            <a:endParaRPr kumimoji="1" lang="en-US" altLang="zh-CN" dirty="0" smtClean="0"/>
+          </a:p>
+          <a:p>
+            <a:r>
+              <a:rPr kumimoji="1" lang="en-US" altLang="zh-CN" dirty="0" smtClean="0"/>
+              <a:t>cd .. (</a:t>
+            </a:r>
+            <a:r>
+              <a:rPr kumimoji="1" lang="zh-CN" altLang="en-US" dirty="0" smtClean="0"/>
+              <a:t>后退</a:t>
+            </a:r>
+            <a:r>
+              <a:rPr kumimoji="1" lang="zh-CN" altLang="en-US" dirty="0"/>
+              <a:t>一步</a:t>
+            </a:r>
+            <a:r>
+              <a:rPr kumimoji="1" lang="en-US" altLang="zh-CN" dirty="0" smtClean="0"/>
+              <a:t>)</a:t>
+            </a:r>
+          </a:p>
+          <a:p>
+            <a:pPr marL="0" indent="0">
+              <a:buNone/>
+            </a:pPr>
+            <a:endParaRPr kumimoji="1" lang="en-US" altLang="zh-CN" dirty="0" smtClean="0"/>
+          </a:p>
+          <a:p>
+            <a:r>
+              <a:rPr kumimoji="1" lang="en-US" altLang="zh-CN" dirty="0" smtClean="0"/>
+              <a:t>cd ~ </a:t>
+            </a:r>
+            <a:r>
+              <a:rPr kumimoji="1" lang="en-US" altLang="zh-CN" dirty="0" smtClean="0"/>
+              <a:t>(</a:t>
+            </a:r>
+            <a:r>
+              <a:rPr kumimoji="1" lang="zh-CN" altLang="en-US" dirty="0" smtClean="0"/>
+              <a:t>回到用户</a:t>
+            </a:r>
+            <a:r>
+              <a:rPr kumimoji="1" lang="zh-CN" altLang="en-US" dirty="0" smtClean="0"/>
+              <a:t>主目录</a:t>
+            </a:r>
+            <a:r>
+              <a:rPr kumimoji="1" lang="en-US" altLang="zh-CN" dirty="0" smtClean="0"/>
+              <a:t>)</a:t>
+            </a:r>
+            <a:endParaRPr kumimoji="1" lang="en-US" altLang="zh-CN" dirty="0"/>
+          </a:p>
+          <a:p>
+            <a:endParaRPr kumimoji="1" lang="en-US" altLang="zh-CN" dirty="0" smtClean="0"/>
+          </a:p>
+          <a:p>
+            <a:endParaRPr kumimoji="1" lang="en-US" altLang="zh-CN" dirty="0"/>
+          </a:p>
+          <a:p>
+            <a:pPr marL="0" indent="0">
+              <a:buNone/>
+            </a:pPr>
+            <a:endParaRPr kumimoji="1" lang="en-US" altLang="zh-CN" dirty="0"/>
+          </a:p>
+          <a:p>
+            <a:pPr marL="0" indent="0">
+              <a:buNone/>
+            </a:pPr>
+            <a:endParaRPr kumimoji="1" lang="en-US" altLang="zh-CN" dirty="0" smtClean="0"/>
+          </a:p>
+          <a:p>
+            <a:endParaRPr kumimoji="1" lang="en-US" altLang="zh-CN" dirty="0"/>
+          </a:p>
+          <a:p>
+            <a:endParaRPr kumimoji="1" lang="en-US" altLang="zh-CN" dirty="0" smtClean="0"/>
+          </a:p>
+          <a:p>
+            <a:endParaRPr kumimoji="1" lang="en-US" altLang="zh-CN" dirty="0"/>
+          </a:p>
+          <a:p>
+            <a:pPr marL="457200" lvl="1" indent="0">
+              <a:buNone/>
+            </a:pPr>
+            <a:endParaRPr kumimoji="1" lang="en-US" altLang="zh-CN" dirty="0" smtClean="0"/>
+          </a:p>
+          <a:p>
+            <a:endParaRPr kumimoji="1" lang="ja-JP" altLang="en-US" dirty="0"/>
+          </a:p>
+        </p:txBody>
+      </p:sp>
+      <p:pic>
+        <p:nvPicPr>
+          <p:cNvPr id="4" name="図 3"/>
+          <p:cNvPicPr>
+            <a:picLocks noChangeAspect="1"/>
+          </p:cNvPicPr>
+          <p:nvPr/>
+        </p:nvPicPr>
+        <p:blipFill rotWithShape="1">
+          <a:blip r:embed="rId3"/>
+          <a:srcRect l="-1" t="4001" r="47972" b="32448"/>
+          <a:stretch/>
+        </p:blipFill>
+        <p:spPr>
+          <a:xfrm>
+            <a:off x="721813" y="2630894"/>
+            <a:ext cx="7886700" cy="962315"/>
+          </a:xfrm>
+          <a:prstGeom prst="rect">
+            <a:avLst/>
+          </a:prstGeom>
+        </p:spPr>
+      </p:pic>
+      <p:sp>
+        <p:nvSpPr>
+          <p:cNvPr id="5" name="正方形/長方形 4"/>
+          <p:cNvSpPr/>
+          <p:nvPr/>
+        </p:nvSpPr>
+        <p:spPr>
+          <a:xfrm>
+            <a:off x="778279" y="3129659"/>
+            <a:ext cx="1532659" cy="200364"/>
+          </a:xfrm>
+          <a:prstGeom prst="rect">
+            <a:avLst/>
+          </a:prstGeom>
+          <a:noFill/>
+          <a:ln w="38100">
+            <a:solidFill>
+              <a:srgbClr val="FF0000"/>
+            </a:solidFill>
+          </a:ln>
+        </p:spPr>
+        <p:style>
+          <a:lnRef idx="2">
+            <a:schemeClr val="accent1">
+              <a:shade val="50000"/>
+            </a:schemeClr>
+          </a:lnRef>
+          <a:fillRef idx="1">
+            <a:schemeClr val="accent1"/>
+          </a:fillRef>
+          <a:effectRef idx="0">
+            <a:schemeClr val="accent1"/>
+          </a:effectRef>
+          <a:fontRef idx="minor">
+            <a:schemeClr val="lt1"/>
+          </a:fontRef>
+        </p:style>
+        <p:txBody>
+          <a:bodyPr rtlCol="0" anchor="ctr"/>
+          <a:lstStyle/>
+          <a:p>
+            <a:pPr algn="ctr"/>
+            <a:endParaRPr kumimoji="1" lang="ja-JP" altLang="en-US"/>
+          </a:p>
+        </p:txBody>
+      </p:sp>
+      <p:pic>
+        <p:nvPicPr>
+          <p:cNvPr id="6" name="図 5"/>
+          <p:cNvPicPr>
+            <a:picLocks noChangeAspect="1"/>
+          </p:cNvPicPr>
+          <p:nvPr/>
+        </p:nvPicPr>
+        <p:blipFill rotWithShape="1">
+          <a:blip r:embed="rId4"/>
+          <a:srcRect t="913" r="68075" b="55218"/>
+          <a:stretch/>
+        </p:blipFill>
+        <p:spPr>
+          <a:xfrm>
+            <a:off x="695149" y="4042740"/>
+            <a:ext cx="7913364" cy="706206"/>
+          </a:xfrm>
+          <a:prstGeom prst="rect">
+            <a:avLst/>
+          </a:prstGeom>
+        </p:spPr>
+      </p:pic>
+      <p:pic>
+        <p:nvPicPr>
+          <p:cNvPr id="7" name="図 6"/>
+          <p:cNvPicPr>
+            <a:picLocks noChangeAspect="1"/>
+          </p:cNvPicPr>
+          <p:nvPr/>
+        </p:nvPicPr>
+        <p:blipFill rotWithShape="1">
+          <a:blip r:embed="rId5"/>
+          <a:srcRect l="1" r="63116" b="25658"/>
+          <a:stretch/>
+        </p:blipFill>
+        <p:spPr>
+          <a:xfrm>
+            <a:off x="661899" y="5135231"/>
+            <a:ext cx="7946613" cy="1672894"/>
+          </a:xfrm>
+          <a:prstGeom prst="rect">
+            <a:avLst/>
+          </a:prstGeom>
+        </p:spPr>
+      </p:pic>
+    </p:spTree>
+    <p:extLst>
+      <p:ext uri="{BB962C8B-B14F-4D97-AF65-F5344CB8AC3E}">
+        <p14:creationId xmlns:p14="http://schemas.microsoft.com/office/powerpoint/2010/main" val="4111363856"/>
+      </p:ext>
+    </p:extLst>
+  </p:cSld>
+  <p:clrMapOvr>
+    <a:masterClrMapping/>
+  </p:clrMapOvr>
+  <p:timing>
+    <p:tnLst>
+      <p:par>
+        <p:cTn id="1" dur="indefinite" restart="never" nodeType="tmRoot"/>
+      </p:par>
+    </p:tnLst>
+  </p:timing>
+</p:sld>
+</file>
+
+<file path=ppt/slides/slide11.xml><?xml version="1.0" encoding="utf-8"?>
+<p:sld xmlns:a="http://schemas.openxmlformats.org/drawingml/2006/main" xmlns:r="http://schemas.openxmlformats.org/officeDocument/2006/relationships" xmlns:p="http://schemas.openxmlformats.org/presentationml/2006/main">
+  <p:cSld>
+    <p:spTree>
+      <p:nvGrpSpPr>
+        <p:cNvPr id="1" name=""/>
+        <p:cNvGrpSpPr/>
+        <p:nvPr/>
+      </p:nvGrpSpPr>
+      <p:grpSpPr>
+        <a:xfrm>
+          <a:off x="0" y="0"/>
+          <a:ext cx="0" cy="0"/>
+          <a:chOff x="0" y="0"/>
+          <a:chExt cx="0" cy="0"/>
+        </a:xfrm>
+      </p:grpSpPr>
+      <p:sp>
+        <p:nvSpPr>
+          <p:cNvPr id="2" name="タイトル 1"/>
+          <p:cNvSpPr>
+            <a:spLocks noGrp="1"/>
+          </p:cNvSpPr>
+          <p:nvPr>
+            <p:ph type="title"/>
+          </p:nvPr>
+        </p:nvSpPr>
+        <p:spPr/>
+        <p:txBody>
+          <a:bodyPr/>
+          <a:lstStyle/>
+          <a:p>
+            <a:r>
+              <a:rPr kumimoji="1" lang="en-US" altLang="zh-CN" dirty="0" err="1" smtClean="0"/>
+              <a:t>pwd</a:t>
+            </a:r>
+            <a:r>
+              <a:rPr kumimoji="1" lang="en-US" altLang="zh-CN" dirty="0" smtClean="0"/>
+              <a:t> </a:t>
+            </a:r>
+            <a:r>
+              <a:rPr kumimoji="1" lang="zh-CN" altLang="en-US" dirty="0" smtClean="0"/>
+              <a:t>命令</a:t>
+            </a:r>
+            <a:endParaRPr kumimoji="1" lang="ja-JP" altLang="en-US" dirty="0"/>
+          </a:p>
+        </p:txBody>
+      </p:sp>
+      <p:sp>
+        <p:nvSpPr>
+          <p:cNvPr id="3" name="コンテンツ プレースホルダー 2"/>
+          <p:cNvSpPr>
+            <a:spLocks noGrp="1"/>
+          </p:cNvSpPr>
+          <p:nvPr>
+            <p:ph idx="1"/>
+          </p:nvPr>
+        </p:nvSpPr>
+        <p:spPr/>
+        <p:txBody>
+          <a:bodyPr>
+            <a:normAutofit/>
+          </a:bodyPr>
+          <a:lstStyle/>
+          <a:p>
+            <a:r>
+              <a:rPr kumimoji="1" lang="en-US" altLang="zh-CN" dirty="0" err="1"/>
+              <a:t>pwd</a:t>
+            </a:r>
+            <a:r>
+              <a:rPr kumimoji="1" lang="en-US" altLang="zh-CN" dirty="0" smtClean="0"/>
+              <a:t> </a:t>
+            </a:r>
+            <a:r>
+              <a:rPr kumimoji="1" lang="en-US" altLang="zh-CN" dirty="0"/>
+              <a:t>= </a:t>
+            </a:r>
+            <a:r>
+              <a:rPr kumimoji="1" lang="en-US" altLang="zh-CN" dirty="0" smtClean="0">
+                <a:solidFill>
+                  <a:srgbClr val="FF0000"/>
+                </a:solidFill>
+              </a:rPr>
+              <a:t>p</a:t>
+            </a:r>
+            <a:r>
+              <a:rPr kumimoji="1" lang="en-US" altLang="zh-CN" dirty="0" smtClean="0"/>
+              <a:t>rint </a:t>
+            </a:r>
+            <a:r>
+              <a:rPr kumimoji="1" lang="en-US" altLang="zh-CN" dirty="0" smtClean="0">
+                <a:solidFill>
+                  <a:srgbClr val="FF0000"/>
+                </a:solidFill>
+              </a:rPr>
+              <a:t>w</a:t>
+            </a:r>
+            <a:r>
+              <a:rPr kumimoji="1" lang="en-US" altLang="zh-CN" dirty="0" smtClean="0"/>
+              <a:t>orking </a:t>
+            </a:r>
+            <a:r>
+              <a:rPr kumimoji="1" lang="en-US" altLang="zh-CN" dirty="0" smtClean="0">
+                <a:solidFill>
+                  <a:srgbClr val="FF0000"/>
+                </a:solidFill>
+              </a:rPr>
+              <a:t>d</a:t>
+            </a:r>
+            <a:r>
+              <a:rPr kumimoji="1" lang="en-US" altLang="zh-CN" dirty="0" smtClean="0"/>
+              <a:t>irectory </a:t>
+            </a:r>
+            <a:endParaRPr kumimoji="1" lang="en-US" altLang="zh-CN" dirty="0"/>
+          </a:p>
+          <a:p>
+            <a:r>
+              <a:rPr lang="zh-CN" altLang="en-US" dirty="0" smtClean="0"/>
+              <a:t>显示工作目录。</a:t>
+            </a:r>
+            <a:endParaRPr kumimoji="1" lang="en-US" altLang="zh-CN" dirty="0" smtClean="0"/>
+          </a:p>
+          <a:p>
+            <a:endParaRPr kumimoji="1" lang="en-US" altLang="zh-CN" dirty="0" smtClean="0"/>
+          </a:p>
+          <a:p>
+            <a:endParaRPr kumimoji="1" lang="en-US" altLang="zh-CN" dirty="0"/>
+          </a:p>
+          <a:p>
+            <a:pPr marL="0" indent="0">
+              <a:buNone/>
+            </a:pPr>
+            <a:endParaRPr kumimoji="1" lang="en-US" altLang="zh-CN" dirty="0"/>
+          </a:p>
+          <a:p>
+            <a:pPr marL="0" indent="0">
+              <a:buNone/>
+            </a:pPr>
+            <a:endParaRPr kumimoji="1" lang="en-US" altLang="zh-CN" dirty="0" smtClean="0"/>
+          </a:p>
+          <a:p>
+            <a:endParaRPr kumimoji="1" lang="en-US" altLang="zh-CN" dirty="0"/>
+          </a:p>
+          <a:p>
+            <a:endParaRPr kumimoji="1" lang="en-US" altLang="zh-CN" dirty="0" smtClean="0"/>
+          </a:p>
+          <a:p>
+            <a:endParaRPr kumimoji="1" lang="en-US" altLang="zh-CN" dirty="0"/>
+          </a:p>
+          <a:p>
+            <a:pPr marL="457200" lvl="1" indent="0">
+              <a:buNone/>
+            </a:pPr>
+            <a:endParaRPr kumimoji="1" lang="en-US" altLang="zh-CN" dirty="0" smtClean="0"/>
+          </a:p>
+          <a:p>
+            <a:endParaRPr kumimoji="1" lang="ja-JP" altLang="en-US" dirty="0"/>
+          </a:p>
+        </p:txBody>
+      </p:sp>
+      <p:pic>
+        <p:nvPicPr>
+          <p:cNvPr id="8" name="図 7"/>
+          <p:cNvPicPr>
+            <a:picLocks noChangeAspect="1"/>
+          </p:cNvPicPr>
+          <p:nvPr/>
+        </p:nvPicPr>
+        <p:blipFill rotWithShape="1">
+          <a:blip r:embed="rId2"/>
+          <a:srcRect t="4364" r="75923" b="12640"/>
+          <a:stretch/>
+        </p:blipFill>
+        <p:spPr>
+          <a:xfrm>
+            <a:off x="628650" y="2942705"/>
+            <a:ext cx="8168109" cy="1439514"/>
+          </a:xfrm>
+          <a:prstGeom prst="rect">
+            <a:avLst/>
+          </a:prstGeom>
+        </p:spPr>
+      </p:pic>
+    </p:spTree>
+    <p:extLst>
+      <p:ext uri="{BB962C8B-B14F-4D97-AF65-F5344CB8AC3E}">
+        <p14:creationId xmlns:p14="http://schemas.microsoft.com/office/powerpoint/2010/main" val="842925821"/>
+      </p:ext>
+    </p:extLst>
+  </p:cSld>
+  <p:clrMapOvr>
+    <a:masterClrMapping/>
+  </p:clrMapOvr>
+  <p:timing>
+    <p:tnLst>
+      <p:par>
+        <p:cTn id="1" dur="indefinite" restart="never" nodeType="tmRoot"/>
+      </p:par>
+    </p:tnLst>
+  </p:timing>
+</p:sld>
+</file>
+
+<file path=ppt/slides/slide12.xml><?xml version="1.0" encoding="utf-8"?>
+<p:sld xmlns:a="http://schemas.openxmlformats.org/drawingml/2006/main" xmlns:r="http://schemas.openxmlformats.org/officeDocument/2006/relationships" xmlns:p="http://schemas.openxmlformats.org/presentationml/2006/main">
+  <p:cSld>
+    <p:spTree>
+      <p:nvGrpSpPr>
+        <p:cNvPr id="1" name=""/>
+        <p:cNvGrpSpPr/>
+        <p:nvPr/>
+      </p:nvGrpSpPr>
+      <p:grpSpPr>
+        <a:xfrm>
+          <a:off x="0" y="0"/>
+          <a:ext cx="0" cy="0"/>
+          <a:chOff x="0" y="0"/>
+          <a:chExt cx="0" cy="0"/>
+        </a:xfrm>
+      </p:grpSpPr>
+      <p:sp>
+        <p:nvSpPr>
+          <p:cNvPr id="2" name="タイトル 1"/>
+          <p:cNvSpPr>
+            <a:spLocks noGrp="1"/>
+          </p:cNvSpPr>
+          <p:nvPr>
+            <p:ph type="title"/>
+          </p:nvPr>
+        </p:nvSpPr>
+        <p:spPr/>
+        <p:txBody>
+          <a:bodyPr/>
+          <a:lstStyle/>
+          <a:p>
+            <a:r>
               <a:rPr kumimoji="1" lang="en-US" altLang="zh-CN" dirty="0"/>
               <a:t>cat</a:t>
             </a:r>
@@ -5297,7 +6804,7 @@
 </p:sld>
 </file>
 
-<file path=ppt/slides/slide11.xml><?xml version="1.0" encoding="utf-8"?>
+<file path=ppt/slides/slide13.xml><?xml version="1.0" encoding="utf-8"?>
 <p:sld xmlns:a="http://schemas.openxmlformats.org/drawingml/2006/main" xmlns:r="http://schemas.openxmlformats.org/officeDocument/2006/relationships" xmlns:p="http://schemas.openxmlformats.org/presentationml/2006/main">
   <p:cSld>
     <p:spTree>
@@ -5449,7 +6956,7 @@
 </p:sld>
 </file>
 
-<file path=ppt/slides/slide12.xml><?xml version="1.0" encoding="utf-8"?>
+<file path=ppt/slides/slide14.xml><?xml version="1.0" encoding="utf-8"?>
 <p:sld xmlns:a="http://schemas.openxmlformats.org/drawingml/2006/main" xmlns:r="http://schemas.openxmlformats.org/officeDocument/2006/relationships" xmlns:p="http://schemas.openxmlformats.org/presentationml/2006/main">
   <p:cSld>
     <p:spTree>
@@ -5539,13 +7046,13 @@
         </p:nvPicPr>
         <p:blipFill rotWithShape="1">
           <a:blip r:embed="rId2"/>
-          <a:srcRect r="70000" b="2344"/>
+          <a:srcRect r="70842" b="17584"/>
           <a:stretch/>
         </p:blipFill>
         <p:spPr>
           <a:xfrm>
             <a:off x="931026" y="2568286"/>
-            <a:ext cx="7936860" cy="1704456"/>
+            <a:ext cx="7714210" cy="1438449"/>
           </a:xfrm>
           <a:prstGeom prst="rect">
             <a:avLst/>
@@ -5572,7 +7079,7 @@
 </p:sld>
 </file>
 
-<file path=ppt/slides/slide13.xml><?xml version="1.0" encoding="utf-8"?>
+<file path=ppt/slides/slide15.xml><?xml version="1.0" encoding="utf-8"?>
 <p:sld xmlns:a="http://schemas.openxmlformats.org/drawingml/2006/main" xmlns:r="http://schemas.openxmlformats.org/officeDocument/2006/relationships" xmlns:p="http://schemas.openxmlformats.org/presentationml/2006/main">
   <p:cSld>
     <p:spTree>
@@ -5690,7 +7197,7 @@
 </p:sld>
 </file>
 
-<file path=ppt/slides/slide14.xml><?xml version="1.0" encoding="utf-8"?>
+<file path=ppt/slides/slide16.xml><?xml version="1.0" encoding="utf-8"?>
 <p:sld xmlns:a="http://schemas.openxmlformats.org/drawingml/2006/main" xmlns:r="http://schemas.openxmlformats.org/officeDocument/2006/relationships" xmlns:p="http://schemas.openxmlformats.org/presentationml/2006/main">
   <p:cSld>
     <p:spTree>
@@ -5771,13 +7278,13 @@
         </p:nvPicPr>
         <p:blipFill rotWithShape="1">
           <a:blip r:embed="rId2"/>
-          <a:srcRect r="67424" b="2703"/>
+          <a:srcRect r="67424" b="17456"/>
           <a:stretch/>
         </p:blipFill>
         <p:spPr>
           <a:xfrm>
-            <a:off x="628651" y="2328862"/>
-            <a:ext cx="8245251" cy="1644621"/>
+            <a:off x="628651" y="2328863"/>
+            <a:ext cx="8245251" cy="1395240"/>
           </a:xfrm>
           <a:prstGeom prst="rect">
             <a:avLst/>
@@ -5804,7 +7311,7 @@
 </p:sld>
 </file>
 
-<file path=ppt/slides/slide15.xml><?xml version="1.0" encoding="utf-8"?>
+<file path=ppt/slides/slide17.xml><?xml version="1.0" encoding="utf-8"?>
 <p:sld xmlns:a="http://schemas.openxmlformats.org/drawingml/2006/main" xmlns:r="http://schemas.openxmlformats.org/officeDocument/2006/relationships" xmlns:p="http://schemas.openxmlformats.org/presentationml/2006/main">
   <p:cSld>
     <p:spTree>
@@ -5952,7 +7459,7 @@
 </p:sld>
 </file>
 
-<file path=ppt/slides/slide16.xml><?xml version="1.0" encoding="utf-8"?>
+<file path=ppt/slides/slide18.xml><?xml version="1.0" encoding="utf-8"?>
 <p:sld xmlns:a="http://schemas.openxmlformats.org/drawingml/2006/main" xmlns:r="http://schemas.openxmlformats.org/officeDocument/2006/relationships" xmlns:p="http://schemas.openxmlformats.org/presentationml/2006/main">
   <p:cSld>
     <p:spTree>
@@ -6121,7 +7628,7 @@
 </p:sld>
 </file>
 
-<file path=ppt/slides/slide17.xml><?xml version="1.0" encoding="utf-8"?>
+<file path=ppt/slides/slide19.xml><?xml version="1.0" encoding="utf-8"?>
 <p:sld xmlns:a="http://schemas.openxmlformats.org/drawingml/2006/main" xmlns:r="http://schemas.openxmlformats.org/officeDocument/2006/relationships" xmlns:p="http://schemas.openxmlformats.org/presentationml/2006/main">
   <p:cSld>
     <p:spTree>
@@ -6236,13 +7743,13 @@
         </p:nvPicPr>
         <p:blipFill rotWithShape="1">
           <a:blip r:embed="rId3"/>
-          <a:srcRect r="68689" b="6073"/>
+          <a:srcRect l="1" r="69630" b="6073"/>
           <a:stretch/>
         </p:blipFill>
         <p:spPr>
           <a:xfrm>
             <a:off x="628651" y="3013883"/>
-            <a:ext cx="7711978" cy="3004532"/>
+            <a:ext cx="7480179" cy="3004532"/>
           </a:xfrm>
           <a:prstGeom prst="rect">
             <a:avLst/>
@@ -6269,7 +7776,7 @@
 </p:sld>
 </file>
 
-<file path=ppt/slides/slide18.xml><?xml version="1.0" encoding="utf-8"?>
+<file path=ppt/slides/slide2.xml><?xml version="1.0" encoding="utf-8"?>
 <p:sld xmlns:a="http://schemas.openxmlformats.org/drawingml/2006/main" xmlns:r="http://schemas.openxmlformats.org/officeDocument/2006/relationships" xmlns:p="http://schemas.openxmlformats.org/presentationml/2006/main">
   <p:cSld>
     <p:spTree>
@@ -6302,6 +7809,152 @@
           <a:lstStyle/>
           <a:p>
             <a:r>
+              <a:rPr kumimoji="1" lang="zh-CN" altLang="en-US" dirty="0"/>
+              <a:t>目录</a:t>
+            </a:r>
+            <a:endParaRPr kumimoji="1" lang="ja-JP" altLang="en-US" dirty="0"/>
+          </a:p>
+        </p:txBody>
+      </p:sp>
+      <p:sp>
+        <p:nvSpPr>
+          <p:cNvPr id="3" name="コンテンツ プレースホルダー 2"/>
+          <p:cNvSpPr>
+            <a:spLocks noGrp="1"/>
+          </p:cNvSpPr>
+          <p:nvPr>
+            <p:ph idx="1"/>
+          </p:nvPr>
+        </p:nvSpPr>
+        <p:spPr/>
+        <p:txBody>
+          <a:bodyPr/>
+          <a:lstStyle/>
+          <a:p>
+            <a:r>
+              <a:rPr kumimoji="1" lang="en-US" altLang="zh-CN" dirty="0" smtClean="0"/>
+              <a:t> Linux </a:t>
+            </a:r>
+            <a:r>
+              <a:rPr kumimoji="1" lang="zh-CN" altLang="en-US" dirty="0" smtClean="0"/>
+              <a:t>基础命令</a:t>
+            </a:r>
+            <a:endParaRPr kumimoji="1" lang="en-US" altLang="zh-CN" dirty="0" smtClean="0"/>
+          </a:p>
+          <a:p>
+            <a:endParaRPr kumimoji="1" lang="en-US" altLang="zh-CN" dirty="0" smtClean="0"/>
+          </a:p>
+          <a:p>
+            <a:r>
+              <a:rPr kumimoji="1" lang="en-US" altLang="zh-CN" dirty="0" smtClean="0"/>
+              <a:t> Linux </a:t>
+            </a:r>
+            <a:r>
+              <a:rPr kumimoji="1" lang="zh-CN" altLang="en-US" dirty="0" smtClean="0"/>
+              <a:t>高阶命令</a:t>
+            </a:r>
+            <a:endParaRPr kumimoji="1" lang="en-US" altLang="zh-CN" dirty="0" smtClean="0"/>
+          </a:p>
+          <a:p>
+            <a:pPr lvl="1"/>
+            <a:r>
+              <a:rPr kumimoji="1" lang="en-US" altLang="zh-CN" dirty="0" err="1" smtClean="0"/>
+              <a:t>awk</a:t>
+            </a:r>
+            <a:endParaRPr kumimoji="1" lang="en-US" altLang="zh-CN" dirty="0"/>
+          </a:p>
+          <a:p>
+            <a:pPr lvl="1"/>
+            <a:r>
+              <a:rPr kumimoji="1" lang="en-US" altLang="zh-CN" dirty="0" smtClean="0"/>
+              <a:t>grep</a:t>
+            </a:r>
+          </a:p>
+          <a:p>
+            <a:pPr lvl="1"/>
+            <a:r>
+              <a:rPr kumimoji="1" lang="en-US" altLang="zh-CN" dirty="0" err="1" smtClean="0"/>
+              <a:t>sed</a:t>
+            </a:r>
+            <a:endParaRPr kumimoji="1" lang="en-US" altLang="zh-CN" dirty="0" smtClean="0"/>
+          </a:p>
+          <a:p>
+            <a:pPr lvl="1"/>
+            <a:endParaRPr kumimoji="1" lang="en-US" altLang="zh-CN" dirty="0" smtClean="0"/>
+          </a:p>
+          <a:p>
+            <a:r>
+              <a:rPr kumimoji="1" lang="en-US" altLang="zh-CN" dirty="0" smtClean="0"/>
+              <a:t> shell </a:t>
+            </a:r>
+            <a:r>
+              <a:rPr kumimoji="1" lang="zh-CN" altLang="en-US" dirty="0" smtClean="0"/>
+              <a:t>编</a:t>
+            </a:r>
+            <a:r>
+              <a:rPr kumimoji="1" lang="zh-CN" altLang="en-US" dirty="0"/>
+              <a:t>程</a:t>
+            </a:r>
+            <a:endParaRPr kumimoji="1" lang="en-US" altLang="zh-CN" dirty="0" smtClean="0"/>
+          </a:p>
+          <a:p>
+            <a:endParaRPr kumimoji="1" lang="en-US" altLang="zh-CN" dirty="0" smtClean="0"/>
+          </a:p>
+        </p:txBody>
+      </p:sp>
+    </p:spTree>
+    <p:extLst>
+      <p:ext uri="{BB962C8B-B14F-4D97-AF65-F5344CB8AC3E}">
+        <p14:creationId xmlns:p14="http://schemas.microsoft.com/office/powerpoint/2010/main" val="999021045"/>
+      </p:ext>
+    </p:extLst>
+  </p:cSld>
+  <p:clrMapOvr>
+    <a:masterClrMapping/>
+  </p:clrMapOvr>
+  <p:timing>
+    <p:tnLst>
+      <p:par>
+        <p:cTn id="1" dur="indefinite" restart="never" nodeType="tmRoot"/>
+      </p:par>
+    </p:tnLst>
+  </p:timing>
+</p:sld>
+</file>
+
+<file path=ppt/slides/slide20.xml><?xml version="1.0" encoding="utf-8"?>
+<p:sld xmlns:a="http://schemas.openxmlformats.org/drawingml/2006/main" xmlns:r="http://schemas.openxmlformats.org/officeDocument/2006/relationships" xmlns:p="http://schemas.openxmlformats.org/presentationml/2006/main">
+  <p:cSld>
+    <p:spTree>
+      <p:nvGrpSpPr>
+        <p:cNvPr id="1" name=""/>
+        <p:cNvGrpSpPr/>
+        <p:nvPr/>
+      </p:nvGrpSpPr>
+      <p:grpSpPr>
+        <a:xfrm>
+          <a:off x="0" y="0"/>
+          <a:ext cx="0" cy="0"/>
+          <a:chOff x="0" y="0"/>
+          <a:chExt cx="0" cy="0"/>
+        </a:xfrm>
+      </p:grpSpPr>
+      <p:sp>
+        <p:nvSpPr>
+          <p:cNvPr id="2" name="タイトル 1"/>
+          <p:cNvSpPr>
+            <a:spLocks noGrp="1"/>
+          </p:cNvSpPr>
+          <p:nvPr>
+            <p:ph type="title"/>
+          </p:nvPr>
+        </p:nvSpPr>
+        <p:spPr/>
+        <p:txBody>
+          <a:bodyPr/>
+          <a:lstStyle/>
+          <a:p>
+            <a:r>
               <a:rPr kumimoji="1" lang="en-US" altLang="zh-CN" dirty="0"/>
               <a:t>echo</a:t>
             </a:r>
@@ -6354,13 +8007,13 @@
         </p:nvPicPr>
         <p:blipFill rotWithShape="1">
           <a:blip r:embed="rId3"/>
-          <a:srcRect t="-1157" r="59991" b="3305"/>
+          <a:srcRect t="-1157" r="60221" b="18049"/>
           <a:stretch/>
         </p:blipFill>
         <p:spPr>
           <a:xfrm>
-            <a:off x="474984" y="2610195"/>
-            <a:ext cx="8669016" cy="1213659"/>
+            <a:off x="474984" y="2610196"/>
+            <a:ext cx="8619140" cy="1030780"/>
           </a:xfrm>
           <a:prstGeom prst="rect">
             <a:avLst/>
@@ -6387,7 +8040,7 @@
 </p:sld>
 </file>
 
-<file path=ppt/slides/slide19.xml><?xml version="1.0" encoding="utf-8"?>
+<file path=ppt/slides/slide21.xml><?xml version="1.0" encoding="utf-8"?>
 <p:sld xmlns:a="http://schemas.openxmlformats.org/drawingml/2006/main" xmlns:r="http://schemas.openxmlformats.org/officeDocument/2006/relationships" xmlns:p="http://schemas.openxmlformats.org/presentationml/2006/main">
   <p:cSld>
     <p:spTree>
@@ -6509,7 +8162,7 @@
 </p:sld>
 </file>
 
-<file path=ppt/slides/slide2.xml><?xml version="1.0" encoding="utf-8"?>
+<file path=ppt/slides/slide22.xml><?xml version="1.0" encoding="utf-8"?>
 <p:sld xmlns:a="http://schemas.openxmlformats.org/drawingml/2006/main" xmlns:r="http://schemas.openxmlformats.org/officeDocument/2006/relationships" xmlns:p="http://schemas.openxmlformats.org/presentationml/2006/main">
   <p:cSld>
     <p:spTree>
@@ -6542,8 +8195,16 @@
           <a:lstStyle/>
           <a:p>
             <a:r>
-              <a:rPr kumimoji="1" lang="zh-CN" altLang="en-US" dirty="0"/>
-              <a:t>目录</a:t>
+              <a:rPr kumimoji="1" lang="en-US" altLang="zh-CN" dirty="0" smtClean="0"/>
+              <a:t>expr</a:t>
+            </a:r>
+            <a:r>
+              <a:rPr kumimoji="1" lang="en-US" altLang="zh-CN" dirty="0" smtClean="0"/>
+              <a:t> </a:t>
+            </a:r>
+            <a:r>
+              <a:rPr kumimoji="1" lang="zh-CN" altLang="en-US" dirty="0" smtClean="0"/>
+              <a:t>命令</a:t>
             </a:r>
             <a:endParaRPr kumimoji="1" lang="ja-JP" altLang="en-US" dirty="0"/>
           </a:p>
@@ -6565,80 +8226,129 @@
           <a:lstStyle/>
           <a:p>
             <a:r>
+              <a:rPr kumimoji="1" lang="en-US" altLang="zh-CN" dirty="0"/>
+              <a:t>e</a:t>
+            </a:r>
+            <a:r>
               <a:rPr kumimoji="1" lang="en-US" altLang="zh-CN" dirty="0" smtClean="0"/>
-              <a:t> Linux </a:t>
-            </a:r>
-            <a:r>
-              <a:rPr kumimoji="1" lang="zh-CN" altLang="en-US" dirty="0" smtClean="0"/>
-              <a:t>基础命令</a:t>
+              <a:t>xpr = </a:t>
+            </a:r>
+            <a:r>
+              <a:rPr kumimoji="1" lang="en-US" altLang="zh-CN" dirty="0" smtClean="0">
+                <a:solidFill>
+                  <a:srgbClr val="FF0000"/>
+                </a:solidFill>
+              </a:rPr>
+              <a:t>expr</a:t>
+            </a:r>
+            <a:r>
+              <a:rPr kumimoji="1" lang="en-US" altLang="zh-CN" dirty="0" smtClean="0"/>
+              <a:t>ess</a:t>
             </a:r>
             <a:endParaRPr kumimoji="1" lang="en-US" altLang="zh-CN" dirty="0" smtClean="0"/>
           </a:p>
-          <a:p>
-            <a:endParaRPr kumimoji="1" lang="en-US" altLang="zh-CN" dirty="0" smtClean="0"/>
-          </a:p>
-          <a:p>
-            <a:r>
-              <a:rPr kumimoji="1" lang="en-US" altLang="zh-CN" dirty="0" smtClean="0"/>
-              <a:t> Linux </a:t>
-            </a:r>
-            <a:r>
-              <a:rPr kumimoji="1" lang="zh-CN" altLang="en-US" dirty="0" smtClean="0"/>
-              <a:t>高阶命令</a:t>
-            </a:r>
-            <a:endParaRPr kumimoji="1" lang="en-US" altLang="zh-CN" dirty="0" smtClean="0"/>
-          </a:p>
-          <a:p>
-            <a:pPr lvl="1"/>
-            <a:r>
-              <a:rPr kumimoji="1" lang="en-US" altLang="zh-CN" dirty="0" err="1" smtClean="0"/>
-              <a:t>awk</a:t>
-            </a:r>
-            <a:endParaRPr kumimoji="1" lang="en-US" altLang="zh-CN" dirty="0"/>
-          </a:p>
-          <a:p>
-            <a:pPr lvl="1"/>
-            <a:r>
-              <a:rPr kumimoji="1" lang="en-US" altLang="zh-CN" dirty="0" smtClean="0"/>
-              <a:t>grep</a:t>
-            </a:r>
-          </a:p>
-          <a:p>
-            <a:pPr lvl="1"/>
-            <a:r>
-              <a:rPr kumimoji="1" lang="en-US" altLang="zh-CN" dirty="0" err="1" smtClean="0"/>
-              <a:t>sed</a:t>
-            </a:r>
-            <a:endParaRPr kumimoji="1" lang="en-US" altLang="zh-CN" dirty="0" smtClean="0"/>
-          </a:p>
-          <a:p>
-            <a:pPr lvl="1"/>
-            <a:endParaRPr kumimoji="1" lang="en-US" altLang="zh-CN" dirty="0" smtClean="0"/>
-          </a:p>
-          <a:p>
-            <a:r>
-              <a:rPr kumimoji="1" lang="en-US" altLang="zh-CN" dirty="0" smtClean="0"/>
-              <a:t> shell </a:t>
-            </a:r>
-            <a:r>
-              <a:rPr kumimoji="1" lang="zh-CN" altLang="en-US" dirty="0" smtClean="0"/>
-              <a:t>编</a:t>
-            </a:r>
-            <a:r>
-              <a:rPr kumimoji="1" lang="zh-CN" altLang="en-US" dirty="0"/>
-              <a:t>程</a:t>
-            </a:r>
-            <a:endParaRPr kumimoji="1" lang="en-US" altLang="zh-CN" dirty="0" smtClean="0"/>
-          </a:p>
-          <a:p>
-            <a:endParaRPr kumimoji="1" lang="en-US" altLang="zh-CN" dirty="0" smtClean="0"/>
-          </a:p>
-        </p:txBody>
-      </p:sp>
+        </p:txBody>
+      </p:sp>
+      <p:pic>
+        <p:nvPicPr>
+          <p:cNvPr id="4" name="図 3"/>
+          <p:cNvPicPr>
+            <a:picLocks noChangeAspect="1"/>
+          </p:cNvPicPr>
+          <p:nvPr/>
+        </p:nvPicPr>
+        <p:blipFill>
+          <a:blip r:embed="rId3"/>
+          <a:stretch>
+            <a:fillRect/>
+          </a:stretch>
+        </p:blipFill>
+        <p:spPr>
+          <a:xfrm>
+            <a:off x="628649" y="2507239"/>
+            <a:ext cx="7779063" cy="568470"/>
+          </a:xfrm>
+          <a:prstGeom prst="rect">
+            <a:avLst/>
+          </a:prstGeom>
+        </p:spPr>
+      </p:pic>
+      <p:pic>
+        <p:nvPicPr>
+          <p:cNvPr id="6" name="図 5"/>
+          <p:cNvPicPr>
+            <a:picLocks noChangeAspect="1"/>
+          </p:cNvPicPr>
+          <p:nvPr/>
+        </p:nvPicPr>
+        <p:blipFill>
+          <a:blip r:embed="rId4"/>
+          <a:stretch>
+            <a:fillRect/>
+          </a:stretch>
+        </p:blipFill>
+        <p:spPr>
+          <a:xfrm>
+            <a:off x="628650" y="3250086"/>
+            <a:ext cx="7779062" cy="553670"/>
+          </a:xfrm>
+          <a:prstGeom prst="rect">
+            <a:avLst/>
+          </a:prstGeom>
+        </p:spPr>
+      </p:pic>
+      <p:pic>
+        <p:nvPicPr>
+          <p:cNvPr id="7" name="図 6"/>
+          <p:cNvPicPr>
+            <a:picLocks noChangeAspect="1"/>
+          </p:cNvPicPr>
+          <p:nvPr/>
+        </p:nvPicPr>
+        <p:blipFill>
+          <a:blip r:embed="rId5"/>
+          <a:stretch>
+            <a:fillRect/>
+          </a:stretch>
+        </p:blipFill>
+        <p:spPr>
+          <a:xfrm>
+            <a:off x="628650" y="3978133"/>
+            <a:ext cx="7779062" cy="551707"/>
+          </a:xfrm>
+          <a:prstGeom prst="rect">
+            <a:avLst/>
+          </a:prstGeom>
+        </p:spPr>
+      </p:pic>
+      <p:pic>
+        <p:nvPicPr>
+          <p:cNvPr id="8" name="図 7"/>
+          <p:cNvPicPr>
+            <a:picLocks noChangeAspect="1"/>
+          </p:cNvPicPr>
+          <p:nvPr/>
+        </p:nvPicPr>
+        <p:blipFill>
+          <a:blip r:embed="rId6"/>
+          <a:stretch>
+            <a:fillRect/>
+          </a:stretch>
+        </p:blipFill>
+        <p:spPr>
+          <a:xfrm>
+            <a:off x="628649" y="4704218"/>
+            <a:ext cx="7795705" cy="532800"/>
+          </a:xfrm>
+          <a:prstGeom prst="rect">
+            <a:avLst/>
+          </a:prstGeom>
+        </p:spPr>
+      </p:pic>
     </p:spTree>
     <p:extLst>
       <p:ext uri="{BB962C8B-B14F-4D97-AF65-F5344CB8AC3E}">
-        <p14:creationId xmlns:p14="http://schemas.microsoft.com/office/powerpoint/2010/main" val="999021045"/>
+        <p14:creationId xmlns:p14="http://schemas.microsoft.com/office/powerpoint/2010/main" val="781206738"/>
       </p:ext>
     </p:extLst>
   </p:cSld>
@@ -6655,7 +8365,543 @@
 </p:sld>
 </file>
 
-<file path=ppt/slides/slide20.xml><?xml version="1.0" encoding="utf-8"?>
+<file path=ppt/slides/slide23.xml><?xml version="1.0" encoding="utf-8"?>
+<p:sld xmlns:a="http://schemas.openxmlformats.org/drawingml/2006/main" xmlns:r="http://schemas.openxmlformats.org/officeDocument/2006/relationships" xmlns:p="http://schemas.openxmlformats.org/presentationml/2006/main">
+  <p:cSld>
+    <p:spTree>
+      <p:nvGrpSpPr>
+        <p:cNvPr id="1" name=""/>
+        <p:cNvGrpSpPr/>
+        <p:nvPr/>
+      </p:nvGrpSpPr>
+      <p:grpSpPr>
+        <a:xfrm>
+          <a:off x="0" y="0"/>
+          <a:ext cx="0" cy="0"/>
+          <a:chOff x="0" y="0"/>
+          <a:chExt cx="0" cy="0"/>
+        </a:xfrm>
+      </p:grpSpPr>
+      <p:sp>
+        <p:nvSpPr>
+          <p:cNvPr id="2" name="タイトル 1"/>
+          <p:cNvSpPr>
+            <a:spLocks noGrp="1"/>
+          </p:cNvSpPr>
+          <p:nvPr>
+            <p:ph type="title"/>
+          </p:nvPr>
+        </p:nvSpPr>
+        <p:spPr/>
+        <p:txBody>
+          <a:bodyPr/>
+          <a:lstStyle/>
+          <a:p>
+            <a:r>
+              <a:rPr kumimoji="1" lang="en-US" altLang="zh-CN" dirty="0" err="1"/>
+              <a:t>uniq</a:t>
+            </a:r>
+            <a:r>
+              <a:rPr kumimoji="1" lang="en-US" altLang="zh-CN" dirty="0" smtClean="0"/>
+              <a:t> </a:t>
+            </a:r>
+            <a:r>
+              <a:rPr kumimoji="1" lang="zh-CN" altLang="en-US" dirty="0" smtClean="0"/>
+              <a:t>命令</a:t>
+            </a:r>
+            <a:endParaRPr kumimoji="1" lang="ja-JP" altLang="en-US" dirty="0"/>
+          </a:p>
+        </p:txBody>
+      </p:sp>
+      <p:sp>
+        <p:nvSpPr>
+          <p:cNvPr id="3" name="コンテンツ プレースホルダー 2"/>
+          <p:cNvSpPr>
+            <a:spLocks noGrp="1"/>
+          </p:cNvSpPr>
+          <p:nvPr>
+            <p:ph idx="1"/>
+          </p:nvPr>
+        </p:nvSpPr>
+        <p:spPr/>
+        <p:txBody>
+          <a:bodyPr/>
+          <a:lstStyle/>
+          <a:p>
+            <a:r>
+              <a:rPr kumimoji="1" lang="en-US" altLang="zh-CN" dirty="0" err="1"/>
+              <a:t>uniq</a:t>
+            </a:r>
+            <a:r>
+              <a:rPr kumimoji="1" lang="en-US" altLang="zh-CN" dirty="0" smtClean="0"/>
+              <a:t> = </a:t>
+            </a:r>
+            <a:r>
+              <a:rPr kumimoji="1" lang="en-US" altLang="zh-CN" dirty="0" smtClean="0">
+                <a:solidFill>
+                  <a:srgbClr val="FF0000"/>
+                </a:solidFill>
+              </a:rPr>
+              <a:t>unique</a:t>
+            </a:r>
+          </a:p>
+          <a:p>
+            <a:r>
+              <a:rPr kumimoji="1" lang="zh-CN" altLang="en-US" dirty="0" smtClean="0"/>
+              <a:t>删除重复项命令</a:t>
+            </a:r>
+            <a:endParaRPr kumimoji="1" lang="en-US" altLang="zh-CN" dirty="0" smtClean="0"/>
+          </a:p>
+          <a:p>
+            <a:endParaRPr kumimoji="1" lang="en-US" altLang="zh-CN" dirty="0"/>
+          </a:p>
+          <a:p>
+            <a:endParaRPr kumimoji="1" lang="en-US" altLang="zh-CN" dirty="0" smtClean="0"/>
+          </a:p>
+          <a:p>
+            <a:endParaRPr kumimoji="1" lang="en-US" altLang="zh-CN" dirty="0"/>
+          </a:p>
+          <a:p>
+            <a:endParaRPr kumimoji="1" lang="en-US" altLang="zh-CN" dirty="0" smtClean="0"/>
+          </a:p>
+          <a:p>
+            <a:pPr marL="0" indent="0">
+              <a:buNone/>
+            </a:pPr>
+            <a:endParaRPr kumimoji="1" lang="en-US" altLang="zh-CN" dirty="0" smtClean="0"/>
+          </a:p>
+          <a:p>
+            <a:endParaRPr kumimoji="1" lang="en-US" altLang="zh-CN" dirty="0" smtClean="0"/>
+          </a:p>
+        </p:txBody>
+      </p:sp>
+      <p:pic>
+        <p:nvPicPr>
+          <p:cNvPr id="5" name="図 4"/>
+          <p:cNvPicPr>
+            <a:picLocks noChangeAspect="1"/>
+          </p:cNvPicPr>
+          <p:nvPr/>
+        </p:nvPicPr>
+        <p:blipFill>
+          <a:blip r:embed="rId3"/>
+          <a:stretch>
+            <a:fillRect/>
+          </a:stretch>
+        </p:blipFill>
+        <p:spPr>
+          <a:xfrm>
+            <a:off x="628650" y="2823831"/>
+            <a:ext cx="7914096" cy="2354926"/>
+          </a:xfrm>
+          <a:prstGeom prst="rect">
+            <a:avLst/>
+          </a:prstGeom>
+        </p:spPr>
+      </p:pic>
+      <p:pic>
+        <p:nvPicPr>
+          <p:cNvPr id="9" name="図 8"/>
+          <p:cNvPicPr>
+            <a:picLocks noChangeAspect="1"/>
+          </p:cNvPicPr>
+          <p:nvPr/>
+        </p:nvPicPr>
+        <p:blipFill>
+          <a:blip r:embed="rId4"/>
+          <a:stretch>
+            <a:fillRect/>
+          </a:stretch>
+        </p:blipFill>
+        <p:spPr>
+          <a:xfrm>
+            <a:off x="601254" y="5665391"/>
+            <a:ext cx="7914096" cy="462942"/>
+          </a:xfrm>
+          <a:prstGeom prst="rect">
+            <a:avLst/>
+          </a:prstGeom>
+        </p:spPr>
+      </p:pic>
+    </p:spTree>
+    <p:extLst>
+      <p:ext uri="{BB962C8B-B14F-4D97-AF65-F5344CB8AC3E}">
+        <p14:creationId xmlns:p14="http://schemas.microsoft.com/office/powerpoint/2010/main" val="774754418"/>
+      </p:ext>
+    </p:extLst>
+  </p:cSld>
+  <p:clrMapOvr>
+    <a:masterClrMapping/>
+  </p:clrMapOvr>
+  <p:timing>
+    <p:tnLst>
+      <p:par>
+        <p:cTn id="1" dur="indefinite" restart="never" nodeType="tmRoot"/>
+      </p:par>
+    </p:tnLst>
+  </p:timing>
+</p:sld>
+</file>
+
+<file path=ppt/slides/slide24.xml><?xml version="1.0" encoding="utf-8"?>
+<p:sld xmlns:a="http://schemas.openxmlformats.org/drawingml/2006/main" xmlns:r="http://schemas.openxmlformats.org/officeDocument/2006/relationships" xmlns:p="http://schemas.openxmlformats.org/presentationml/2006/main">
+  <p:cSld>
+    <p:spTree>
+      <p:nvGrpSpPr>
+        <p:cNvPr id="1" name=""/>
+        <p:cNvGrpSpPr/>
+        <p:nvPr/>
+      </p:nvGrpSpPr>
+      <p:grpSpPr>
+        <a:xfrm>
+          <a:off x="0" y="0"/>
+          <a:ext cx="0" cy="0"/>
+          <a:chOff x="0" y="0"/>
+          <a:chExt cx="0" cy="0"/>
+        </a:xfrm>
+      </p:grpSpPr>
+      <p:sp>
+        <p:nvSpPr>
+          <p:cNvPr id="2" name="タイトル 1"/>
+          <p:cNvSpPr>
+            <a:spLocks noGrp="1"/>
+          </p:cNvSpPr>
+          <p:nvPr>
+            <p:ph type="title"/>
+          </p:nvPr>
+        </p:nvSpPr>
+        <p:spPr/>
+        <p:txBody>
+          <a:bodyPr/>
+          <a:lstStyle/>
+          <a:p>
+            <a:r>
+              <a:rPr kumimoji="1" lang="en-US" altLang="zh-CN" dirty="0"/>
+              <a:t>sort</a:t>
+            </a:r>
+            <a:r>
+              <a:rPr kumimoji="1" lang="en-US" altLang="zh-CN" dirty="0" smtClean="0"/>
+              <a:t> </a:t>
+            </a:r>
+            <a:r>
+              <a:rPr kumimoji="1" lang="zh-CN" altLang="en-US" dirty="0" smtClean="0"/>
+              <a:t>命令</a:t>
+            </a:r>
+            <a:endParaRPr kumimoji="1" lang="ja-JP" altLang="en-US" dirty="0"/>
+          </a:p>
+        </p:txBody>
+      </p:sp>
+      <p:sp>
+        <p:nvSpPr>
+          <p:cNvPr id="3" name="コンテンツ プレースホルダー 2"/>
+          <p:cNvSpPr>
+            <a:spLocks noGrp="1"/>
+          </p:cNvSpPr>
+          <p:nvPr>
+            <p:ph idx="1"/>
+          </p:nvPr>
+        </p:nvSpPr>
+        <p:spPr/>
+        <p:txBody>
+          <a:bodyPr/>
+          <a:lstStyle/>
+          <a:p>
+            <a:r>
+              <a:rPr kumimoji="1" lang="zh-CN" altLang="en-US" dirty="0" smtClean="0"/>
+              <a:t>内容排序</a:t>
+            </a:r>
+            <a:endParaRPr kumimoji="1" lang="en-US" altLang="zh-CN" dirty="0" smtClean="0"/>
+          </a:p>
+          <a:p>
+            <a:endParaRPr kumimoji="1" lang="en-US" altLang="zh-CN" dirty="0"/>
+          </a:p>
+          <a:p>
+            <a:endParaRPr kumimoji="1" lang="en-US" altLang="zh-CN" dirty="0" smtClean="0"/>
+          </a:p>
+          <a:p>
+            <a:endParaRPr kumimoji="1" lang="en-US" altLang="zh-CN" dirty="0"/>
+          </a:p>
+          <a:p>
+            <a:endParaRPr kumimoji="1" lang="en-US" altLang="zh-CN" dirty="0" smtClean="0"/>
+          </a:p>
+          <a:p>
+            <a:pPr marL="0" indent="0">
+              <a:buNone/>
+            </a:pPr>
+            <a:endParaRPr kumimoji="1" lang="en-US" altLang="zh-CN" dirty="0" smtClean="0"/>
+          </a:p>
+          <a:p>
+            <a:endParaRPr kumimoji="1" lang="en-US" altLang="zh-CN" dirty="0" smtClean="0"/>
+          </a:p>
+        </p:txBody>
+      </p:sp>
+      <p:pic>
+        <p:nvPicPr>
+          <p:cNvPr id="4" name="図 3"/>
+          <p:cNvPicPr>
+            <a:picLocks noChangeAspect="1"/>
+          </p:cNvPicPr>
+          <p:nvPr/>
+        </p:nvPicPr>
+        <p:blipFill>
+          <a:blip r:embed="rId3"/>
+          <a:stretch>
+            <a:fillRect/>
+          </a:stretch>
+        </p:blipFill>
+        <p:spPr>
+          <a:xfrm>
+            <a:off x="628649" y="2464464"/>
+            <a:ext cx="8198417" cy="478241"/>
+          </a:xfrm>
+          <a:prstGeom prst="rect">
+            <a:avLst/>
+          </a:prstGeom>
+        </p:spPr>
+      </p:pic>
+      <p:pic>
+        <p:nvPicPr>
+          <p:cNvPr id="6" name="図 5"/>
+          <p:cNvPicPr>
+            <a:picLocks noChangeAspect="1"/>
+          </p:cNvPicPr>
+          <p:nvPr/>
+        </p:nvPicPr>
+        <p:blipFill rotWithShape="1">
+          <a:blip r:embed="rId4"/>
+          <a:srcRect t="12011" b="11741"/>
+          <a:stretch/>
+        </p:blipFill>
+        <p:spPr>
+          <a:xfrm>
+            <a:off x="628648" y="3275216"/>
+            <a:ext cx="8198418" cy="382384"/>
+          </a:xfrm>
+          <a:prstGeom prst="rect">
+            <a:avLst/>
+          </a:prstGeom>
+        </p:spPr>
+      </p:pic>
+      <p:pic>
+        <p:nvPicPr>
+          <p:cNvPr id="7" name="図 6"/>
+          <p:cNvPicPr>
+            <a:picLocks noChangeAspect="1"/>
+          </p:cNvPicPr>
+          <p:nvPr/>
+        </p:nvPicPr>
+        <p:blipFill>
+          <a:blip r:embed="rId5"/>
+          <a:stretch>
+            <a:fillRect/>
+          </a:stretch>
+        </p:blipFill>
+        <p:spPr>
+          <a:xfrm>
+            <a:off x="628647" y="4001294"/>
+            <a:ext cx="8277537" cy="986342"/>
+          </a:xfrm>
+          <a:prstGeom prst="rect">
+            <a:avLst/>
+          </a:prstGeom>
+        </p:spPr>
+      </p:pic>
+    </p:spTree>
+    <p:extLst>
+      <p:ext uri="{BB962C8B-B14F-4D97-AF65-F5344CB8AC3E}">
+        <p14:creationId xmlns:p14="http://schemas.microsoft.com/office/powerpoint/2010/main" val="4271499765"/>
+      </p:ext>
+    </p:extLst>
+  </p:cSld>
+  <p:clrMapOvr>
+    <a:masterClrMapping/>
+  </p:clrMapOvr>
+  <p:timing>
+    <p:tnLst>
+      <p:par>
+        <p:cTn id="1" dur="indefinite" restart="never" nodeType="tmRoot"/>
+      </p:par>
+    </p:tnLst>
+  </p:timing>
+</p:sld>
+</file>
+
+<file path=ppt/slides/slide25.xml><?xml version="1.0" encoding="utf-8"?>
+<p:sld xmlns:a="http://schemas.openxmlformats.org/drawingml/2006/main" xmlns:r="http://schemas.openxmlformats.org/officeDocument/2006/relationships" xmlns:p="http://schemas.openxmlformats.org/presentationml/2006/main">
+  <p:cSld>
+    <p:spTree>
+      <p:nvGrpSpPr>
+        <p:cNvPr id="1" name=""/>
+        <p:cNvGrpSpPr/>
+        <p:nvPr/>
+      </p:nvGrpSpPr>
+      <p:grpSpPr>
+        <a:xfrm>
+          <a:off x="0" y="0"/>
+          <a:ext cx="0" cy="0"/>
+          <a:chOff x="0" y="0"/>
+          <a:chExt cx="0" cy="0"/>
+        </a:xfrm>
+      </p:grpSpPr>
+      <p:sp>
+        <p:nvSpPr>
+          <p:cNvPr id="2" name="タイトル 1"/>
+          <p:cNvSpPr>
+            <a:spLocks noGrp="1"/>
+          </p:cNvSpPr>
+          <p:nvPr>
+            <p:ph type="title"/>
+          </p:nvPr>
+        </p:nvSpPr>
+        <p:spPr/>
+        <p:txBody>
+          <a:bodyPr/>
+          <a:lstStyle/>
+          <a:p>
+            <a:r>
+              <a:rPr kumimoji="1" lang="en-US" altLang="zh-CN" dirty="0" err="1"/>
+              <a:t>wc</a:t>
+            </a:r>
+            <a:r>
+              <a:rPr kumimoji="1" lang="en-US" altLang="zh-CN" dirty="0" smtClean="0"/>
+              <a:t> </a:t>
+            </a:r>
+            <a:r>
+              <a:rPr kumimoji="1" lang="zh-CN" altLang="en-US" dirty="0" smtClean="0"/>
+              <a:t>命令</a:t>
+            </a:r>
+            <a:endParaRPr kumimoji="1" lang="ja-JP" altLang="en-US" dirty="0"/>
+          </a:p>
+        </p:txBody>
+      </p:sp>
+      <p:sp>
+        <p:nvSpPr>
+          <p:cNvPr id="3" name="コンテンツ プレースホルダー 2"/>
+          <p:cNvSpPr>
+            <a:spLocks noGrp="1"/>
+          </p:cNvSpPr>
+          <p:nvPr>
+            <p:ph idx="1"/>
+          </p:nvPr>
+        </p:nvSpPr>
+        <p:spPr/>
+        <p:txBody>
+          <a:bodyPr/>
+          <a:lstStyle/>
+          <a:p>
+            <a:r>
+              <a:rPr kumimoji="1" lang="en-US" altLang="zh-CN" dirty="0" err="1"/>
+              <a:t>wc</a:t>
+            </a:r>
+            <a:r>
+              <a:rPr kumimoji="1" lang="en-US" altLang="zh-CN" dirty="0" smtClean="0"/>
+              <a:t> = </a:t>
+            </a:r>
+            <a:r>
+              <a:rPr kumimoji="1" lang="en-US" altLang="zh-CN" dirty="0" smtClean="0">
+                <a:solidFill>
+                  <a:srgbClr val="FF0000"/>
+                </a:solidFill>
+              </a:rPr>
+              <a:t>w</a:t>
+            </a:r>
+            <a:r>
+              <a:rPr kumimoji="1" lang="en-US" altLang="zh-CN" dirty="0" smtClean="0"/>
+              <a:t>ord </a:t>
+            </a:r>
+            <a:r>
+              <a:rPr kumimoji="1" lang="en-US" altLang="zh-CN" dirty="0" smtClean="0">
+                <a:solidFill>
+                  <a:srgbClr val="FF0000"/>
+                </a:solidFill>
+              </a:rPr>
+              <a:t>c</a:t>
+            </a:r>
+            <a:r>
+              <a:rPr kumimoji="1" lang="en-US" altLang="zh-CN" dirty="0" smtClean="0"/>
+              <a:t>ount</a:t>
+            </a:r>
+            <a:endParaRPr kumimoji="1" lang="en-US" altLang="zh-CN" dirty="0" smtClean="0">
+              <a:solidFill>
+                <a:srgbClr val="FF0000"/>
+              </a:solidFill>
+            </a:endParaRPr>
+          </a:p>
+          <a:p>
+            <a:r>
+              <a:rPr kumimoji="1" lang="zh-CN" altLang="en-US" dirty="0" smtClean="0"/>
+              <a:t>统计词汇个数</a:t>
+            </a:r>
+            <a:endParaRPr kumimoji="1" lang="en-US" altLang="zh-CN" dirty="0" smtClean="0"/>
+          </a:p>
+          <a:p>
+            <a:endParaRPr kumimoji="1" lang="en-US" altLang="zh-CN" dirty="0"/>
+          </a:p>
+          <a:p>
+            <a:endParaRPr kumimoji="1" lang="en-US" altLang="zh-CN" dirty="0" smtClean="0"/>
+          </a:p>
+          <a:p>
+            <a:endParaRPr kumimoji="1" lang="en-US" altLang="zh-CN" dirty="0"/>
+          </a:p>
+          <a:p>
+            <a:endParaRPr kumimoji="1" lang="en-US" altLang="zh-CN" dirty="0" smtClean="0"/>
+          </a:p>
+          <a:p>
+            <a:pPr marL="0" indent="0">
+              <a:buNone/>
+            </a:pPr>
+            <a:endParaRPr kumimoji="1" lang="en-US" altLang="zh-CN" dirty="0" smtClean="0"/>
+          </a:p>
+          <a:p>
+            <a:endParaRPr kumimoji="1" lang="en-US" altLang="zh-CN" dirty="0" smtClean="0"/>
+          </a:p>
+        </p:txBody>
+      </p:sp>
+      <p:pic>
+        <p:nvPicPr>
+          <p:cNvPr id="4" name="図 3"/>
+          <p:cNvPicPr>
+            <a:picLocks noChangeAspect="1"/>
+          </p:cNvPicPr>
+          <p:nvPr/>
+        </p:nvPicPr>
+        <p:blipFill>
+          <a:blip r:embed="rId3"/>
+          <a:stretch>
+            <a:fillRect/>
+          </a:stretch>
+        </p:blipFill>
+        <p:spPr>
+          <a:xfrm>
+            <a:off x="628649" y="2904258"/>
+            <a:ext cx="8421619" cy="803218"/>
+          </a:xfrm>
+          <a:prstGeom prst="rect">
+            <a:avLst/>
+          </a:prstGeom>
+        </p:spPr>
+      </p:pic>
+    </p:spTree>
+    <p:extLst>
+      <p:ext uri="{BB962C8B-B14F-4D97-AF65-F5344CB8AC3E}">
+        <p14:creationId xmlns:p14="http://schemas.microsoft.com/office/powerpoint/2010/main" val="2549324987"/>
+      </p:ext>
+    </p:extLst>
+  </p:cSld>
+  <p:clrMapOvr>
+    <a:masterClrMapping/>
+  </p:clrMapOvr>
+  <p:timing>
+    <p:tnLst>
+      <p:par>
+        <p:cTn id="1" dur="indefinite" restart="never" nodeType="tmRoot"/>
+      </p:par>
+    </p:tnLst>
+  </p:timing>
+</p:sld>
+</file>
+
+<file path=ppt/slides/slide26.xml><?xml version="1.0" encoding="utf-8"?>
 <p:sld xmlns:a="http://schemas.openxmlformats.org/drawingml/2006/main" xmlns:r="http://schemas.openxmlformats.org/officeDocument/2006/relationships" xmlns:p="http://schemas.openxmlformats.org/presentationml/2006/main">
   <p:cSld>
     <p:spTree>
@@ -6790,7 +9036,7 @@
 </p:sld>
 </file>
 
-<file path=ppt/slides/slide21.xml><?xml version="1.0" encoding="utf-8"?>
+<file path=ppt/slides/slide27.xml><?xml version="1.0" encoding="utf-8"?>
 <p:sld xmlns:a="http://schemas.openxmlformats.org/drawingml/2006/main" xmlns:r="http://schemas.openxmlformats.org/officeDocument/2006/relationships" xmlns:p="http://schemas.openxmlformats.org/presentationml/2006/main">
   <p:cSld>
     <p:spTree>
@@ -7010,7 +9256,7 @@
 </p:sld>
 </file>
 
-<file path=ppt/slides/slide22.xml><?xml version="1.0" encoding="utf-8"?>
+<file path=ppt/slides/slide28.xml><?xml version="1.0" encoding="utf-8"?>
 <p:sld xmlns:a="http://schemas.openxmlformats.org/drawingml/2006/main" xmlns:r="http://schemas.openxmlformats.org/officeDocument/2006/relationships" xmlns:p="http://schemas.openxmlformats.org/presentationml/2006/main">
   <p:cSld>
     <p:spTree>
@@ -7118,7 +9364,7 @@
 </p:sld>
 </file>
 
-<file path=ppt/slides/slide23.xml><?xml version="1.0" encoding="utf-8"?>
+<file path=ppt/slides/slide29.xml><?xml version="1.0" encoding="utf-8"?>
 <p:sld xmlns:a="http://schemas.openxmlformats.org/drawingml/2006/main" xmlns:r="http://schemas.openxmlformats.org/officeDocument/2006/relationships" xmlns:p="http://schemas.openxmlformats.org/presentationml/2006/main">
   <p:cSld>
     <p:spTree>
@@ -7151,12 +9397,793 @@
           <a:lstStyle/>
           <a:p>
             <a:r>
+              <a:rPr kumimoji="1" lang="en-US" altLang="zh-CN" dirty="0"/>
+              <a:t>r</a:t>
+            </a:r>
+            <a:r>
+              <a:rPr kumimoji="1" lang="en-US" altLang="zh-CN" dirty="0" smtClean="0"/>
+              <a:t>pm </a:t>
+            </a:r>
+            <a:r>
+              <a:rPr kumimoji="1" lang="zh-CN" altLang="en-US" dirty="0" smtClean="0"/>
+              <a:t>命令</a:t>
+            </a:r>
+            <a:endParaRPr kumimoji="1" lang="ja-JP" altLang="en-US" dirty="0"/>
+          </a:p>
+        </p:txBody>
+      </p:sp>
+      <p:sp>
+        <p:nvSpPr>
+          <p:cNvPr id="3" name="コンテンツ プレースホルダー 2"/>
+          <p:cNvSpPr>
+            <a:spLocks noGrp="1"/>
+          </p:cNvSpPr>
+          <p:nvPr>
+            <p:ph idx="1"/>
+          </p:nvPr>
+        </p:nvSpPr>
+        <p:spPr/>
+        <p:txBody>
+          <a:bodyPr/>
+          <a:lstStyle/>
+          <a:p>
+            <a:r>
+              <a:rPr lang="zh-CN" altLang="en-US" dirty="0" smtClean="0"/>
+              <a:t>包管理命令</a:t>
+            </a:r>
+            <a:endParaRPr lang="en-US" altLang="zh-CN" dirty="0" smtClean="0"/>
+          </a:p>
+          <a:p>
+            <a:endParaRPr lang="en-US" altLang="ja-JP" dirty="0" smtClean="0"/>
+          </a:p>
+          <a:p>
+            <a:endParaRPr kumimoji="1" lang="ja-JP" altLang="en-US" dirty="0"/>
+          </a:p>
+        </p:txBody>
+      </p:sp>
+      <p:pic>
+        <p:nvPicPr>
+          <p:cNvPr id="5" name="図 4"/>
+          <p:cNvPicPr>
+            <a:picLocks noChangeAspect="1"/>
+          </p:cNvPicPr>
+          <p:nvPr/>
+        </p:nvPicPr>
+        <p:blipFill>
+          <a:blip r:embed="rId3"/>
+          <a:stretch>
+            <a:fillRect/>
+          </a:stretch>
+        </p:blipFill>
+        <p:spPr>
+          <a:xfrm>
+            <a:off x="772391" y="2485851"/>
+            <a:ext cx="7285972" cy="423603"/>
+          </a:xfrm>
+          <a:prstGeom prst="rect">
+            <a:avLst/>
+          </a:prstGeom>
+        </p:spPr>
+      </p:pic>
+    </p:spTree>
+    <p:extLst>
+      <p:ext uri="{BB962C8B-B14F-4D97-AF65-F5344CB8AC3E}">
+        <p14:creationId xmlns:p14="http://schemas.microsoft.com/office/powerpoint/2010/main" val="3628186224"/>
+      </p:ext>
+    </p:extLst>
+  </p:cSld>
+  <p:clrMapOvr>
+    <a:masterClrMapping/>
+  </p:clrMapOvr>
+  <p:timing>
+    <p:tnLst>
+      <p:par>
+        <p:cTn id="1" dur="indefinite" restart="never" nodeType="tmRoot"/>
+      </p:par>
+    </p:tnLst>
+  </p:timing>
+</p:sld>
+</file>
+
+<file path=ppt/slides/slide3.xml><?xml version="1.0" encoding="utf-8"?>
+<p:sld xmlns:a="http://schemas.openxmlformats.org/drawingml/2006/main" xmlns:r="http://schemas.openxmlformats.org/officeDocument/2006/relationships" xmlns:p="http://schemas.openxmlformats.org/presentationml/2006/main">
+  <p:cSld>
+    <p:spTree>
+      <p:nvGrpSpPr>
+        <p:cNvPr id="1" name=""/>
+        <p:cNvGrpSpPr/>
+        <p:nvPr/>
+      </p:nvGrpSpPr>
+      <p:grpSpPr>
+        <a:xfrm>
+          <a:off x="0" y="0"/>
+          <a:ext cx="0" cy="0"/>
+          <a:chOff x="0" y="0"/>
+          <a:chExt cx="0" cy="0"/>
+        </a:xfrm>
+      </p:grpSpPr>
+      <p:sp>
+        <p:nvSpPr>
+          <p:cNvPr id="2" name="タイトル 1"/>
+          <p:cNvSpPr>
+            <a:spLocks noGrp="1"/>
+          </p:cNvSpPr>
+          <p:nvPr>
+            <p:ph type="title"/>
+          </p:nvPr>
+        </p:nvSpPr>
+        <p:spPr/>
+        <p:txBody>
+          <a:bodyPr/>
+          <a:lstStyle/>
+          <a:p>
+            <a:r>
+              <a:rPr kumimoji="1" lang="en-US" altLang="zh-CN" dirty="0" err="1" smtClean="0"/>
+              <a:t>whoami</a:t>
+            </a:r>
+            <a:r>
+              <a:rPr kumimoji="1" lang="en-US" altLang="zh-CN" dirty="0" smtClean="0"/>
+              <a:t> </a:t>
+            </a:r>
+            <a:r>
+              <a:rPr kumimoji="1" lang="zh-CN" altLang="en-US" dirty="0" smtClean="0"/>
+              <a:t>命令</a:t>
+            </a:r>
+            <a:endParaRPr kumimoji="1" lang="ja-JP" altLang="en-US" dirty="0"/>
+          </a:p>
+        </p:txBody>
+      </p:sp>
+      <p:sp>
+        <p:nvSpPr>
+          <p:cNvPr id="3" name="コンテンツ プレースホルダー 2"/>
+          <p:cNvSpPr>
+            <a:spLocks noGrp="1"/>
+          </p:cNvSpPr>
+          <p:nvPr>
+            <p:ph idx="1"/>
+          </p:nvPr>
+        </p:nvSpPr>
+        <p:spPr/>
+        <p:txBody>
+          <a:bodyPr/>
+          <a:lstStyle/>
+          <a:p>
+            <a:r>
+              <a:rPr kumimoji="1" lang="en-US" altLang="zh-CN" dirty="0" err="1"/>
+              <a:t>w</a:t>
+            </a:r>
+            <a:r>
+              <a:rPr kumimoji="1" lang="en-US" altLang="zh-CN" dirty="0" err="1" smtClean="0"/>
+              <a:t>hoami</a:t>
+            </a:r>
+            <a:r>
+              <a:rPr kumimoji="1" lang="en-US" altLang="zh-CN" dirty="0" smtClean="0"/>
+              <a:t> = who am </a:t>
+            </a:r>
+            <a:r>
+              <a:rPr kumimoji="1" lang="en-US" altLang="zh-CN" dirty="0" err="1" smtClean="0"/>
+              <a:t>i</a:t>
+            </a:r>
+            <a:endParaRPr kumimoji="1" lang="en-US" altLang="zh-CN" dirty="0" smtClean="0"/>
+          </a:p>
+          <a:p>
+            <a:r>
+              <a:rPr kumimoji="1" lang="zh-CN" altLang="en-US" dirty="0" smtClean="0"/>
+              <a:t>我是谁</a:t>
+            </a:r>
+            <a:endParaRPr kumimoji="1" lang="en-US" altLang="zh-CN" dirty="0" smtClean="0"/>
+          </a:p>
+          <a:p>
+            <a:endParaRPr kumimoji="1" lang="en-US" altLang="zh-CN" dirty="0" smtClean="0"/>
+          </a:p>
+          <a:p>
+            <a:endParaRPr kumimoji="1" lang="en-US" altLang="zh-CN" dirty="0" smtClean="0"/>
+          </a:p>
+        </p:txBody>
+      </p:sp>
+      <p:pic>
+        <p:nvPicPr>
+          <p:cNvPr id="6" name="図 5"/>
+          <p:cNvPicPr>
+            <a:picLocks noChangeAspect="1"/>
+          </p:cNvPicPr>
+          <p:nvPr/>
+        </p:nvPicPr>
+        <p:blipFill rotWithShape="1">
+          <a:blip r:embed="rId3"/>
+          <a:srcRect t="888" r="78762" b="32783"/>
+          <a:stretch/>
+        </p:blipFill>
+        <p:spPr>
+          <a:xfrm>
+            <a:off x="778280" y="2842954"/>
+            <a:ext cx="7019999" cy="1446414"/>
+          </a:xfrm>
+          <a:prstGeom prst="rect">
+            <a:avLst/>
+          </a:prstGeom>
+        </p:spPr>
+      </p:pic>
+    </p:spTree>
+    <p:extLst>
+      <p:ext uri="{BB962C8B-B14F-4D97-AF65-F5344CB8AC3E}">
+        <p14:creationId xmlns:p14="http://schemas.microsoft.com/office/powerpoint/2010/main" val="1492868580"/>
+      </p:ext>
+    </p:extLst>
+  </p:cSld>
+  <p:clrMapOvr>
+    <a:masterClrMapping/>
+  </p:clrMapOvr>
+  <p:timing>
+    <p:tnLst>
+      <p:par>
+        <p:cTn id="1" dur="indefinite" restart="never" nodeType="tmRoot"/>
+      </p:par>
+    </p:tnLst>
+  </p:timing>
+</p:sld>
+</file>
+
+<file path=ppt/slides/slide30.xml><?xml version="1.0" encoding="utf-8"?>
+<p:sld xmlns:a="http://schemas.openxmlformats.org/drawingml/2006/main" xmlns:r="http://schemas.openxmlformats.org/officeDocument/2006/relationships" xmlns:p="http://schemas.openxmlformats.org/presentationml/2006/main">
+  <p:cSld>
+    <p:spTree>
+      <p:nvGrpSpPr>
+        <p:cNvPr id="1" name=""/>
+        <p:cNvGrpSpPr/>
+        <p:nvPr/>
+      </p:nvGrpSpPr>
+      <p:grpSpPr>
+        <a:xfrm>
+          <a:off x="0" y="0"/>
+          <a:ext cx="0" cy="0"/>
+          <a:chOff x="0" y="0"/>
+          <a:chExt cx="0" cy="0"/>
+        </a:xfrm>
+      </p:grpSpPr>
+      <p:sp>
+        <p:nvSpPr>
+          <p:cNvPr id="2" name="タイトル 1"/>
+          <p:cNvSpPr>
+            <a:spLocks noGrp="1"/>
+          </p:cNvSpPr>
+          <p:nvPr>
+            <p:ph type="title"/>
+          </p:nvPr>
+        </p:nvSpPr>
+        <p:spPr/>
+        <p:txBody>
+          <a:bodyPr/>
+          <a:lstStyle/>
+          <a:p>
+            <a:r>
+              <a:rPr kumimoji="1" lang="en-US" altLang="zh-CN" dirty="0" smtClean="0"/>
+              <a:t>more </a:t>
+            </a:r>
+            <a:r>
+              <a:rPr kumimoji="1" lang="zh-CN" altLang="en-US" dirty="0" smtClean="0"/>
+              <a:t>命令</a:t>
+            </a:r>
+            <a:endParaRPr kumimoji="1" lang="ja-JP" altLang="en-US" dirty="0"/>
+          </a:p>
+        </p:txBody>
+      </p:sp>
+      <p:sp>
+        <p:nvSpPr>
+          <p:cNvPr id="3" name="コンテンツ プレースホルダー 2"/>
+          <p:cNvSpPr>
+            <a:spLocks noGrp="1"/>
+          </p:cNvSpPr>
+          <p:nvPr>
+            <p:ph idx="1"/>
+          </p:nvPr>
+        </p:nvSpPr>
+        <p:spPr/>
+        <p:txBody>
+          <a:bodyPr/>
+          <a:lstStyle/>
+          <a:p>
+            <a:endParaRPr lang="en-US" altLang="ja-JP" dirty="0" smtClean="0"/>
+          </a:p>
+          <a:p>
+            <a:endParaRPr kumimoji="1" lang="ja-JP" altLang="en-US" dirty="0"/>
+          </a:p>
+        </p:txBody>
+      </p:sp>
+      <p:pic>
+        <p:nvPicPr>
+          <p:cNvPr id="5" name="図 4"/>
+          <p:cNvPicPr>
+            <a:picLocks noChangeAspect="1"/>
+          </p:cNvPicPr>
+          <p:nvPr/>
+        </p:nvPicPr>
+        <p:blipFill>
+          <a:blip r:embed="rId3"/>
+          <a:stretch>
+            <a:fillRect/>
+          </a:stretch>
+        </p:blipFill>
+        <p:spPr>
+          <a:xfrm>
+            <a:off x="772390" y="2062248"/>
+            <a:ext cx="7285972" cy="423603"/>
+          </a:xfrm>
+          <a:prstGeom prst="rect">
+            <a:avLst/>
+          </a:prstGeom>
+        </p:spPr>
+      </p:pic>
+      <p:pic>
+        <p:nvPicPr>
+          <p:cNvPr id="4" name="図 3"/>
+          <p:cNvPicPr>
+            <a:picLocks noChangeAspect="1"/>
+          </p:cNvPicPr>
+          <p:nvPr/>
+        </p:nvPicPr>
+        <p:blipFill rotWithShape="1">
+          <a:blip r:embed="rId4"/>
+          <a:srcRect r="3583" b="-17238"/>
+          <a:stretch/>
+        </p:blipFill>
+        <p:spPr>
+          <a:xfrm>
+            <a:off x="772391" y="2722474"/>
+            <a:ext cx="7285971" cy="397673"/>
+          </a:xfrm>
+          <a:prstGeom prst="rect">
+            <a:avLst/>
+          </a:prstGeom>
+        </p:spPr>
+      </p:pic>
+    </p:spTree>
+    <p:extLst>
+      <p:ext uri="{BB962C8B-B14F-4D97-AF65-F5344CB8AC3E}">
+        <p14:creationId xmlns:p14="http://schemas.microsoft.com/office/powerpoint/2010/main" val="1754701135"/>
+      </p:ext>
+    </p:extLst>
+  </p:cSld>
+  <p:clrMapOvr>
+    <a:masterClrMapping/>
+  </p:clrMapOvr>
+  <p:timing>
+    <p:tnLst>
+      <p:par>
+        <p:cTn id="1" dur="indefinite" restart="never" nodeType="tmRoot"/>
+      </p:par>
+    </p:tnLst>
+  </p:timing>
+</p:sld>
+</file>
+
+<file path=ppt/slides/slide31.xml><?xml version="1.0" encoding="utf-8"?>
+<p:sld xmlns:a="http://schemas.openxmlformats.org/drawingml/2006/main" xmlns:r="http://schemas.openxmlformats.org/officeDocument/2006/relationships" xmlns:p="http://schemas.openxmlformats.org/presentationml/2006/main">
+  <p:cSld>
+    <p:spTree>
+      <p:nvGrpSpPr>
+        <p:cNvPr id="1" name=""/>
+        <p:cNvGrpSpPr/>
+        <p:nvPr/>
+      </p:nvGrpSpPr>
+      <p:grpSpPr>
+        <a:xfrm>
+          <a:off x="0" y="0"/>
+          <a:ext cx="0" cy="0"/>
+          <a:chOff x="0" y="0"/>
+          <a:chExt cx="0" cy="0"/>
+        </a:xfrm>
+      </p:grpSpPr>
+      <p:sp>
+        <p:nvSpPr>
+          <p:cNvPr id="2" name="タイトル 1"/>
+          <p:cNvSpPr>
+            <a:spLocks noGrp="1"/>
+          </p:cNvSpPr>
+          <p:nvPr>
+            <p:ph type="title"/>
+          </p:nvPr>
+        </p:nvSpPr>
+        <p:spPr/>
+        <p:txBody>
+          <a:bodyPr/>
+          <a:lstStyle/>
+          <a:p>
+            <a:r>
+              <a:rPr kumimoji="1" lang="en-US" altLang="zh-CN" dirty="0" smtClean="0"/>
+              <a:t>|  </a:t>
+            </a:r>
+            <a:r>
+              <a:rPr kumimoji="1" lang="zh-CN" altLang="en-US" dirty="0" smtClean="0"/>
+              <a:t>管道</a:t>
+            </a:r>
+            <a:endParaRPr kumimoji="1" lang="ja-JP" altLang="en-US" dirty="0"/>
+          </a:p>
+        </p:txBody>
+      </p:sp>
+      <p:sp>
+        <p:nvSpPr>
+          <p:cNvPr id="3" name="コンテンツ プレースホルダー 2"/>
+          <p:cNvSpPr>
+            <a:spLocks noGrp="1"/>
+          </p:cNvSpPr>
+          <p:nvPr>
+            <p:ph idx="1"/>
+          </p:nvPr>
+        </p:nvSpPr>
+        <p:spPr/>
+        <p:txBody>
+          <a:bodyPr/>
+          <a:lstStyle/>
+          <a:p>
+            <a:endParaRPr lang="en-US" altLang="ja-JP" dirty="0" smtClean="0"/>
+          </a:p>
+          <a:p>
+            <a:r>
+              <a:rPr kumimoji="1" lang="en-US" altLang="zh-CN" dirty="0" smtClean="0"/>
+              <a:t>Command1 | Command2</a:t>
+            </a:r>
+            <a:endParaRPr kumimoji="1" lang="ja-JP" altLang="en-US" dirty="0"/>
+          </a:p>
+        </p:txBody>
+      </p:sp>
+      <p:pic>
+        <p:nvPicPr>
+          <p:cNvPr id="4" name="図 3"/>
+          <p:cNvPicPr>
+            <a:picLocks noChangeAspect="1"/>
+          </p:cNvPicPr>
+          <p:nvPr/>
+        </p:nvPicPr>
+        <p:blipFill rotWithShape="1">
+          <a:blip r:embed="rId3"/>
+          <a:srcRect r="3583" b="-17238"/>
+          <a:stretch/>
+        </p:blipFill>
+        <p:spPr>
+          <a:xfrm>
+            <a:off x="772391" y="2921310"/>
+            <a:ext cx="7818669" cy="426748"/>
+          </a:xfrm>
+          <a:prstGeom prst="rect">
+            <a:avLst/>
+          </a:prstGeom>
+        </p:spPr>
+      </p:pic>
+      <p:pic>
+        <p:nvPicPr>
+          <p:cNvPr id="6" name="図 5"/>
+          <p:cNvPicPr>
+            <a:picLocks noChangeAspect="1"/>
+          </p:cNvPicPr>
+          <p:nvPr/>
+        </p:nvPicPr>
+        <p:blipFill>
+          <a:blip r:embed="rId4"/>
+          <a:stretch>
+            <a:fillRect/>
+          </a:stretch>
+        </p:blipFill>
+        <p:spPr>
+          <a:xfrm>
+            <a:off x="772390" y="3482993"/>
+            <a:ext cx="7818669" cy="411509"/>
+          </a:xfrm>
+          <a:prstGeom prst="rect">
+            <a:avLst/>
+          </a:prstGeom>
+        </p:spPr>
+      </p:pic>
+    </p:spTree>
+    <p:extLst>
+      <p:ext uri="{BB962C8B-B14F-4D97-AF65-F5344CB8AC3E}">
+        <p14:creationId xmlns:p14="http://schemas.microsoft.com/office/powerpoint/2010/main" val="3014222099"/>
+      </p:ext>
+    </p:extLst>
+  </p:cSld>
+  <p:clrMapOvr>
+    <a:masterClrMapping/>
+  </p:clrMapOvr>
+  <p:timing>
+    <p:tnLst>
+      <p:par>
+        <p:cTn id="1" dur="indefinite" restart="never" nodeType="tmRoot"/>
+      </p:par>
+    </p:tnLst>
+  </p:timing>
+</p:sld>
+</file>
+
+<file path=ppt/slides/slide32.xml><?xml version="1.0" encoding="utf-8"?>
+<p:sld xmlns:a="http://schemas.openxmlformats.org/drawingml/2006/main" xmlns:r="http://schemas.openxmlformats.org/officeDocument/2006/relationships" xmlns:p="http://schemas.openxmlformats.org/presentationml/2006/main">
+  <p:cSld>
+    <p:spTree>
+      <p:nvGrpSpPr>
+        <p:cNvPr id="1" name=""/>
+        <p:cNvGrpSpPr/>
+        <p:nvPr/>
+      </p:nvGrpSpPr>
+      <p:grpSpPr>
+        <a:xfrm>
+          <a:off x="0" y="0"/>
+          <a:ext cx="0" cy="0"/>
+          <a:chOff x="0" y="0"/>
+          <a:chExt cx="0" cy="0"/>
+        </a:xfrm>
+      </p:grpSpPr>
+      <p:sp>
+        <p:nvSpPr>
+          <p:cNvPr id="2" name="タイトル 1"/>
+          <p:cNvSpPr>
+            <a:spLocks noGrp="1"/>
+          </p:cNvSpPr>
+          <p:nvPr>
+            <p:ph type="title"/>
+          </p:nvPr>
+        </p:nvSpPr>
+        <p:spPr/>
+        <p:txBody>
+          <a:bodyPr/>
+          <a:lstStyle/>
+          <a:p>
+            <a:r>
               <a:rPr kumimoji="1" lang="en-US" altLang="zh-CN" dirty="0" err="1" smtClean="0"/>
               <a:t>awk</a:t>
             </a:r>
             <a:r>
               <a:rPr kumimoji="1" lang="zh-CN" altLang="en-US" dirty="0" smtClean="0"/>
               <a:t>命令</a:t>
+            </a:r>
+            <a:r>
+              <a:rPr kumimoji="1" lang="en-US" altLang="zh-CN" dirty="0" smtClean="0"/>
+              <a:t>(1)</a:t>
+            </a:r>
+            <a:endParaRPr kumimoji="1" lang="ja-JP" altLang="en-US" dirty="0"/>
+          </a:p>
+        </p:txBody>
+      </p:sp>
+      <p:sp>
+        <p:nvSpPr>
+          <p:cNvPr id="3" name="コンテンツ プレースホルダー 2"/>
+          <p:cNvSpPr>
+            <a:spLocks noGrp="1"/>
+          </p:cNvSpPr>
+          <p:nvPr>
+            <p:ph idx="1"/>
+          </p:nvPr>
+        </p:nvSpPr>
+        <p:spPr/>
+        <p:txBody>
+          <a:bodyPr/>
+          <a:lstStyle/>
+          <a:p>
+            <a:r>
+              <a:rPr lang="zh-CN" altLang="en-US" dirty="0" smtClean="0"/>
+              <a:t>文件数据格式化</a:t>
+            </a:r>
+            <a:endParaRPr lang="en-US" altLang="zh-CN" dirty="0" smtClean="0"/>
+          </a:p>
+          <a:p>
+            <a:endParaRPr lang="en-US" altLang="ja-JP" dirty="0" smtClean="0"/>
+          </a:p>
+          <a:p>
+            <a:endParaRPr kumimoji="1" lang="ja-JP" altLang="en-US" dirty="0"/>
+          </a:p>
+        </p:txBody>
+      </p:sp>
+      <p:pic>
+        <p:nvPicPr>
+          <p:cNvPr id="4" name="図 3"/>
+          <p:cNvPicPr>
+            <a:picLocks noChangeAspect="1"/>
+          </p:cNvPicPr>
+          <p:nvPr/>
+        </p:nvPicPr>
+        <p:blipFill>
+          <a:blip r:embed="rId3"/>
+          <a:stretch>
+            <a:fillRect/>
+          </a:stretch>
+        </p:blipFill>
+        <p:spPr>
+          <a:xfrm>
+            <a:off x="876299" y="2383588"/>
+            <a:ext cx="8004303" cy="639519"/>
+          </a:xfrm>
+          <a:prstGeom prst="rect">
+            <a:avLst/>
+          </a:prstGeom>
+        </p:spPr>
+      </p:pic>
+      <p:pic>
+        <p:nvPicPr>
+          <p:cNvPr id="5" name="図 4"/>
+          <p:cNvPicPr>
+            <a:picLocks noChangeAspect="1"/>
+          </p:cNvPicPr>
+          <p:nvPr/>
+        </p:nvPicPr>
+        <p:blipFill>
+          <a:blip r:embed="rId4">
+            <a:extLst>
+              <a:ext uri="{28A0092B-C50C-407E-A947-70E740481C1C}">
+                <a14:useLocalDpi xmlns:a14="http://schemas.microsoft.com/office/drawing/2010/main" val="0"/>
+              </a:ext>
+            </a:extLst>
+          </a:blip>
+          <a:stretch>
+            <a:fillRect/>
+          </a:stretch>
+        </p:blipFill>
+        <p:spPr>
+          <a:xfrm>
+            <a:off x="876299" y="3309730"/>
+            <a:ext cx="8004303" cy="341336"/>
+          </a:xfrm>
+          <a:prstGeom prst="rect">
+            <a:avLst/>
+          </a:prstGeom>
+        </p:spPr>
+      </p:pic>
+      <p:pic>
+        <p:nvPicPr>
+          <p:cNvPr id="6" name="図 5"/>
+          <p:cNvPicPr>
+            <a:picLocks noChangeAspect="1"/>
+          </p:cNvPicPr>
+          <p:nvPr/>
+        </p:nvPicPr>
+        <p:blipFill>
+          <a:blip r:embed="rId5"/>
+          <a:stretch>
+            <a:fillRect/>
+          </a:stretch>
+        </p:blipFill>
+        <p:spPr>
+          <a:xfrm>
+            <a:off x="876299" y="3937689"/>
+            <a:ext cx="8004303" cy="338210"/>
+          </a:xfrm>
+          <a:prstGeom prst="rect">
+            <a:avLst/>
+          </a:prstGeom>
+        </p:spPr>
+      </p:pic>
+      <p:pic>
+        <p:nvPicPr>
+          <p:cNvPr id="7" name="図 6"/>
+          <p:cNvPicPr>
+            <a:picLocks noChangeAspect="1"/>
+          </p:cNvPicPr>
+          <p:nvPr/>
+        </p:nvPicPr>
+        <p:blipFill>
+          <a:blip r:embed="rId6"/>
+          <a:stretch>
+            <a:fillRect/>
+          </a:stretch>
+        </p:blipFill>
+        <p:spPr>
+          <a:xfrm>
+            <a:off x="876298" y="4562522"/>
+            <a:ext cx="8004304" cy="287007"/>
+          </a:xfrm>
+          <a:prstGeom prst="rect">
+            <a:avLst/>
+          </a:prstGeom>
+        </p:spPr>
+      </p:pic>
+      <p:pic>
+        <p:nvPicPr>
+          <p:cNvPr id="9" name="図 8"/>
+          <p:cNvPicPr>
+            <a:picLocks noChangeAspect="1"/>
+          </p:cNvPicPr>
+          <p:nvPr/>
+        </p:nvPicPr>
+        <p:blipFill>
+          <a:blip r:embed="rId7"/>
+          <a:stretch>
+            <a:fillRect/>
+          </a:stretch>
+        </p:blipFill>
+        <p:spPr>
+          <a:xfrm>
+            <a:off x="876299" y="5136152"/>
+            <a:ext cx="8004304" cy="274957"/>
+          </a:xfrm>
+          <a:prstGeom prst="rect">
+            <a:avLst/>
+          </a:prstGeom>
+        </p:spPr>
+      </p:pic>
+      <p:pic>
+        <p:nvPicPr>
+          <p:cNvPr id="10" name="図 9"/>
+          <p:cNvPicPr>
+            <a:picLocks noChangeAspect="1"/>
+          </p:cNvPicPr>
+          <p:nvPr/>
+        </p:nvPicPr>
+        <p:blipFill>
+          <a:blip r:embed="rId8"/>
+          <a:stretch>
+            <a:fillRect/>
+          </a:stretch>
+        </p:blipFill>
+        <p:spPr>
+          <a:xfrm>
+            <a:off x="876299" y="5637989"/>
+            <a:ext cx="8004306" cy="312094"/>
+          </a:xfrm>
+          <a:prstGeom prst="rect">
+            <a:avLst/>
+          </a:prstGeom>
+        </p:spPr>
+      </p:pic>
+    </p:spTree>
+    <p:extLst>
+      <p:ext uri="{BB962C8B-B14F-4D97-AF65-F5344CB8AC3E}">
+        <p14:creationId xmlns:p14="http://schemas.microsoft.com/office/powerpoint/2010/main" val="3134206466"/>
+      </p:ext>
+    </p:extLst>
+  </p:cSld>
+  <p:clrMapOvr>
+    <a:masterClrMapping/>
+  </p:clrMapOvr>
+  <p:timing>
+    <p:tnLst>
+      <p:par>
+        <p:cTn id="1" dur="indefinite" restart="never" nodeType="tmRoot"/>
+      </p:par>
+    </p:tnLst>
+  </p:timing>
+</p:sld>
+</file>
+
+<file path=ppt/slides/slide33.xml><?xml version="1.0" encoding="utf-8"?>
+<p:sld xmlns:a="http://schemas.openxmlformats.org/drawingml/2006/main" xmlns:r="http://schemas.openxmlformats.org/officeDocument/2006/relationships" xmlns:p="http://schemas.openxmlformats.org/presentationml/2006/main">
+  <p:cSld>
+    <p:spTree>
+      <p:nvGrpSpPr>
+        <p:cNvPr id="1" name=""/>
+        <p:cNvGrpSpPr/>
+        <p:nvPr/>
+      </p:nvGrpSpPr>
+      <p:grpSpPr>
+        <a:xfrm>
+          <a:off x="0" y="0"/>
+          <a:ext cx="0" cy="0"/>
+          <a:chOff x="0" y="0"/>
+          <a:chExt cx="0" cy="0"/>
+        </a:xfrm>
+      </p:grpSpPr>
+      <p:sp>
+        <p:nvSpPr>
+          <p:cNvPr id="2" name="タイトル 1"/>
+          <p:cNvSpPr>
+            <a:spLocks noGrp="1"/>
+          </p:cNvSpPr>
+          <p:nvPr>
+            <p:ph type="title"/>
+          </p:nvPr>
+        </p:nvSpPr>
+        <p:spPr/>
+        <p:txBody>
+          <a:bodyPr/>
+          <a:lstStyle/>
+          <a:p>
+            <a:r>
+              <a:rPr kumimoji="1" lang="en-US" altLang="zh-CN" dirty="0" err="1" smtClean="0"/>
+              <a:t>awk</a:t>
+            </a:r>
+            <a:r>
+              <a:rPr kumimoji="1" lang="zh-CN" altLang="en-US" dirty="0" smtClean="0"/>
+              <a:t>命令</a:t>
+            </a:r>
+            <a:r>
+              <a:rPr kumimoji="1" lang="en-US" altLang="zh-CN" dirty="0" smtClean="0"/>
+              <a:t>(2)</a:t>
             </a:r>
             <a:endParaRPr kumimoji="1" lang="ja-JP" altLang="en-US" dirty="0"/>
           </a:p>
@@ -7232,7 +10259,7 @@
 </p:sld>
 </file>
 
-<file path=ppt/slides/slide24.xml><?xml version="1.0" encoding="utf-8"?>
+<file path=ppt/slides/slide34.xml><?xml version="1.0" encoding="utf-8"?>
 <p:sld xmlns:a="http://schemas.openxmlformats.org/drawingml/2006/main" xmlns:r="http://schemas.openxmlformats.org/officeDocument/2006/relationships" xmlns:p="http://schemas.openxmlformats.org/presentationml/2006/main">
   <p:cSld>
     <p:spTree>
@@ -7342,7 +10369,7 @@
 </p:sld>
 </file>
 
-<file path=ppt/slides/slide25.xml><?xml version="1.0" encoding="utf-8"?>
+<file path=ppt/slides/slide35.xml><?xml version="1.0" encoding="utf-8"?>
 <p:sld xmlns:a="http://schemas.openxmlformats.org/drawingml/2006/main" xmlns:r="http://schemas.openxmlformats.org/officeDocument/2006/relationships" xmlns:p="http://schemas.openxmlformats.org/presentationml/2006/main">
   <p:cSld>
     <p:spTree>
@@ -7532,7 +10559,7 @@
 </p:sld>
 </file>
 
-<file path=ppt/slides/slide26.xml><?xml version="1.0" encoding="utf-8"?>
+<file path=ppt/slides/slide36.xml><?xml version="1.0" encoding="utf-8"?>
 <p:sld xmlns:a="http://schemas.openxmlformats.org/drawingml/2006/main" xmlns:r="http://schemas.openxmlformats.org/officeDocument/2006/relationships" xmlns:p="http://schemas.openxmlformats.org/presentationml/2006/main">
   <p:cSld>
     <p:spTree>
@@ -7642,7 +10669,7 @@
 </p:sld>
 </file>
 
-<file path=ppt/slides/slide27.xml><?xml version="1.0" encoding="utf-8"?>
+<file path=ppt/slides/slide37.xml><?xml version="1.0" encoding="utf-8"?>
 <p:sld xmlns:a="http://schemas.openxmlformats.org/drawingml/2006/main" xmlns:r="http://schemas.openxmlformats.org/officeDocument/2006/relationships" xmlns:p="http://schemas.openxmlformats.org/presentationml/2006/main">
   <p:cSld>
     <p:spTree>
@@ -7762,7 +10789,7 @@
 </p:sld>
 </file>
 
-<file path=ppt/slides/slide28.xml><?xml version="1.0" encoding="utf-8"?>
+<file path=ppt/slides/slide38.xml><?xml version="1.0" encoding="utf-8"?>
 <p:sld xmlns:a="http://schemas.openxmlformats.org/drawingml/2006/main" xmlns:r="http://schemas.openxmlformats.org/officeDocument/2006/relationships" xmlns:p="http://schemas.openxmlformats.org/presentationml/2006/main">
   <p:cSld>
     <p:spTree>
@@ -7862,145 +10889,6 @@
     <p:extLst>
       <p:ext uri="{BB962C8B-B14F-4D97-AF65-F5344CB8AC3E}">
         <p14:creationId xmlns:p14="http://schemas.microsoft.com/office/powerpoint/2010/main" val="44522523"/>
-      </p:ext>
-    </p:extLst>
-  </p:cSld>
-  <p:clrMapOvr>
-    <a:masterClrMapping/>
-  </p:clrMapOvr>
-  <p:timing>
-    <p:tnLst>
-      <p:par>
-        <p:cTn id="1" dur="indefinite" restart="never" nodeType="tmRoot"/>
-      </p:par>
-    </p:tnLst>
-  </p:timing>
-</p:sld>
-</file>
-
-<file path=ppt/slides/slide3.xml><?xml version="1.0" encoding="utf-8"?>
-<p:sld xmlns:a="http://schemas.openxmlformats.org/drawingml/2006/main" xmlns:r="http://schemas.openxmlformats.org/officeDocument/2006/relationships" xmlns:p="http://schemas.openxmlformats.org/presentationml/2006/main">
-  <p:cSld>
-    <p:spTree>
-      <p:nvGrpSpPr>
-        <p:cNvPr id="1" name=""/>
-        <p:cNvGrpSpPr/>
-        <p:nvPr/>
-      </p:nvGrpSpPr>
-      <p:grpSpPr>
-        <a:xfrm>
-          <a:off x="0" y="0"/>
-          <a:ext cx="0" cy="0"/>
-          <a:chOff x="0" y="0"/>
-          <a:chExt cx="0" cy="0"/>
-        </a:xfrm>
-      </p:grpSpPr>
-      <p:sp>
-        <p:nvSpPr>
-          <p:cNvPr id="2" name="タイトル 1"/>
-          <p:cNvSpPr>
-            <a:spLocks noGrp="1"/>
-          </p:cNvSpPr>
-          <p:nvPr>
-            <p:ph type="title"/>
-          </p:nvPr>
-        </p:nvSpPr>
-        <p:spPr/>
-        <p:txBody>
-          <a:bodyPr/>
-          <a:lstStyle/>
-          <a:p>
-            <a:r>
-              <a:rPr kumimoji="1" lang="en-US" altLang="zh-CN" dirty="0" err="1" smtClean="0"/>
-              <a:t>whoami</a:t>
-            </a:r>
-            <a:r>
-              <a:rPr kumimoji="1" lang="en-US" altLang="zh-CN" dirty="0" smtClean="0"/>
-              <a:t> </a:t>
-            </a:r>
-            <a:r>
-              <a:rPr kumimoji="1" lang="zh-CN" altLang="en-US" dirty="0" smtClean="0"/>
-              <a:t>命令</a:t>
-            </a:r>
-            <a:endParaRPr kumimoji="1" lang="ja-JP" altLang="en-US" dirty="0"/>
-          </a:p>
-        </p:txBody>
-      </p:sp>
-      <p:sp>
-        <p:nvSpPr>
-          <p:cNvPr id="3" name="コンテンツ プレースホルダー 2"/>
-          <p:cNvSpPr>
-            <a:spLocks noGrp="1"/>
-          </p:cNvSpPr>
-          <p:nvPr>
-            <p:ph idx="1"/>
-          </p:nvPr>
-        </p:nvSpPr>
-        <p:spPr/>
-        <p:txBody>
-          <a:bodyPr/>
-          <a:lstStyle/>
-          <a:p>
-            <a:r>
-              <a:rPr kumimoji="1" lang="en-US" altLang="zh-CN" dirty="0" err="1"/>
-              <a:t>w</a:t>
-            </a:r>
-            <a:r>
-              <a:rPr kumimoji="1" lang="en-US" altLang="zh-CN" dirty="0" err="1" smtClean="0"/>
-              <a:t>hoami</a:t>
-            </a:r>
-            <a:r>
-              <a:rPr kumimoji="1" lang="en-US" altLang="zh-CN" dirty="0" smtClean="0"/>
-              <a:t> = who am </a:t>
-            </a:r>
-            <a:r>
-              <a:rPr kumimoji="1" lang="en-US" altLang="zh-CN" dirty="0" err="1" smtClean="0"/>
-              <a:t>i</a:t>
-            </a:r>
-            <a:endParaRPr kumimoji="1" lang="en-US" altLang="zh-CN" dirty="0" smtClean="0"/>
-          </a:p>
-          <a:p>
-            <a:r>
-              <a:rPr kumimoji="1" lang="zh-CN" altLang="en-US" dirty="0" smtClean="0"/>
-              <a:t>我是谁</a:t>
-            </a:r>
-            <a:endParaRPr kumimoji="1" lang="en-US" altLang="zh-CN" dirty="0" smtClean="0"/>
-          </a:p>
-          <a:p>
-            <a:endParaRPr kumimoji="1" lang="en-US" altLang="zh-CN" dirty="0" smtClean="0"/>
-          </a:p>
-          <a:p>
-            <a:endParaRPr kumimoji="1" lang="en-US" altLang="zh-CN" dirty="0" smtClean="0"/>
-          </a:p>
-        </p:txBody>
-      </p:sp>
-      <p:pic>
-        <p:nvPicPr>
-          <p:cNvPr id="6" name="図 5"/>
-          <p:cNvPicPr>
-            <a:picLocks noChangeAspect="1"/>
-          </p:cNvPicPr>
-          <p:nvPr/>
-        </p:nvPicPr>
-        <p:blipFill rotWithShape="1">
-          <a:blip r:embed="rId3"/>
-          <a:srcRect t="-4449" r="75729"/>
-          <a:stretch/>
-        </p:blipFill>
-        <p:spPr>
-          <a:xfrm>
-            <a:off x="778280" y="2726573"/>
-            <a:ext cx="8022506" cy="2277687"/>
-          </a:xfrm>
-          <a:prstGeom prst="rect">
-            <a:avLst/>
-          </a:prstGeom>
-        </p:spPr>
-      </p:pic>
-    </p:spTree>
-    <p:extLst>
-      <p:ext uri="{BB962C8B-B14F-4D97-AF65-F5344CB8AC3E}">
-        <p14:creationId xmlns:p14="http://schemas.microsoft.com/office/powerpoint/2010/main" val="1492868580"/>
       </p:ext>
     </p:extLst>
   </p:cSld>
@@ -8097,13 +10985,13 @@
         </p:nvPicPr>
         <p:blipFill rotWithShape="1">
           <a:blip r:embed="rId3"/>
-          <a:srcRect l="1" r="63551" b="17154"/>
+          <a:srcRect l="1" r="65856" b="17154"/>
           <a:stretch/>
         </p:blipFill>
         <p:spPr>
           <a:xfrm>
-            <a:off x="1027661" y="2391443"/>
-            <a:ext cx="7835609" cy="1896640"/>
+            <a:off x="1027662" y="2391443"/>
+            <a:ext cx="7339962" cy="1896640"/>
           </a:xfrm>
           <a:prstGeom prst="rect">
             <a:avLst/>
@@ -8338,8 +11226,8 @@
         </p:blipFill>
         <p:spPr>
           <a:xfrm>
-            <a:off x="1027661" y="5019790"/>
-            <a:ext cx="7176752" cy="1292109"/>
+            <a:off x="1027660" y="5019790"/>
+            <a:ext cx="7339963" cy="1321494"/>
           </a:xfrm>
           <a:prstGeom prst="rect">
             <a:avLst/>
@@ -8367,6 +11255,820 @@
 </file>
 
 <file path=ppt/slides/slide5.xml><?xml version="1.0" encoding="utf-8"?>
+<p:sld xmlns:a="http://schemas.openxmlformats.org/drawingml/2006/main" xmlns:r="http://schemas.openxmlformats.org/officeDocument/2006/relationships" xmlns:p="http://schemas.openxmlformats.org/presentationml/2006/main">
+  <p:cSld>
+    <p:spTree>
+      <p:nvGrpSpPr>
+        <p:cNvPr id="1" name=""/>
+        <p:cNvGrpSpPr/>
+        <p:nvPr/>
+      </p:nvGrpSpPr>
+      <p:grpSpPr>
+        <a:xfrm>
+          <a:off x="0" y="0"/>
+          <a:ext cx="0" cy="0"/>
+          <a:chOff x="0" y="0"/>
+          <a:chExt cx="0" cy="0"/>
+        </a:xfrm>
+      </p:grpSpPr>
+      <p:sp>
+        <p:nvSpPr>
+          <p:cNvPr id="2" name="タイトル 1"/>
+          <p:cNvSpPr>
+            <a:spLocks noGrp="1"/>
+          </p:cNvSpPr>
+          <p:nvPr>
+            <p:ph type="title"/>
+          </p:nvPr>
+        </p:nvSpPr>
+        <p:spPr/>
+        <p:txBody>
+          <a:bodyPr/>
+          <a:lstStyle/>
+          <a:p>
+            <a:r>
+              <a:rPr kumimoji="1" lang="en-US" altLang="zh-CN" dirty="0"/>
+              <a:t>date</a:t>
+            </a:r>
+            <a:r>
+              <a:rPr kumimoji="1" lang="en-US" altLang="zh-CN" dirty="0" smtClean="0"/>
+              <a:t> </a:t>
+            </a:r>
+            <a:r>
+              <a:rPr kumimoji="1" lang="zh-CN" altLang="en-US" dirty="0" smtClean="0"/>
+              <a:t>命令</a:t>
+            </a:r>
+            <a:endParaRPr kumimoji="1" lang="ja-JP" altLang="en-US" dirty="0"/>
+          </a:p>
+        </p:txBody>
+      </p:sp>
+      <p:sp>
+        <p:nvSpPr>
+          <p:cNvPr id="3" name="コンテンツ プレースホルダー 2"/>
+          <p:cNvSpPr>
+            <a:spLocks noGrp="1"/>
+          </p:cNvSpPr>
+          <p:nvPr>
+            <p:ph idx="1"/>
+          </p:nvPr>
+        </p:nvSpPr>
+        <p:spPr>
+          <a:xfrm>
+            <a:off x="628650" y="1326866"/>
+            <a:ext cx="7886700" cy="4351338"/>
+          </a:xfrm>
+        </p:spPr>
+        <p:txBody>
+          <a:bodyPr/>
+          <a:lstStyle/>
+          <a:p>
+            <a:endParaRPr kumimoji="1" lang="en-US" altLang="zh-CN" dirty="0" smtClean="0"/>
+          </a:p>
+          <a:p>
+            <a:endParaRPr kumimoji="1" lang="en-US" altLang="zh-CN" dirty="0" smtClean="0"/>
+          </a:p>
+        </p:txBody>
+      </p:sp>
+      <p:sp>
+        <p:nvSpPr>
+          <p:cNvPr id="7" name="コンテンツ プレースホルダー 2"/>
+          <p:cNvSpPr txBox="1">
+            <a:spLocks/>
+          </p:cNvSpPr>
+          <p:nvPr/>
+        </p:nvSpPr>
+        <p:spPr>
+          <a:xfrm>
+            <a:off x="781050" y="1479265"/>
+            <a:ext cx="8030442" cy="5752807"/>
+          </a:xfrm>
+          <a:prstGeom prst="rect">
+            <a:avLst/>
+          </a:prstGeom>
+        </p:spPr>
+        <p:txBody>
+          <a:bodyPr vert="horz" lIns="91440" tIns="45720" rIns="91440" bIns="45720" rtlCol="0">
+            <a:normAutofit/>
+          </a:bodyPr>
+          <a:lstStyle>
+            <a:lvl1pPr marL="228600" indent="-228600" algn="l" defTabSz="914400" rtl="0" eaLnBrk="1" latinLnBrk="0" hangingPunct="1">
+              <a:lnSpc>
+                <a:spcPct val="90000"/>
+              </a:lnSpc>
+              <a:spcBef>
+                <a:spcPts val="1000"/>
+              </a:spcBef>
+              <a:buFont typeface="Arial" panose="020B0604020202020204" pitchFamily="34" charset="0"/>
+              <a:buChar char="•"/>
+              <a:defRPr sz="2800" kern="1200">
+                <a:solidFill>
+                  <a:schemeClr val="tx1"/>
+                </a:solidFill>
+                <a:latin typeface="+mn-lt"/>
+                <a:ea typeface="+mn-ea"/>
+                <a:cs typeface="+mn-cs"/>
+              </a:defRPr>
+            </a:lvl1pPr>
+            <a:lvl2pPr marL="685800" indent="-228600" algn="l" defTabSz="914400" rtl="0" eaLnBrk="1" latinLnBrk="0" hangingPunct="1">
+              <a:lnSpc>
+                <a:spcPct val="90000"/>
+              </a:lnSpc>
+              <a:spcBef>
+                <a:spcPts val="500"/>
+              </a:spcBef>
+              <a:buFont typeface="Arial" panose="020B0604020202020204" pitchFamily="34" charset="0"/>
+              <a:buChar char="•"/>
+              <a:defRPr sz="2400" kern="1200">
+                <a:solidFill>
+                  <a:schemeClr val="tx1"/>
+                </a:solidFill>
+                <a:latin typeface="+mn-lt"/>
+                <a:ea typeface="+mn-ea"/>
+                <a:cs typeface="+mn-cs"/>
+              </a:defRPr>
+            </a:lvl2pPr>
+            <a:lvl3pPr marL="1143000" indent="-228600" algn="l" defTabSz="914400" rtl="0" eaLnBrk="1" latinLnBrk="0" hangingPunct="1">
+              <a:lnSpc>
+                <a:spcPct val="90000"/>
+              </a:lnSpc>
+              <a:spcBef>
+                <a:spcPts val="500"/>
+              </a:spcBef>
+              <a:buFont typeface="Arial" panose="020B0604020202020204" pitchFamily="34" charset="0"/>
+              <a:buChar char="•"/>
+              <a:defRPr sz="2000" kern="1200">
+                <a:solidFill>
+                  <a:schemeClr val="tx1"/>
+                </a:solidFill>
+                <a:latin typeface="+mn-lt"/>
+                <a:ea typeface="+mn-ea"/>
+                <a:cs typeface="+mn-cs"/>
+              </a:defRPr>
+            </a:lvl3pPr>
+            <a:lvl4pPr marL="1600200" indent="-228600" algn="l" defTabSz="914400" rtl="0" eaLnBrk="1" latinLnBrk="0" hangingPunct="1">
+              <a:lnSpc>
+                <a:spcPct val="90000"/>
+              </a:lnSpc>
+              <a:spcBef>
+                <a:spcPts val="500"/>
+              </a:spcBef>
+              <a:buFont typeface="Arial" panose="020B0604020202020204" pitchFamily="34" charset="0"/>
+              <a:buChar char="•"/>
+              <a:defRPr sz="1800" kern="1200">
+                <a:solidFill>
+                  <a:schemeClr val="tx1"/>
+                </a:solidFill>
+                <a:latin typeface="+mn-lt"/>
+                <a:ea typeface="+mn-ea"/>
+                <a:cs typeface="+mn-cs"/>
+              </a:defRPr>
+            </a:lvl4pPr>
+            <a:lvl5pPr marL="2057400" indent="-228600" algn="l" defTabSz="914400" rtl="0" eaLnBrk="1" latinLnBrk="0" hangingPunct="1">
+              <a:lnSpc>
+                <a:spcPct val="90000"/>
+              </a:lnSpc>
+              <a:spcBef>
+                <a:spcPts val="500"/>
+              </a:spcBef>
+              <a:buFont typeface="Arial" panose="020B0604020202020204" pitchFamily="34" charset="0"/>
+              <a:buChar char="•"/>
+              <a:defRPr sz="1800" kern="1200">
+                <a:solidFill>
+                  <a:schemeClr val="tx1"/>
+                </a:solidFill>
+                <a:latin typeface="+mn-lt"/>
+                <a:ea typeface="+mn-ea"/>
+                <a:cs typeface="+mn-cs"/>
+              </a:defRPr>
+            </a:lvl5pPr>
+            <a:lvl6pPr marL="2514600" indent="-228600" algn="l" defTabSz="914400" rtl="0" eaLnBrk="1" latinLnBrk="0" hangingPunct="1">
+              <a:lnSpc>
+                <a:spcPct val="90000"/>
+              </a:lnSpc>
+              <a:spcBef>
+                <a:spcPts val="500"/>
+              </a:spcBef>
+              <a:buFont typeface="Arial" panose="020B0604020202020204" pitchFamily="34" charset="0"/>
+              <a:buChar char="•"/>
+              <a:defRPr sz="1800" kern="1200">
+                <a:solidFill>
+                  <a:schemeClr val="tx1"/>
+                </a:solidFill>
+                <a:latin typeface="+mn-lt"/>
+                <a:ea typeface="+mn-ea"/>
+                <a:cs typeface="+mn-cs"/>
+              </a:defRPr>
+            </a:lvl6pPr>
+            <a:lvl7pPr marL="2971800" indent="-228600" algn="l" defTabSz="914400" rtl="0" eaLnBrk="1" latinLnBrk="0" hangingPunct="1">
+              <a:lnSpc>
+                <a:spcPct val="90000"/>
+              </a:lnSpc>
+              <a:spcBef>
+                <a:spcPts val="500"/>
+              </a:spcBef>
+              <a:buFont typeface="Arial" panose="020B0604020202020204" pitchFamily="34" charset="0"/>
+              <a:buChar char="•"/>
+              <a:defRPr sz="1800" kern="1200">
+                <a:solidFill>
+                  <a:schemeClr val="tx1"/>
+                </a:solidFill>
+                <a:latin typeface="+mn-lt"/>
+                <a:ea typeface="+mn-ea"/>
+                <a:cs typeface="+mn-cs"/>
+              </a:defRPr>
+            </a:lvl7pPr>
+            <a:lvl8pPr marL="3429000" indent="-228600" algn="l" defTabSz="914400" rtl="0" eaLnBrk="1" latinLnBrk="0" hangingPunct="1">
+              <a:lnSpc>
+                <a:spcPct val="90000"/>
+              </a:lnSpc>
+              <a:spcBef>
+                <a:spcPts val="500"/>
+              </a:spcBef>
+              <a:buFont typeface="Arial" panose="020B0604020202020204" pitchFamily="34" charset="0"/>
+              <a:buChar char="•"/>
+              <a:defRPr sz="1800" kern="1200">
+                <a:solidFill>
+                  <a:schemeClr val="tx1"/>
+                </a:solidFill>
+                <a:latin typeface="+mn-lt"/>
+                <a:ea typeface="+mn-ea"/>
+                <a:cs typeface="+mn-cs"/>
+              </a:defRPr>
+            </a:lvl8pPr>
+            <a:lvl9pPr marL="3886200" indent="-228600" algn="l" defTabSz="914400" rtl="0" eaLnBrk="1" latinLnBrk="0" hangingPunct="1">
+              <a:lnSpc>
+                <a:spcPct val="90000"/>
+              </a:lnSpc>
+              <a:spcBef>
+                <a:spcPts val="500"/>
+              </a:spcBef>
+              <a:buFont typeface="Arial" panose="020B0604020202020204" pitchFamily="34" charset="0"/>
+              <a:buChar char="•"/>
+              <a:defRPr sz="1800" kern="1200">
+                <a:solidFill>
+                  <a:schemeClr val="tx1"/>
+                </a:solidFill>
+                <a:latin typeface="+mn-lt"/>
+                <a:ea typeface="+mn-ea"/>
+                <a:cs typeface="+mn-cs"/>
+              </a:defRPr>
+            </a:lvl9pPr>
+          </a:lstStyle>
+          <a:p>
+            <a:r>
+              <a:rPr kumimoji="1" lang="zh-CN" altLang="en-US" dirty="0" smtClean="0"/>
+              <a:t>返回系统时间的命令</a:t>
+            </a:r>
+            <a:endParaRPr kumimoji="1" lang="en-US" altLang="zh-CN" dirty="0"/>
+          </a:p>
+          <a:p>
+            <a:endParaRPr kumimoji="1" lang="en-US" altLang="zh-CN" dirty="0" smtClean="0"/>
+          </a:p>
+          <a:p>
+            <a:pPr marL="0" indent="0">
+              <a:buNone/>
+            </a:pPr>
+            <a:endParaRPr kumimoji="1" lang="en-US" altLang="zh-CN" dirty="0" smtClean="0"/>
+          </a:p>
+          <a:p>
+            <a:r>
+              <a:rPr kumimoji="1" lang="zh-CN" altLang="en-US" dirty="0"/>
+              <a:t>提</a:t>
+            </a:r>
+            <a:r>
+              <a:rPr kumimoji="1" lang="zh-CN" altLang="en-US" dirty="0" smtClean="0"/>
+              <a:t>取年</a:t>
+            </a:r>
+            <a:r>
+              <a:rPr kumimoji="1" lang="en-US" altLang="zh-CN" dirty="0" smtClean="0"/>
+              <a:t>-</a:t>
+            </a:r>
+            <a:r>
+              <a:rPr kumimoji="1" lang="zh-CN" altLang="en-US" dirty="0" smtClean="0"/>
+              <a:t>月</a:t>
+            </a:r>
+            <a:r>
+              <a:rPr kumimoji="1" lang="en-US" altLang="zh-CN" dirty="0" smtClean="0"/>
+              <a:t>-</a:t>
+            </a:r>
+            <a:r>
+              <a:rPr kumimoji="1" lang="zh-CN" altLang="en-US" dirty="0" smtClean="0"/>
+              <a:t>日</a:t>
+            </a:r>
+            <a:endParaRPr kumimoji="1" lang="en-US" altLang="zh-CN" dirty="0"/>
+          </a:p>
+          <a:p>
+            <a:endParaRPr kumimoji="1" lang="en-US" altLang="zh-CN" dirty="0" smtClean="0"/>
+          </a:p>
+          <a:p>
+            <a:endParaRPr kumimoji="1" lang="en-US" altLang="zh-CN" dirty="0"/>
+          </a:p>
+          <a:p>
+            <a:endParaRPr kumimoji="1" lang="en-US" altLang="zh-CN" dirty="0" smtClean="0"/>
+          </a:p>
+          <a:p>
+            <a:endParaRPr kumimoji="1" lang="en-US" altLang="zh-CN" dirty="0"/>
+          </a:p>
+          <a:p>
+            <a:endParaRPr kumimoji="1" lang="en-US" altLang="zh-CN" dirty="0" smtClean="0"/>
+          </a:p>
+          <a:p>
+            <a:r>
+              <a:rPr kumimoji="1" lang="en-US" altLang="zh-CN" dirty="0">
+                <a:hlinkClick r:id="rId3"/>
+              </a:rPr>
+              <a:t>https://</a:t>
+            </a:r>
+            <a:r>
+              <a:rPr kumimoji="1" lang="en-US" altLang="zh-CN" dirty="0" smtClean="0">
+                <a:hlinkClick r:id="rId3"/>
+              </a:rPr>
+              <a:t>blog.csdn.net/weixin_41991449/article/details/80203177</a:t>
+            </a:r>
+            <a:endParaRPr kumimoji="1" lang="en-US" altLang="zh-CN" dirty="0" smtClean="0"/>
+          </a:p>
+          <a:p>
+            <a:endParaRPr kumimoji="1" lang="en-US" altLang="zh-CN" dirty="0" smtClean="0"/>
+          </a:p>
+          <a:p>
+            <a:endParaRPr kumimoji="1" lang="en-US" altLang="zh-CN" dirty="0"/>
+          </a:p>
+          <a:p>
+            <a:endParaRPr kumimoji="1" lang="en-US" altLang="zh-CN" dirty="0" smtClean="0"/>
+          </a:p>
+        </p:txBody>
+      </p:sp>
+      <p:pic>
+        <p:nvPicPr>
+          <p:cNvPr id="4" name="図 3"/>
+          <p:cNvPicPr>
+            <a:picLocks noChangeAspect="1"/>
+          </p:cNvPicPr>
+          <p:nvPr/>
+        </p:nvPicPr>
+        <p:blipFill>
+          <a:blip r:embed="rId4"/>
+          <a:stretch>
+            <a:fillRect/>
+          </a:stretch>
+        </p:blipFill>
+        <p:spPr>
+          <a:xfrm>
+            <a:off x="973847" y="2044936"/>
+            <a:ext cx="7287485" cy="831272"/>
+          </a:xfrm>
+          <a:prstGeom prst="rect">
+            <a:avLst/>
+          </a:prstGeom>
+        </p:spPr>
+      </p:pic>
+      <p:pic>
+        <p:nvPicPr>
+          <p:cNvPr id="9" name="図 8"/>
+          <p:cNvPicPr>
+            <a:picLocks noChangeAspect="1"/>
+          </p:cNvPicPr>
+          <p:nvPr/>
+        </p:nvPicPr>
+        <p:blipFill rotWithShape="1">
+          <a:blip r:embed="rId5"/>
+          <a:srcRect t="14023"/>
+          <a:stretch/>
+        </p:blipFill>
+        <p:spPr>
+          <a:xfrm>
+            <a:off x="973847" y="3604342"/>
+            <a:ext cx="7287485" cy="485524"/>
+          </a:xfrm>
+          <a:prstGeom prst="rect">
+            <a:avLst/>
+          </a:prstGeom>
+        </p:spPr>
+      </p:pic>
+      <p:pic>
+        <p:nvPicPr>
+          <p:cNvPr id="10" name="図 9"/>
+          <p:cNvPicPr>
+            <a:picLocks noChangeAspect="1"/>
+          </p:cNvPicPr>
+          <p:nvPr/>
+        </p:nvPicPr>
+        <p:blipFill>
+          <a:blip r:embed="rId6"/>
+          <a:stretch>
+            <a:fillRect/>
+          </a:stretch>
+        </p:blipFill>
+        <p:spPr>
+          <a:xfrm>
+            <a:off x="973847" y="4249089"/>
+            <a:ext cx="7287485" cy="568911"/>
+          </a:xfrm>
+          <a:prstGeom prst="rect">
+            <a:avLst/>
+          </a:prstGeom>
+        </p:spPr>
+      </p:pic>
+      <p:pic>
+        <p:nvPicPr>
+          <p:cNvPr id="11" name="図 10"/>
+          <p:cNvPicPr>
+            <a:picLocks noChangeAspect="1"/>
+          </p:cNvPicPr>
+          <p:nvPr/>
+        </p:nvPicPr>
+        <p:blipFill>
+          <a:blip r:embed="rId7"/>
+          <a:stretch>
+            <a:fillRect/>
+          </a:stretch>
+        </p:blipFill>
+        <p:spPr>
+          <a:xfrm>
+            <a:off x="973847" y="4952936"/>
+            <a:ext cx="7287485" cy="509053"/>
+          </a:xfrm>
+          <a:prstGeom prst="rect">
+            <a:avLst/>
+          </a:prstGeom>
+        </p:spPr>
+      </p:pic>
+      <p:pic>
+        <p:nvPicPr>
+          <p:cNvPr id="12" name="図 11"/>
+          <p:cNvPicPr>
+            <a:picLocks noChangeAspect="1"/>
+          </p:cNvPicPr>
+          <p:nvPr/>
+        </p:nvPicPr>
+        <p:blipFill>
+          <a:blip r:embed="rId8"/>
+          <a:stretch>
+            <a:fillRect/>
+          </a:stretch>
+        </p:blipFill>
+        <p:spPr>
+          <a:xfrm>
+            <a:off x="973847" y="5664710"/>
+            <a:ext cx="7287485" cy="398351"/>
+          </a:xfrm>
+          <a:prstGeom prst="rect">
+            <a:avLst/>
+          </a:prstGeom>
+        </p:spPr>
+      </p:pic>
+    </p:spTree>
+    <p:extLst>
+      <p:ext uri="{BB962C8B-B14F-4D97-AF65-F5344CB8AC3E}">
+        <p14:creationId xmlns:p14="http://schemas.microsoft.com/office/powerpoint/2010/main" val="1848469791"/>
+      </p:ext>
+    </p:extLst>
+  </p:cSld>
+  <p:clrMapOvr>
+    <a:masterClrMapping/>
+  </p:clrMapOvr>
+  <p:timing>
+    <p:tnLst>
+      <p:par>
+        <p:cTn id="1" dur="indefinite" restart="never" nodeType="tmRoot"/>
+      </p:par>
+    </p:tnLst>
+  </p:timing>
+</p:sld>
+</file>
+
+<file path=ppt/slides/slide6.xml><?xml version="1.0" encoding="utf-8"?>
+<p:sld xmlns:a="http://schemas.openxmlformats.org/drawingml/2006/main" xmlns:r="http://schemas.openxmlformats.org/officeDocument/2006/relationships" xmlns:p="http://schemas.openxmlformats.org/presentationml/2006/main">
+  <p:cSld>
+    <p:spTree>
+      <p:nvGrpSpPr>
+        <p:cNvPr id="1" name=""/>
+        <p:cNvGrpSpPr/>
+        <p:nvPr/>
+      </p:nvGrpSpPr>
+      <p:grpSpPr>
+        <a:xfrm>
+          <a:off x="0" y="0"/>
+          <a:ext cx="0" cy="0"/>
+          <a:chOff x="0" y="0"/>
+          <a:chExt cx="0" cy="0"/>
+        </a:xfrm>
+      </p:grpSpPr>
+      <p:sp>
+        <p:nvSpPr>
+          <p:cNvPr id="2" name="タイトル 1"/>
+          <p:cNvSpPr>
+            <a:spLocks noGrp="1"/>
+          </p:cNvSpPr>
+          <p:nvPr>
+            <p:ph type="title"/>
+          </p:nvPr>
+        </p:nvSpPr>
+        <p:spPr/>
+        <p:txBody>
+          <a:bodyPr/>
+          <a:lstStyle/>
+          <a:p>
+            <a:r>
+              <a:rPr kumimoji="1" lang="en-US" altLang="zh-CN" dirty="0" smtClean="0"/>
+              <a:t>man </a:t>
+            </a:r>
+            <a:r>
+              <a:rPr kumimoji="1" lang="zh-CN" altLang="en-US" dirty="0" smtClean="0"/>
+              <a:t>命令</a:t>
+            </a:r>
+            <a:endParaRPr kumimoji="1" lang="ja-JP" altLang="en-US" dirty="0"/>
+          </a:p>
+        </p:txBody>
+      </p:sp>
+      <p:sp>
+        <p:nvSpPr>
+          <p:cNvPr id="3" name="コンテンツ プレースホルダー 2"/>
+          <p:cNvSpPr>
+            <a:spLocks noGrp="1"/>
+          </p:cNvSpPr>
+          <p:nvPr>
+            <p:ph idx="1"/>
+          </p:nvPr>
+        </p:nvSpPr>
+        <p:spPr/>
+        <p:txBody>
+          <a:bodyPr/>
+          <a:lstStyle/>
+          <a:p>
+            <a:endParaRPr kumimoji="1" lang="en-US" altLang="zh-CN" dirty="0" smtClean="0"/>
+          </a:p>
+          <a:p>
+            <a:endParaRPr kumimoji="1" lang="en-US" altLang="zh-CN" dirty="0" smtClean="0"/>
+          </a:p>
+        </p:txBody>
+      </p:sp>
+      <p:sp>
+        <p:nvSpPr>
+          <p:cNvPr id="7" name="コンテンツ プレースホルダー 2"/>
+          <p:cNvSpPr txBox="1">
+            <a:spLocks/>
+          </p:cNvSpPr>
+          <p:nvPr/>
+        </p:nvSpPr>
+        <p:spPr>
+          <a:xfrm>
+            <a:off x="781050" y="1978025"/>
+            <a:ext cx="7886700" cy="4351338"/>
+          </a:xfrm>
+          <a:prstGeom prst="rect">
+            <a:avLst/>
+          </a:prstGeom>
+        </p:spPr>
+        <p:txBody>
+          <a:bodyPr vert="horz" lIns="91440" tIns="45720" rIns="91440" bIns="45720" rtlCol="0">
+            <a:normAutofit/>
+          </a:bodyPr>
+          <a:lstStyle>
+            <a:lvl1pPr marL="228600" indent="-228600" algn="l" defTabSz="914400" rtl="0" eaLnBrk="1" latinLnBrk="0" hangingPunct="1">
+              <a:lnSpc>
+                <a:spcPct val="90000"/>
+              </a:lnSpc>
+              <a:spcBef>
+                <a:spcPts val="1000"/>
+              </a:spcBef>
+              <a:buFont typeface="Arial" panose="020B0604020202020204" pitchFamily="34" charset="0"/>
+              <a:buChar char="•"/>
+              <a:defRPr sz="2800" kern="1200">
+                <a:solidFill>
+                  <a:schemeClr val="tx1"/>
+                </a:solidFill>
+                <a:latin typeface="+mn-lt"/>
+                <a:ea typeface="+mn-ea"/>
+                <a:cs typeface="+mn-cs"/>
+              </a:defRPr>
+            </a:lvl1pPr>
+            <a:lvl2pPr marL="685800" indent="-228600" algn="l" defTabSz="914400" rtl="0" eaLnBrk="1" latinLnBrk="0" hangingPunct="1">
+              <a:lnSpc>
+                <a:spcPct val="90000"/>
+              </a:lnSpc>
+              <a:spcBef>
+                <a:spcPts val="500"/>
+              </a:spcBef>
+              <a:buFont typeface="Arial" panose="020B0604020202020204" pitchFamily="34" charset="0"/>
+              <a:buChar char="•"/>
+              <a:defRPr sz="2400" kern="1200">
+                <a:solidFill>
+                  <a:schemeClr val="tx1"/>
+                </a:solidFill>
+                <a:latin typeface="+mn-lt"/>
+                <a:ea typeface="+mn-ea"/>
+                <a:cs typeface="+mn-cs"/>
+              </a:defRPr>
+            </a:lvl2pPr>
+            <a:lvl3pPr marL="1143000" indent="-228600" algn="l" defTabSz="914400" rtl="0" eaLnBrk="1" latinLnBrk="0" hangingPunct="1">
+              <a:lnSpc>
+                <a:spcPct val="90000"/>
+              </a:lnSpc>
+              <a:spcBef>
+                <a:spcPts val="500"/>
+              </a:spcBef>
+              <a:buFont typeface="Arial" panose="020B0604020202020204" pitchFamily="34" charset="0"/>
+              <a:buChar char="•"/>
+              <a:defRPr sz="2000" kern="1200">
+                <a:solidFill>
+                  <a:schemeClr val="tx1"/>
+                </a:solidFill>
+                <a:latin typeface="+mn-lt"/>
+                <a:ea typeface="+mn-ea"/>
+                <a:cs typeface="+mn-cs"/>
+              </a:defRPr>
+            </a:lvl3pPr>
+            <a:lvl4pPr marL="1600200" indent="-228600" algn="l" defTabSz="914400" rtl="0" eaLnBrk="1" latinLnBrk="0" hangingPunct="1">
+              <a:lnSpc>
+                <a:spcPct val="90000"/>
+              </a:lnSpc>
+              <a:spcBef>
+                <a:spcPts val="500"/>
+              </a:spcBef>
+              <a:buFont typeface="Arial" panose="020B0604020202020204" pitchFamily="34" charset="0"/>
+              <a:buChar char="•"/>
+              <a:defRPr sz="1800" kern="1200">
+                <a:solidFill>
+                  <a:schemeClr val="tx1"/>
+                </a:solidFill>
+                <a:latin typeface="+mn-lt"/>
+                <a:ea typeface="+mn-ea"/>
+                <a:cs typeface="+mn-cs"/>
+              </a:defRPr>
+            </a:lvl4pPr>
+            <a:lvl5pPr marL="2057400" indent="-228600" algn="l" defTabSz="914400" rtl="0" eaLnBrk="1" latinLnBrk="0" hangingPunct="1">
+              <a:lnSpc>
+                <a:spcPct val="90000"/>
+              </a:lnSpc>
+              <a:spcBef>
+                <a:spcPts val="500"/>
+              </a:spcBef>
+              <a:buFont typeface="Arial" panose="020B0604020202020204" pitchFamily="34" charset="0"/>
+              <a:buChar char="•"/>
+              <a:defRPr sz="1800" kern="1200">
+                <a:solidFill>
+                  <a:schemeClr val="tx1"/>
+                </a:solidFill>
+                <a:latin typeface="+mn-lt"/>
+                <a:ea typeface="+mn-ea"/>
+                <a:cs typeface="+mn-cs"/>
+              </a:defRPr>
+            </a:lvl5pPr>
+            <a:lvl6pPr marL="2514600" indent="-228600" algn="l" defTabSz="914400" rtl="0" eaLnBrk="1" latinLnBrk="0" hangingPunct="1">
+              <a:lnSpc>
+                <a:spcPct val="90000"/>
+              </a:lnSpc>
+              <a:spcBef>
+                <a:spcPts val="500"/>
+              </a:spcBef>
+              <a:buFont typeface="Arial" panose="020B0604020202020204" pitchFamily="34" charset="0"/>
+              <a:buChar char="•"/>
+              <a:defRPr sz="1800" kern="1200">
+                <a:solidFill>
+                  <a:schemeClr val="tx1"/>
+                </a:solidFill>
+                <a:latin typeface="+mn-lt"/>
+                <a:ea typeface="+mn-ea"/>
+                <a:cs typeface="+mn-cs"/>
+              </a:defRPr>
+            </a:lvl6pPr>
+            <a:lvl7pPr marL="2971800" indent="-228600" algn="l" defTabSz="914400" rtl="0" eaLnBrk="1" latinLnBrk="0" hangingPunct="1">
+              <a:lnSpc>
+                <a:spcPct val="90000"/>
+              </a:lnSpc>
+              <a:spcBef>
+                <a:spcPts val="500"/>
+              </a:spcBef>
+              <a:buFont typeface="Arial" panose="020B0604020202020204" pitchFamily="34" charset="0"/>
+              <a:buChar char="•"/>
+              <a:defRPr sz="1800" kern="1200">
+                <a:solidFill>
+                  <a:schemeClr val="tx1"/>
+                </a:solidFill>
+                <a:latin typeface="+mn-lt"/>
+                <a:ea typeface="+mn-ea"/>
+                <a:cs typeface="+mn-cs"/>
+              </a:defRPr>
+            </a:lvl7pPr>
+            <a:lvl8pPr marL="3429000" indent="-228600" algn="l" defTabSz="914400" rtl="0" eaLnBrk="1" latinLnBrk="0" hangingPunct="1">
+              <a:lnSpc>
+                <a:spcPct val="90000"/>
+              </a:lnSpc>
+              <a:spcBef>
+                <a:spcPts val="500"/>
+              </a:spcBef>
+              <a:buFont typeface="Arial" panose="020B0604020202020204" pitchFamily="34" charset="0"/>
+              <a:buChar char="•"/>
+              <a:defRPr sz="1800" kern="1200">
+                <a:solidFill>
+                  <a:schemeClr val="tx1"/>
+                </a:solidFill>
+                <a:latin typeface="+mn-lt"/>
+                <a:ea typeface="+mn-ea"/>
+                <a:cs typeface="+mn-cs"/>
+              </a:defRPr>
+            </a:lvl8pPr>
+            <a:lvl9pPr marL="3886200" indent="-228600" algn="l" defTabSz="914400" rtl="0" eaLnBrk="1" latinLnBrk="0" hangingPunct="1">
+              <a:lnSpc>
+                <a:spcPct val="90000"/>
+              </a:lnSpc>
+              <a:spcBef>
+                <a:spcPts val="500"/>
+              </a:spcBef>
+              <a:buFont typeface="Arial" panose="020B0604020202020204" pitchFamily="34" charset="0"/>
+              <a:buChar char="•"/>
+              <a:defRPr sz="1800" kern="1200">
+                <a:solidFill>
+                  <a:schemeClr val="tx1"/>
+                </a:solidFill>
+                <a:latin typeface="+mn-lt"/>
+                <a:ea typeface="+mn-ea"/>
+                <a:cs typeface="+mn-cs"/>
+              </a:defRPr>
+            </a:lvl9pPr>
+          </a:lstStyle>
+          <a:p>
+            <a:r>
+              <a:rPr kumimoji="1" lang="en-US" altLang="zh-CN" dirty="0" smtClean="0"/>
+              <a:t>Man = </a:t>
+            </a:r>
+            <a:r>
+              <a:rPr kumimoji="1" lang="en-US" altLang="zh-CN" dirty="0" smtClean="0">
+                <a:solidFill>
+                  <a:srgbClr val="FF0000"/>
+                </a:solidFill>
+              </a:rPr>
+              <a:t>man</a:t>
+            </a:r>
+            <a:r>
+              <a:rPr kumimoji="1" lang="en-US" altLang="zh-CN" dirty="0" smtClean="0"/>
+              <a:t>ual</a:t>
+            </a:r>
+          </a:p>
+          <a:p>
+            <a:r>
+              <a:rPr kumimoji="1" lang="zh-CN" altLang="en-US" dirty="0" smtClean="0"/>
+              <a:t>不懂就要问</a:t>
+            </a:r>
+            <a:r>
+              <a:rPr kumimoji="1" lang="en-US" altLang="zh-CN" dirty="0" smtClean="0"/>
+              <a:t>man</a:t>
+            </a:r>
+          </a:p>
+          <a:p>
+            <a:endParaRPr kumimoji="1" lang="en-US" altLang="zh-CN" dirty="0"/>
+          </a:p>
+          <a:p>
+            <a:endParaRPr kumimoji="1" lang="en-US" altLang="zh-CN" dirty="0" smtClean="0"/>
+          </a:p>
+        </p:txBody>
+      </p:sp>
+      <p:pic>
+        <p:nvPicPr>
+          <p:cNvPr id="5" name="図 4"/>
+          <p:cNvPicPr>
+            <a:picLocks noChangeAspect="1"/>
+          </p:cNvPicPr>
+          <p:nvPr/>
+        </p:nvPicPr>
+        <p:blipFill>
+          <a:blip r:embed="rId3"/>
+          <a:stretch>
+            <a:fillRect/>
+          </a:stretch>
+        </p:blipFill>
+        <p:spPr>
+          <a:xfrm>
+            <a:off x="781049" y="3171478"/>
+            <a:ext cx="7346247" cy="469497"/>
+          </a:xfrm>
+          <a:prstGeom prst="rect">
+            <a:avLst/>
+          </a:prstGeom>
+        </p:spPr>
+      </p:pic>
+    </p:spTree>
+    <p:extLst>
+      <p:ext uri="{BB962C8B-B14F-4D97-AF65-F5344CB8AC3E}">
+        <p14:creationId xmlns:p14="http://schemas.microsoft.com/office/powerpoint/2010/main" val="307354633"/>
+      </p:ext>
+    </p:extLst>
+  </p:cSld>
+  <p:clrMapOvr>
+    <a:masterClrMapping/>
+  </p:clrMapOvr>
+  <p:timing>
+    <p:tnLst>
+      <p:par>
+        <p:cTn id="1" dur="indefinite" restart="never" nodeType="tmRoot"/>
+      </p:par>
+    </p:tnLst>
+  </p:timing>
+</p:sld>
+</file>
+
+<file path=ppt/slides/slide7.xml><?xml version="1.0" encoding="utf-8"?>
 <p:sld xmlns:a="http://schemas.openxmlformats.org/drawingml/2006/main" xmlns:r="http://schemas.openxmlformats.org/officeDocument/2006/relationships" xmlns:p="http://schemas.openxmlformats.org/presentationml/2006/main">
   <p:cSld>
     <p:spTree>
@@ -8608,7 +12310,7 @@
 </p:sld>
 </file>
 
-<file path=ppt/slides/slide6.xml><?xml version="1.0" encoding="utf-8"?>
+<file path=ppt/slides/slide8.xml><?xml version="1.0" encoding="utf-8"?>
 <p:sld xmlns:a="http://schemas.openxmlformats.org/drawingml/2006/main" xmlns:r="http://schemas.openxmlformats.org/officeDocument/2006/relationships" xmlns:p="http://schemas.openxmlformats.org/presentationml/2006/main">
   <p:cSld>
     <p:spTree>
@@ -8810,507 +12512,6 @@
     <p:extLst>
       <p:ext uri="{BB962C8B-B14F-4D97-AF65-F5344CB8AC3E}">
         <p14:creationId xmlns:p14="http://schemas.microsoft.com/office/powerpoint/2010/main" val="1483482264"/>
-      </p:ext>
-    </p:extLst>
-  </p:cSld>
-  <p:clrMapOvr>
-    <a:masterClrMapping/>
-  </p:clrMapOvr>
-  <p:timing>
-    <p:tnLst>
-      <p:par>
-        <p:cTn id="1" dur="indefinite" restart="never" nodeType="tmRoot"/>
-      </p:par>
-    </p:tnLst>
-  </p:timing>
-</p:sld>
-</file>
-
-<file path=ppt/slides/slide7.xml><?xml version="1.0" encoding="utf-8"?>
-<p:sld xmlns:a="http://schemas.openxmlformats.org/drawingml/2006/main" xmlns:r="http://schemas.openxmlformats.org/officeDocument/2006/relationships" xmlns:p="http://schemas.openxmlformats.org/presentationml/2006/main">
-  <p:cSld>
-    <p:spTree>
-      <p:nvGrpSpPr>
-        <p:cNvPr id="1" name=""/>
-        <p:cNvGrpSpPr/>
-        <p:nvPr/>
-      </p:nvGrpSpPr>
-      <p:grpSpPr>
-        <a:xfrm>
-          <a:off x="0" y="0"/>
-          <a:ext cx="0" cy="0"/>
-          <a:chOff x="0" y="0"/>
-          <a:chExt cx="0" cy="0"/>
-        </a:xfrm>
-      </p:grpSpPr>
-      <p:sp>
-        <p:nvSpPr>
-          <p:cNvPr id="2" name="タイトル 1"/>
-          <p:cNvSpPr>
-            <a:spLocks noGrp="1"/>
-          </p:cNvSpPr>
-          <p:nvPr>
-            <p:ph type="title"/>
-          </p:nvPr>
-        </p:nvSpPr>
-        <p:spPr/>
-        <p:txBody>
-          <a:bodyPr/>
-          <a:lstStyle/>
-          <a:p>
-            <a:r>
-              <a:rPr kumimoji="1" lang="en-US" altLang="zh-CN" dirty="0" err="1" smtClean="0"/>
-              <a:t>rmdir</a:t>
-            </a:r>
-            <a:r>
-              <a:rPr kumimoji="1" lang="en-US" altLang="zh-CN" dirty="0" smtClean="0"/>
-              <a:t> </a:t>
-            </a:r>
-            <a:r>
-              <a:rPr kumimoji="1" lang="zh-CN" altLang="en-US" dirty="0" smtClean="0"/>
-              <a:t>命令</a:t>
-            </a:r>
-            <a:endParaRPr kumimoji="1" lang="ja-JP" altLang="en-US" dirty="0"/>
-          </a:p>
-        </p:txBody>
-      </p:sp>
-      <p:sp>
-        <p:nvSpPr>
-          <p:cNvPr id="3" name="コンテンツ プレースホルダー 2"/>
-          <p:cNvSpPr>
-            <a:spLocks noGrp="1"/>
-          </p:cNvSpPr>
-          <p:nvPr>
-            <p:ph idx="1"/>
-          </p:nvPr>
-        </p:nvSpPr>
-        <p:spPr/>
-        <p:txBody>
-          <a:bodyPr/>
-          <a:lstStyle/>
-          <a:p>
-            <a:r>
-              <a:rPr kumimoji="1" lang="en-US" altLang="zh-CN" dirty="0" err="1" smtClean="0"/>
-              <a:t>rmkdir</a:t>
-            </a:r>
-            <a:r>
-              <a:rPr kumimoji="1" lang="en-US" altLang="zh-CN" dirty="0" smtClean="0"/>
-              <a:t> =</a:t>
-            </a:r>
-            <a:r>
-              <a:rPr kumimoji="1" lang="en-US" altLang="zh-CN" dirty="0" smtClean="0">
-                <a:solidFill>
-                  <a:srgbClr val="FF0000"/>
-                </a:solidFill>
-              </a:rPr>
-              <a:t>r</a:t>
-            </a:r>
-            <a:r>
-              <a:rPr kumimoji="1" lang="en-US" altLang="zh-CN" dirty="0" smtClean="0"/>
-              <a:t>e</a:t>
-            </a:r>
-            <a:r>
-              <a:rPr kumimoji="1" lang="en-US" altLang="zh-CN" dirty="0" smtClean="0">
-                <a:solidFill>
-                  <a:srgbClr val="FF0000"/>
-                </a:solidFill>
-              </a:rPr>
-              <a:t>m</a:t>
-            </a:r>
-            <a:r>
-              <a:rPr kumimoji="1" lang="en-US" altLang="zh-CN" dirty="0" smtClean="0"/>
-              <a:t>ove </a:t>
-            </a:r>
-            <a:r>
-              <a:rPr kumimoji="1" lang="en-US" altLang="zh-CN" dirty="0">
-                <a:solidFill>
-                  <a:srgbClr val="FF0000"/>
-                </a:solidFill>
-              </a:rPr>
-              <a:t>dir</a:t>
-            </a:r>
-            <a:r>
-              <a:rPr kumimoji="1" lang="en-US" altLang="zh-CN" dirty="0"/>
-              <a:t>ectory </a:t>
-            </a:r>
-          </a:p>
-          <a:p>
-            <a:r>
-              <a:rPr kumimoji="1" lang="zh-CN" altLang="en-US" dirty="0" smtClean="0"/>
-              <a:t>删除目录</a:t>
-            </a:r>
-            <a:endParaRPr kumimoji="1" lang="en-US" altLang="zh-CN" dirty="0" smtClean="0"/>
-          </a:p>
-          <a:p>
-            <a:endParaRPr kumimoji="1" lang="en-US" altLang="zh-CN" dirty="0"/>
-          </a:p>
-          <a:p>
-            <a:pPr marL="457200" lvl="1" indent="0">
-              <a:buNone/>
-            </a:pPr>
-            <a:endParaRPr kumimoji="1" lang="en-US" altLang="zh-CN" dirty="0" smtClean="0"/>
-          </a:p>
-          <a:p>
-            <a:endParaRPr kumimoji="1" lang="ja-JP" altLang="en-US" dirty="0"/>
-          </a:p>
-        </p:txBody>
-      </p:sp>
-      <p:pic>
-        <p:nvPicPr>
-          <p:cNvPr id="6" name="図 5"/>
-          <p:cNvPicPr>
-            <a:picLocks noChangeAspect="1"/>
-          </p:cNvPicPr>
-          <p:nvPr/>
-        </p:nvPicPr>
-        <p:blipFill rotWithShape="1">
-          <a:blip r:embed="rId2"/>
-          <a:srcRect r="59570"/>
-          <a:stretch/>
-        </p:blipFill>
-        <p:spPr>
-          <a:xfrm>
-            <a:off x="404813" y="2868839"/>
-            <a:ext cx="8704682" cy="1919292"/>
-          </a:xfrm>
-          <a:prstGeom prst="rect">
-            <a:avLst/>
-          </a:prstGeom>
-        </p:spPr>
-      </p:pic>
-    </p:spTree>
-    <p:extLst>
-      <p:ext uri="{BB962C8B-B14F-4D97-AF65-F5344CB8AC3E}">
-        <p14:creationId xmlns:p14="http://schemas.microsoft.com/office/powerpoint/2010/main" val="1978233754"/>
-      </p:ext>
-    </p:extLst>
-  </p:cSld>
-  <p:clrMapOvr>
-    <a:masterClrMapping/>
-  </p:clrMapOvr>
-  <p:timing>
-    <p:tnLst>
-      <p:par>
-        <p:cTn id="1" dur="indefinite" restart="never" nodeType="tmRoot"/>
-      </p:par>
-    </p:tnLst>
-  </p:timing>
-</p:sld>
-</file>
-
-<file path=ppt/slides/slide8.xml><?xml version="1.0" encoding="utf-8"?>
-<p:sld xmlns:a="http://schemas.openxmlformats.org/drawingml/2006/main" xmlns:r="http://schemas.openxmlformats.org/officeDocument/2006/relationships" xmlns:p="http://schemas.openxmlformats.org/presentationml/2006/main">
-  <p:cSld>
-    <p:spTree>
-      <p:nvGrpSpPr>
-        <p:cNvPr id="1" name=""/>
-        <p:cNvGrpSpPr/>
-        <p:nvPr/>
-      </p:nvGrpSpPr>
-      <p:grpSpPr>
-        <a:xfrm>
-          <a:off x="0" y="0"/>
-          <a:ext cx="0" cy="0"/>
-          <a:chOff x="0" y="0"/>
-          <a:chExt cx="0" cy="0"/>
-        </a:xfrm>
-      </p:grpSpPr>
-      <p:sp>
-        <p:nvSpPr>
-          <p:cNvPr id="2" name="タイトル 1"/>
-          <p:cNvSpPr>
-            <a:spLocks noGrp="1"/>
-          </p:cNvSpPr>
-          <p:nvPr>
-            <p:ph type="title"/>
-          </p:nvPr>
-        </p:nvSpPr>
-        <p:spPr/>
-        <p:txBody>
-          <a:bodyPr/>
-          <a:lstStyle/>
-          <a:p>
-            <a:r>
-              <a:rPr kumimoji="1" lang="en-US" altLang="zh-CN" dirty="0" smtClean="0"/>
-              <a:t>cd </a:t>
-            </a:r>
-            <a:r>
-              <a:rPr kumimoji="1" lang="zh-CN" altLang="en-US" dirty="0" smtClean="0"/>
-              <a:t>命令</a:t>
-            </a:r>
-            <a:endParaRPr kumimoji="1" lang="ja-JP" altLang="en-US" dirty="0"/>
-          </a:p>
-        </p:txBody>
-      </p:sp>
-      <p:sp>
-        <p:nvSpPr>
-          <p:cNvPr id="3" name="コンテンツ プレースホルダー 2"/>
-          <p:cNvSpPr>
-            <a:spLocks noGrp="1"/>
-          </p:cNvSpPr>
-          <p:nvPr>
-            <p:ph idx="1"/>
-          </p:nvPr>
-        </p:nvSpPr>
-        <p:spPr/>
-        <p:txBody>
-          <a:bodyPr/>
-          <a:lstStyle/>
-          <a:p>
-            <a:r>
-              <a:rPr kumimoji="1" lang="en-US" altLang="zh-CN" dirty="0"/>
-              <a:t>cd</a:t>
-            </a:r>
-            <a:r>
-              <a:rPr kumimoji="1" lang="en-US" altLang="zh-CN" dirty="0" smtClean="0"/>
-              <a:t> </a:t>
-            </a:r>
-            <a:r>
-              <a:rPr kumimoji="1" lang="en-US" altLang="zh-CN" dirty="0"/>
-              <a:t>= </a:t>
-            </a:r>
-            <a:r>
-              <a:rPr kumimoji="1" lang="en-US" altLang="zh-CN" dirty="0" smtClean="0">
-                <a:solidFill>
-                  <a:srgbClr val="FF0000"/>
-                </a:solidFill>
-              </a:rPr>
-              <a:t>c</a:t>
-            </a:r>
-            <a:r>
-              <a:rPr kumimoji="1" lang="en-US" altLang="zh-CN" dirty="0" smtClean="0"/>
-              <a:t>hange </a:t>
-            </a:r>
-            <a:r>
-              <a:rPr kumimoji="1" lang="en-US" altLang="zh-CN" dirty="0">
-                <a:solidFill>
-                  <a:srgbClr val="FF0000"/>
-                </a:solidFill>
-              </a:rPr>
-              <a:t>d</a:t>
-            </a:r>
-            <a:r>
-              <a:rPr kumimoji="1" lang="en-US" altLang="zh-CN" dirty="0"/>
-              <a:t>irectory </a:t>
-            </a:r>
-          </a:p>
-          <a:p>
-            <a:r>
-              <a:rPr kumimoji="1" lang="zh-CN" altLang="en-US" dirty="0" smtClean="0"/>
-              <a:t>进入</a:t>
-            </a:r>
-            <a:r>
-              <a:rPr kumimoji="1" lang="en-US" altLang="zh-CN" dirty="0" smtClean="0"/>
-              <a:t>2019_workshop </a:t>
-            </a:r>
-            <a:r>
-              <a:rPr kumimoji="1" lang="zh-CN" altLang="en-US" dirty="0" smtClean="0"/>
-              <a:t>目录下</a:t>
-            </a:r>
-            <a:endParaRPr kumimoji="1" lang="en-US" altLang="zh-CN" dirty="0" smtClean="0"/>
-          </a:p>
-          <a:p>
-            <a:endParaRPr kumimoji="1" lang="en-US" altLang="zh-CN" dirty="0"/>
-          </a:p>
-          <a:p>
-            <a:endParaRPr kumimoji="1" lang="en-US" altLang="zh-CN" dirty="0" smtClean="0"/>
-          </a:p>
-          <a:p>
-            <a:r>
-              <a:rPr kumimoji="1" lang="en-US" altLang="zh-CN" dirty="0" smtClean="0"/>
-              <a:t>cd .. (</a:t>
-            </a:r>
-            <a:r>
-              <a:rPr kumimoji="1" lang="zh-CN" altLang="en-US" dirty="0" smtClean="0"/>
-              <a:t>后退</a:t>
-            </a:r>
-            <a:r>
-              <a:rPr kumimoji="1" lang="zh-CN" altLang="en-US" dirty="0"/>
-              <a:t>一步</a:t>
-            </a:r>
-            <a:r>
-              <a:rPr kumimoji="1" lang="en-US" altLang="zh-CN" dirty="0" smtClean="0"/>
-              <a:t>)</a:t>
-            </a:r>
-          </a:p>
-          <a:p>
-            <a:endParaRPr kumimoji="1" lang="en-US" altLang="zh-CN" dirty="0"/>
-          </a:p>
-          <a:p>
-            <a:endParaRPr kumimoji="1" lang="en-US" altLang="zh-CN" dirty="0" smtClean="0"/>
-          </a:p>
-          <a:p>
-            <a:r>
-              <a:rPr kumimoji="1" lang="en-US" altLang="zh-CN" dirty="0" smtClean="0"/>
-              <a:t>cd ~ (</a:t>
-            </a:r>
-            <a:r>
-              <a:rPr kumimoji="1" lang="zh-CN" altLang="en-US" dirty="0" smtClean="0"/>
-              <a:t>回到用户主目录</a:t>
-            </a:r>
-            <a:r>
-              <a:rPr kumimoji="1" lang="en-US" altLang="zh-CN" dirty="0" smtClean="0"/>
-              <a:t>)</a:t>
-            </a:r>
-            <a:endParaRPr kumimoji="1" lang="en-US" altLang="zh-CN" dirty="0"/>
-          </a:p>
-          <a:p>
-            <a:endParaRPr kumimoji="1" lang="en-US" altLang="zh-CN" dirty="0" smtClean="0"/>
-          </a:p>
-          <a:p>
-            <a:endParaRPr kumimoji="1" lang="en-US" altLang="zh-CN" dirty="0"/>
-          </a:p>
-          <a:p>
-            <a:pPr marL="0" indent="0">
-              <a:buNone/>
-            </a:pPr>
-            <a:endParaRPr kumimoji="1" lang="en-US" altLang="zh-CN" dirty="0"/>
-          </a:p>
-          <a:p>
-            <a:pPr marL="0" indent="0">
-              <a:buNone/>
-            </a:pPr>
-            <a:endParaRPr kumimoji="1" lang="en-US" altLang="zh-CN" dirty="0" smtClean="0"/>
-          </a:p>
-          <a:p>
-            <a:endParaRPr kumimoji="1" lang="en-US" altLang="zh-CN" dirty="0"/>
-          </a:p>
-          <a:p>
-            <a:endParaRPr kumimoji="1" lang="en-US" altLang="zh-CN" dirty="0" smtClean="0"/>
-          </a:p>
-          <a:p>
-            <a:endParaRPr kumimoji="1" lang="en-US" altLang="zh-CN" dirty="0"/>
-          </a:p>
-          <a:p>
-            <a:pPr marL="457200" lvl="1" indent="0">
-              <a:buNone/>
-            </a:pPr>
-            <a:endParaRPr kumimoji="1" lang="en-US" altLang="zh-CN" dirty="0" smtClean="0"/>
-          </a:p>
-          <a:p>
-            <a:endParaRPr kumimoji="1" lang="ja-JP" altLang="en-US" dirty="0"/>
-          </a:p>
-        </p:txBody>
-      </p:sp>
-      <p:pic>
-        <p:nvPicPr>
-          <p:cNvPr id="4" name="図 3"/>
-          <p:cNvPicPr>
-            <a:picLocks noChangeAspect="1"/>
-          </p:cNvPicPr>
-          <p:nvPr/>
-        </p:nvPicPr>
-        <p:blipFill rotWithShape="1">
-          <a:blip r:embed="rId2"/>
-          <a:srcRect r="1457"/>
-          <a:stretch/>
-        </p:blipFill>
-        <p:spPr>
-          <a:xfrm>
-            <a:off x="311605" y="2878137"/>
-            <a:ext cx="8832396" cy="895350"/>
-          </a:xfrm>
-          <a:prstGeom prst="rect">
-            <a:avLst/>
-          </a:prstGeom>
-        </p:spPr>
-      </p:pic>
-      <p:sp>
-        <p:nvSpPr>
-          <p:cNvPr id="5" name="正方形/長方形 4"/>
-          <p:cNvSpPr/>
-          <p:nvPr/>
-        </p:nvSpPr>
-        <p:spPr>
-          <a:xfrm>
-            <a:off x="341738" y="3170241"/>
-            <a:ext cx="914400" cy="200364"/>
-          </a:xfrm>
-          <a:prstGeom prst="rect">
-            <a:avLst/>
-          </a:prstGeom>
-          <a:noFill/>
-          <a:ln w="38100">
-            <a:solidFill>
-              <a:srgbClr val="FF0000"/>
-            </a:solidFill>
-          </a:ln>
-        </p:spPr>
-        <p:style>
-          <a:lnRef idx="2">
-            <a:schemeClr val="accent1">
-              <a:shade val="50000"/>
-            </a:schemeClr>
-          </a:lnRef>
-          <a:fillRef idx="1">
-            <a:schemeClr val="accent1"/>
-          </a:fillRef>
-          <a:effectRef idx="0">
-            <a:schemeClr val="accent1"/>
-          </a:effectRef>
-          <a:fontRef idx="minor">
-            <a:schemeClr val="lt1"/>
-          </a:fontRef>
-        </p:style>
-        <p:txBody>
-          <a:bodyPr rtlCol="0" anchor="ctr"/>
-          <a:lstStyle/>
-          <a:p>
-            <a:pPr algn="ctr"/>
-            <a:endParaRPr kumimoji="1" lang="ja-JP" altLang="en-US"/>
-          </a:p>
-        </p:txBody>
-      </p:sp>
-      <p:pic>
-        <p:nvPicPr>
-          <p:cNvPr id="6" name="図 5"/>
-          <p:cNvPicPr>
-            <a:picLocks noChangeAspect="1"/>
-          </p:cNvPicPr>
-          <p:nvPr/>
-        </p:nvPicPr>
-        <p:blipFill rotWithShape="1">
-          <a:blip r:embed="rId3"/>
-          <a:srcRect r="19565"/>
-          <a:stretch/>
-        </p:blipFill>
-        <p:spPr>
-          <a:xfrm>
-            <a:off x="311604" y="4349246"/>
-            <a:ext cx="8849021" cy="723900"/>
-          </a:xfrm>
-          <a:prstGeom prst="rect">
-            <a:avLst/>
-          </a:prstGeom>
-        </p:spPr>
-      </p:pic>
-      <p:pic>
-        <p:nvPicPr>
-          <p:cNvPr id="7" name="図 6"/>
-          <p:cNvPicPr>
-            <a:picLocks noChangeAspect="1"/>
-          </p:cNvPicPr>
-          <p:nvPr/>
-        </p:nvPicPr>
-        <p:blipFill rotWithShape="1">
-          <a:blip r:embed="rId4"/>
-          <a:srcRect r="19576"/>
-          <a:stretch/>
-        </p:blipFill>
-        <p:spPr>
-          <a:xfrm>
-            <a:off x="311605" y="5877608"/>
-            <a:ext cx="8832396" cy="1162050"/>
-          </a:xfrm>
-          <a:prstGeom prst="rect">
-            <a:avLst/>
-          </a:prstGeom>
-        </p:spPr>
-      </p:pic>
-    </p:spTree>
-    <p:extLst>
-      <p:ext uri="{BB962C8B-B14F-4D97-AF65-F5344CB8AC3E}">
-        <p14:creationId xmlns:p14="http://schemas.microsoft.com/office/powerpoint/2010/main" val="4111363856"/>
       </p:ext>
     </p:extLst>
   </p:cSld>
@@ -9361,7 +12562,7 @@
           <a:p>
             <a:r>
               <a:rPr kumimoji="1" lang="en-US" altLang="zh-CN" dirty="0" err="1" smtClean="0"/>
-              <a:t>pwd</a:t>
+              <a:t>rmdir</a:t>
             </a:r>
             <a:r>
               <a:rPr kumimoji="1" lang="en-US" altLang="zh-CN" dirty="0" smtClean="0"/>
@@ -9387,22 +12588,16 @@
         </p:nvSpPr>
         <p:spPr/>
         <p:txBody>
-          <a:bodyPr>
-            <a:normAutofit/>
-          </a:bodyPr>
-          <a:lstStyle/>
-          <a:p>
-            <a:r>
-              <a:rPr kumimoji="1" lang="en-US" altLang="zh-CN" dirty="0" err="1"/>
-              <a:t>pwd</a:t>
+          <a:bodyPr/>
+          <a:lstStyle/>
+          <a:p>
+            <a:r>
+              <a:rPr kumimoji="1" lang="en-US" altLang="zh-CN" dirty="0" err="1" smtClean="0"/>
+              <a:t>rmkdir</a:t>
             </a:r>
             <a:r>
               <a:rPr kumimoji="1" lang="en-US" altLang="zh-CN" dirty="0" smtClean="0"/>
-              <a:t> </a:t>
-            </a:r>
-            <a:r>
-              <a:rPr kumimoji="1" lang="en-US" altLang="zh-CN" dirty="0"/>
-              <a:t>= </a:t>
+              <a:t> =</a:t>
             </a:r>
             <a:r>
               <a:rPr kumimoji="1" lang="en-US" altLang="zh-CN" dirty="0" smtClean="0">
@@ -9410,11 +12605,11 @@
                   <a:srgbClr val="FF0000"/>
                 </a:solidFill>
               </a:rPr>
-              <a:t>p</a:t>
+              <a:t>r</a:t>
             </a:r>
             <a:r>
               <a:rPr kumimoji="1" lang="en-US" altLang="zh-CN" dirty="0" smtClean="0"/>
-              <a:t>rint </a:t>
+              <a:t>e</a:t>
             </a:r>
             <a:r>
               <a:rPr kumimoji="1" lang="en-US" altLang="zh-CN" dirty="0" smtClean="0">
@@ -9422,55 +12617,30 @@
                   <a:srgbClr val="FF0000"/>
                 </a:solidFill>
               </a:rPr>
-              <a:t>w</a:t>
+              <a:t>m</a:t>
             </a:r>
             <a:r>
               <a:rPr kumimoji="1" lang="en-US" altLang="zh-CN" dirty="0" smtClean="0"/>
-              <a:t>orking </a:t>
-            </a:r>
-            <a:r>
-              <a:rPr kumimoji="1" lang="en-US" altLang="zh-CN" dirty="0" smtClean="0">
+              <a:t>ove </a:t>
+            </a:r>
+            <a:r>
+              <a:rPr kumimoji="1" lang="en-US" altLang="zh-CN" dirty="0">
                 <a:solidFill>
                   <a:srgbClr val="FF0000"/>
                 </a:solidFill>
               </a:rPr>
-              <a:t>d</a:t>
-            </a:r>
-            <a:r>
-              <a:rPr kumimoji="1" lang="en-US" altLang="zh-CN" dirty="0" smtClean="0"/>
-              <a:t>irectory </a:t>
-            </a:r>
-            <a:endParaRPr kumimoji="1" lang="en-US" altLang="zh-CN" dirty="0"/>
-          </a:p>
-          <a:p>
-            <a:r>
-              <a:rPr lang="zh-CN" altLang="en-US" dirty="0" smtClean="0"/>
-              <a:t>显示工作目录。</a:t>
-            </a:r>
-            <a:endParaRPr kumimoji="1" lang="en-US" altLang="zh-CN" dirty="0" smtClean="0"/>
-          </a:p>
-          <a:p>
-            <a:endParaRPr kumimoji="1" lang="en-US" altLang="zh-CN" dirty="0" smtClean="0"/>
-          </a:p>
-          <a:p>
-            <a:endParaRPr kumimoji="1" lang="en-US" altLang="zh-CN" dirty="0"/>
-          </a:p>
-          <a:p>
-            <a:pPr marL="0" indent="0">
-              <a:buNone/>
-            </a:pPr>
-            <a:endParaRPr kumimoji="1" lang="en-US" altLang="zh-CN" dirty="0"/>
-          </a:p>
-          <a:p>
-            <a:pPr marL="0" indent="0">
-              <a:buNone/>
-            </a:pPr>
-            <a:endParaRPr kumimoji="1" lang="en-US" altLang="zh-CN" dirty="0" smtClean="0"/>
-          </a:p>
-          <a:p>
-            <a:endParaRPr kumimoji="1" lang="en-US" altLang="zh-CN" dirty="0"/>
-          </a:p>
-          <a:p>
+              <a:t>dir</a:t>
+            </a:r>
+            <a:r>
+              <a:rPr kumimoji="1" lang="en-US" altLang="zh-CN" dirty="0"/>
+              <a:t>ectory </a:t>
+            </a:r>
+          </a:p>
+          <a:p>
+            <a:r>
+              <a:rPr kumimoji="1" lang="zh-CN" altLang="en-US" dirty="0" smtClean="0"/>
+              <a:t>删除目录</a:t>
+            </a:r>
             <a:endParaRPr kumimoji="1" lang="en-US" altLang="zh-CN" dirty="0" smtClean="0"/>
           </a:p>
           <a:p>
@@ -9489,7 +12659,7 @@
       </p:sp>
       <p:pic>
         <p:nvPicPr>
-          <p:cNvPr id="8" name="図 7"/>
+          <p:cNvPr id="6" name="図 5"/>
           <p:cNvPicPr>
             <a:picLocks noChangeAspect="1"/>
           </p:cNvPicPr>
@@ -9497,13 +12667,13 @@
         </p:nvPicPr>
         <p:blipFill rotWithShape="1">
           <a:blip r:embed="rId2"/>
-          <a:srcRect r="75923" b="12640"/>
+          <a:srcRect r="59570"/>
           <a:stretch/>
         </p:blipFill>
         <p:spPr>
           <a:xfrm>
-            <a:off x="628650" y="2867025"/>
-            <a:ext cx="8168109" cy="1515194"/>
+            <a:off x="404813" y="2868839"/>
+            <a:ext cx="8704682" cy="1919292"/>
           </a:xfrm>
           <a:prstGeom prst="rect">
             <a:avLst/>
@@ -9513,7 +12683,7 @@
     </p:spTree>
     <p:extLst>
       <p:ext uri="{BB962C8B-B14F-4D97-AF65-F5344CB8AC3E}">
-        <p14:creationId xmlns:p14="http://schemas.microsoft.com/office/powerpoint/2010/main" val="842925821"/>
+        <p14:creationId xmlns:p14="http://schemas.microsoft.com/office/powerpoint/2010/main" val="1978233754"/>
       </p:ext>
     </p:extLst>
   </p:cSld>
